--- a/Day2-Numpy/Ch02-NumPyEssentials.pptx
+++ b/Day2-Numpy/Ch02-NumPyEssentials.pptx
@@ -5,42 +5,40 @@
     <p:sldMasterId id="2147483684" r:id="rId5"/>
   </p:sldMasterIdLst>
   <p:notesMasterIdLst>
-    <p:notesMasterId r:id="rId36"/>
+    <p:notesMasterId r:id="rId34"/>
   </p:notesMasterIdLst>
   <p:handoutMasterIdLst>
-    <p:handoutMasterId r:id="rId37"/>
+    <p:handoutMasterId r:id="rId35"/>
   </p:handoutMasterIdLst>
   <p:sldIdLst>
     <p:sldId id="257" r:id="rId6"/>
     <p:sldId id="258" r:id="rId7"/>
     <p:sldId id="259" r:id="rId8"/>
     <p:sldId id="260" r:id="rId9"/>
-    <p:sldId id="261" r:id="rId10"/>
-    <p:sldId id="262" r:id="rId11"/>
-    <p:sldId id="263" r:id="rId12"/>
-    <p:sldId id="297" r:id="rId13"/>
-    <p:sldId id="265" r:id="rId14"/>
+    <p:sldId id="263" r:id="rId10"/>
+    <p:sldId id="261" r:id="rId11"/>
+    <p:sldId id="262" r:id="rId12"/>
+    <p:sldId id="265" r:id="rId13"/>
+    <p:sldId id="267" r:id="rId14"/>
     <p:sldId id="266" r:id="rId15"/>
-    <p:sldId id="267" r:id="rId16"/>
-    <p:sldId id="268" r:id="rId17"/>
-    <p:sldId id="270" r:id="rId18"/>
-    <p:sldId id="271" r:id="rId19"/>
-    <p:sldId id="273" r:id="rId20"/>
-    <p:sldId id="274" r:id="rId21"/>
-    <p:sldId id="279" r:id="rId22"/>
-    <p:sldId id="298" r:id="rId23"/>
-    <p:sldId id="281" r:id="rId24"/>
-    <p:sldId id="282" r:id="rId25"/>
-    <p:sldId id="283" r:id="rId26"/>
-    <p:sldId id="284" r:id="rId27"/>
-    <p:sldId id="285" r:id="rId28"/>
-    <p:sldId id="286" r:id="rId29"/>
-    <p:sldId id="287" r:id="rId30"/>
-    <p:sldId id="288" r:id="rId31"/>
-    <p:sldId id="289" r:id="rId32"/>
-    <p:sldId id="290" r:id="rId33"/>
-    <p:sldId id="295" r:id="rId34"/>
-    <p:sldId id="296" r:id="rId35"/>
+    <p:sldId id="268" r:id="rId16"/>
+    <p:sldId id="270" r:id="rId17"/>
+    <p:sldId id="271" r:id="rId18"/>
+    <p:sldId id="273" r:id="rId19"/>
+    <p:sldId id="274" r:id="rId20"/>
+    <p:sldId id="279" r:id="rId21"/>
+    <p:sldId id="281" r:id="rId22"/>
+    <p:sldId id="282" r:id="rId23"/>
+    <p:sldId id="283" r:id="rId24"/>
+    <p:sldId id="284" r:id="rId25"/>
+    <p:sldId id="285" r:id="rId26"/>
+    <p:sldId id="286" r:id="rId27"/>
+    <p:sldId id="287" r:id="rId28"/>
+    <p:sldId id="288" r:id="rId29"/>
+    <p:sldId id="289" r:id="rId30"/>
+    <p:sldId id="290" r:id="rId31"/>
+    <p:sldId id="295" r:id="rId32"/>
+    <p:sldId id="296" r:id="rId33"/>
   </p:sldIdLst>
   <p:sldSz cx="9144000" cy="6858000" type="screen4x3"/>
   <p:notesSz cx="7053263" cy="9356725"/>
@@ -1356,7 +1354,7 @@
     </p:spTree>
     <p:extLst>
       <p:ext uri="{BB962C8B-B14F-4D97-AF65-F5344CB8AC3E}">
-        <p14:creationId xmlns:p14="http://schemas.microsoft.com/office/powerpoint/2010/main" val="3688217369"/>
+        <p14:creationId xmlns:p14="http://schemas.microsoft.com/office/powerpoint/2010/main" val="74929092"/>
       </p:ext>
     </p:extLst>
   </p:cSld>
@@ -1422,7 +1420,7 @@
     </p:spTree>
     <p:extLst>
       <p:ext uri="{BB962C8B-B14F-4D97-AF65-F5344CB8AC3E}">
-        <p14:creationId xmlns:p14="http://schemas.microsoft.com/office/powerpoint/2010/main" val="74929092"/>
+        <p14:creationId xmlns:p14="http://schemas.microsoft.com/office/powerpoint/2010/main" val="1298002476"/>
       </p:ext>
     </p:extLst>
   </p:cSld>
@@ -1488,7 +1486,7 @@
     </p:spTree>
     <p:extLst>
       <p:ext uri="{BB962C8B-B14F-4D97-AF65-F5344CB8AC3E}">
-        <p14:creationId xmlns:p14="http://schemas.microsoft.com/office/powerpoint/2010/main" val="1298002476"/>
+        <p14:creationId xmlns:p14="http://schemas.microsoft.com/office/powerpoint/2010/main" val="3553693785"/>
       </p:ext>
     </p:extLst>
   </p:cSld>
@@ -1554,7 +1552,7 @@
     </p:spTree>
     <p:extLst>
       <p:ext uri="{BB962C8B-B14F-4D97-AF65-F5344CB8AC3E}">
-        <p14:creationId xmlns:p14="http://schemas.microsoft.com/office/powerpoint/2010/main" val="3553693785"/>
+        <p14:creationId xmlns:p14="http://schemas.microsoft.com/office/powerpoint/2010/main" val="2354536351"/>
       </p:ext>
     </p:extLst>
   </p:cSld>
@@ -1620,7 +1618,7 @@
     </p:spTree>
     <p:extLst>
       <p:ext uri="{BB962C8B-B14F-4D97-AF65-F5344CB8AC3E}">
-        <p14:creationId xmlns:p14="http://schemas.microsoft.com/office/powerpoint/2010/main" val="2354536351"/>
+        <p14:creationId xmlns:p14="http://schemas.microsoft.com/office/powerpoint/2010/main" val="2935932056"/>
       </p:ext>
     </p:extLst>
   </p:cSld>
@@ -1686,7 +1684,7 @@
     </p:spTree>
     <p:extLst>
       <p:ext uri="{BB962C8B-B14F-4D97-AF65-F5344CB8AC3E}">
-        <p14:creationId xmlns:p14="http://schemas.microsoft.com/office/powerpoint/2010/main" val="2935932056"/>
+        <p14:creationId xmlns:p14="http://schemas.microsoft.com/office/powerpoint/2010/main" val="273198868"/>
       </p:ext>
     </p:extLst>
   </p:cSld>
@@ -1697,6 +1695,72 @@
 </file>
 
 <file path=ppt/notesSlides/notesSlide17.xml><?xml version="1.0" encoding="utf-8"?>
+<p:notes xmlns:a="http://schemas.openxmlformats.org/drawingml/2006/main" xmlns:r="http://schemas.openxmlformats.org/officeDocument/2006/relationships" xmlns:p="http://schemas.openxmlformats.org/presentationml/2006/main">
+  <p:cSld>
+    <p:spTree>
+      <p:nvGrpSpPr>
+        <p:cNvPr id="1" name=""/>
+        <p:cNvGrpSpPr/>
+        <p:nvPr/>
+      </p:nvGrpSpPr>
+      <p:grpSpPr>
+        <a:xfrm>
+          <a:off x="0" y="0"/>
+          <a:ext cx="0" cy="0"/>
+          <a:chOff x="0" y="0"/>
+          <a:chExt cx="0" cy="0"/>
+        </a:xfrm>
+      </p:grpSpPr>
+      <p:sp>
+        <p:nvSpPr>
+          <p:cNvPr id="2" name="Slide Image Placeholder 1"/>
+          <p:cNvSpPr>
+            <a:spLocks noGrp="1" noRot="1" noChangeAspect="1"/>
+          </p:cNvSpPr>
+          <p:nvPr>
+            <p:ph type="sldImg"/>
+          </p:nvPr>
+        </p:nvSpPr>
+        <p:spPr>
+          <a:xfrm>
+            <a:off x="1189038" y="701675"/>
+            <a:ext cx="4676775" cy="3508375"/>
+          </a:xfrm>
+        </p:spPr>
+      </p:sp>
+      <p:sp>
+        <p:nvSpPr>
+          <p:cNvPr id="3" name="Notes Placeholder 2"/>
+          <p:cNvSpPr>
+            <a:spLocks noGrp="1"/>
+          </p:cNvSpPr>
+          <p:nvPr>
+            <p:ph type="body" idx="1"/>
+          </p:nvPr>
+        </p:nvSpPr>
+        <p:spPr/>
+        <p:txBody>
+          <a:bodyPr/>
+          <a:lstStyle/>
+          <a:p>
+            <a:endParaRPr lang="en-US" dirty="0"/>
+          </a:p>
+        </p:txBody>
+      </p:sp>
+    </p:spTree>
+    <p:extLst>
+      <p:ext uri="{BB962C8B-B14F-4D97-AF65-F5344CB8AC3E}">
+        <p14:creationId xmlns:p14="http://schemas.microsoft.com/office/powerpoint/2010/main" val="912533255"/>
+      </p:ext>
+    </p:extLst>
+  </p:cSld>
+  <p:clrMapOvr>
+    <a:masterClrMapping/>
+  </p:clrMapOvr>
+</p:notes>
+</file>
+
+<file path=ppt/notesSlides/notesSlide18.xml><?xml version="1.0" encoding="utf-8"?>
 <p:notes xmlns:a="http://schemas.openxmlformats.org/drawingml/2006/main" xmlns:r="http://schemas.openxmlformats.org/officeDocument/2006/relationships" xmlns:p="http://schemas.openxmlformats.org/presentationml/2006/main">
   <p:cSld>
     <p:spTree>
@@ -1752,73 +1816,7 @@
     </p:spTree>
     <p:extLst>
       <p:ext uri="{BB962C8B-B14F-4D97-AF65-F5344CB8AC3E}">
-        <p14:creationId xmlns:p14="http://schemas.microsoft.com/office/powerpoint/2010/main" val="273198868"/>
-      </p:ext>
-    </p:extLst>
-  </p:cSld>
-  <p:clrMapOvr>
-    <a:masterClrMapping/>
-  </p:clrMapOvr>
-</p:notes>
-</file>
-
-<file path=ppt/notesSlides/notesSlide18.xml><?xml version="1.0" encoding="utf-8"?>
-<p:notes xmlns:a="http://schemas.openxmlformats.org/drawingml/2006/main" xmlns:r="http://schemas.openxmlformats.org/officeDocument/2006/relationships" xmlns:p="http://schemas.openxmlformats.org/presentationml/2006/main">
-  <p:cSld>
-    <p:spTree>
-      <p:nvGrpSpPr>
-        <p:cNvPr id="1" name=""/>
-        <p:cNvGrpSpPr/>
-        <p:nvPr/>
-      </p:nvGrpSpPr>
-      <p:grpSpPr>
-        <a:xfrm>
-          <a:off x="0" y="0"/>
-          <a:ext cx="0" cy="0"/>
-          <a:chOff x="0" y="0"/>
-          <a:chExt cx="0" cy="0"/>
-        </a:xfrm>
-      </p:grpSpPr>
-      <p:sp>
-        <p:nvSpPr>
-          <p:cNvPr id="2" name="Slide Image Placeholder 1"/>
-          <p:cNvSpPr>
-            <a:spLocks noGrp="1" noRot="1" noChangeAspect="1"/>
-          </p:cNvSpPr>
-          <p:nvPr>
-            <p:ph type="sldImg"/>
-          </p:nvPr>
-        </p:nvSpPr>
-        <p:spPr>
-          <a:xfrm>
-            <a:off x="1189038" y="701675"/>
-            <a:ext cx="4676775" cy="3508375"/>
-          </a:xfrm>
-        </p:spPr>
-      </p:sp>
-      <p:sp>
-        <p:nvSpPr>
-          <p:cNvPr id="3" name="Notes Placeholder 2"/>
-          <p:cNvSpPr>
-            <a:spLocks noGrp="1"/>
-          </p:cNvSpPr>
-          <p:nvPr>
-            <p:ph type="body" idx="1"/>
-          </p:nvPr>
-        </p:nvSpPr>
-        <p:spPr/>
-        <p:txBody>
-          <a:bodyPr/>
-          <a:lstStyle/>
-          <a:p>
-            <a:endParaRPr lang="en-US" dirty="0"/>
-          </a:p>
-        </p:txBody>
-      </p:sp>
-    </p:spTree>
-    <p:extLst>
-      <p:ext uri="{BB962C8B-B14F-4D97-AF65-F5344CB8AC3E}">
-        <p14:creationId xmlns:p14="http://schemas.microsoft.com/office/powerpoint/2010/main" val="1412013738"/>
+        <p14:creationId xmlns:p14="http://schemas.microsoft.com/office/powerpoint/2010/main" val="3338497585"/>
       </p:ext>
     </p:extLst>
   </p:cSld>
@@ -1847,7 +1845,7 @@
       </p:grpSpPr>
       <p:sp>
         <p:nvSpPr>
-          <p:cNvPr id="2" name="Slide Image Placeholder 1"/>
+          <p:cNvPr id="4" name="Slide Image Placeholder 3"/>
           <p:cNvSpPr>
             <a:spLocks noGrp="1" noRot="1" noChangeAspect="1"/>
           </p:cNvSpPr>
@@ -1864,7 +1862,7 @@
       </p:sp>
       <p:sp>
         <p:nvSpPr>
-          <p:cNvPr id="3" name="Notes Placeholder 2"/>
+          <p:cNvPr id="5" name="Notes Placeholder 4"/>
           <p:cNvSpPr>
             <a:spLocks noGrp="1"/>
           </p:cNvSpPr>
@@ -1884,7 +1882,7 @@
     </p:spTree>
     <p:extLst>
       <p:ext uri="{BB962C8B-B14F-4D97-AF65-F5344CB8AC3E}">
-        <p14:creationId xmlns:p14="http://schemas.microsoft.com/office/powerpoint/2010/main" val="912533255"/>
+        <p14:creationId xmlns:p14="http://schemas.microsoft.com/office/powerpoint/2010/main" val="81307163"/>
       </p:ext>
     </p:extLst>
   </p:cSld>
@@ -2016,7 +2014,7 @@
     </p:spTree>
     <p:extLst>
       <p:ext uri="{BB962C8B-B14F-4D97-AF65-F5344CB8AC3E}">
-        <p14:creationId xmlns:p14="http://schemas.microsoft.com/office/powerpoint/2010/main" val="3338497585"/>
+        <p14:creationId xmlns:p14="http://schemas.microsoft.com/office/powerpoint/2010/main" val="2579130179"/>
       </p:ext>
     </p:extLst>
   </p:cSld>
@@ -2045,7 +2043,7 @@
       </p:grpSpPr>
       <p:sp>
         <p:nvSpPr>
-          <p:cNvPr id="4" name="Slide Image Placeholder 3"/>
+          <p:cNvPr id="2" name="Slide Image Placeholder 1"/>
           <p:cNvSpPr>
             <a:spLocks noGrp="1" noRot="1" noChangeAspect="1"/>
           </p:cNvSpPr>
@@ -2062,7 +2060,7 @@
       </p:sp>
       <p:sp>
         <p:nvSpPr>
-          <p:cNvPr id="5" name="Notes Placeholder 4"/>
+          <p:cNvPr id="3" name="Notes Placeholder 2"/>
           <p:cNvSpPr>
             <a:spLocks noGrp="1"/>
           </p:cNvSpPr>
@@ -2082,7 +2080,7 @@
     </p:spTree>
     <p:extLst>
       <p:ext uri="{BB962C8B-B14F-4D97-AF65-F5344CB8AC3E}">
-        <p14:creationId xmlns:p14="http://schemas.microsoft.com/office/powerpoint/2010/main" val="81307163"/>
+        <p14:creationId xmlns:p14="http://schemas.microsoft.com/office/powerpoint/2010/main" val="1465075058"/>
       </p:ext>
     </p:extLst>
   </p:cSld>
@@ -2148,7 +2146,7 @@
     </p:spTree>
     <p:extLst>
       <p:ext uri="{BB962C8B-B14F-4D97-AF65-F5344CB8AC3E}">
-        <p14:creationId xmlns:p14="http://schemas.microsoft.com/office/powerpoint/2010/main" val="2579130179"/>
+        <p14:creationId xmlns:p14="http://schemas.microsoft.com/office/powerpoint/2010/main" val="293652094"/>
       </p:ext>
     </p:extLst>
   </p:cSld>
@@ -2177,7 +2175,7 @@
       </p:grpSpPr>
       <p:sp>
         <p:nvSpPr>
-          <p:cNvPr id="2" name="Slide Image Placeholder 1"/>
+          <p:cNvPr id="4" name="Slide Image Placeholder 3"/>
           <p:cNvSpPr>
             <a:spLocks noGrp="1" noRot="1" noChangeAspect="1"/>
           </p:cNvSpPr>
@@ -2194,7 +2192,7 @@
       </p:sp>
       <p:sp>
         <p:nvSpPr>
-          <p:cNvPr id="3" name="Notes Placeholder 2"/>
+          <p:cNvPr id="5" name="Notes Placeholder 4"/>
           <p:cNvSpPr>
             <a:spLocks noGrp="1"/>
           </p:cNvSpPr>
@@ -2214,7 +2212,7 @@
     </p:spTree>
     <p:extLst>
       <p:ext uri="{BB962C8B-B14F-4D97-AF65-F5344CB8AC3E}">
-        <p14:creationId xmlns:p14="http://schemas.microsoft.com/office/powerpoint/2010/main" val="1465075058"/>
+        <p14:creationId xmlns:p14="http://schemas.microsoft.com/office/powerpoint/2010/main" val="3254814708"/>
       </p:ext>
     </p:extLst>
   </p:cSld>
@@ -2280,7 +2278,7 @@
     </p:spTree>
     <p:extLst>
       <p:ext uri="{BB962C8B-B14F-4D97-AF65-F5344CB8AC3E}">
-        <p14:creationId xmlns:p14="http://schemas.microsoft.com/office/powerpoint/2010/main" val="293652094"/>
+        <p14:creationId xmlns:p14="http://schemas.microsoft.com/office/powerpoint/2010/main" val="3791754117"/>
       </p:ext>
     </p:extLst>
   </p:cSld>
@@ -2309,7 +2307,7 @@
       </p:grpSpPr>
       <p:sp>
         <p:nvSpPr>
-          <p:cNvPr id="4" name="Slide Image Placeholder 3"/>
+          <p:cNvPr id="2" name="Slide Image Placeholder 1"/>
           <p:cNvSpPr>
             <a:spLocks noGrp="1" noRot="1" noChangeAspect="1"/>
           </p:cNvSpPr>
@@ -2326,7 +2324,7 @@
       </p:sp>
       <p:sp>
         <p:nvSpPr>
-          <p:cNvPr id="5" name="Notes Placeholder 4"/>
+          <p:cNvPr id="3" name="Notes Placeholder 2"/>
           <p:cNvSpPr>
             <a:spLocks noGrp="1"/>
           </p:cNvSpPr>
@@ -2346,7 +2344,7 @@
     </p:spTree>
     <p:extLst>
       <p:ext uri="{BB962C8B-B14F-4D97-AF65-F5344CB8AC3E}">
-        <p14:creationId xmlns:p14="http://schemas.microsoft.com/office/powerpoint/2010/main" val="3254814708"/>
+        <p14:creationId xmlns:p14="http://schemas.microsoft.com/office/powerpoint/2010/main" val="3074321173"/>
       </p:ext>
     </p:extLst>
   </p:cSld>
@@ -2412,7 +2410,7 @@
     </p:spTree>
     <p:extLst>
       <p:ext uri="{BB962C8B-B14F-4D97-AF65-F5344CB8AC3E}">
-        <p14:creationId xmlns:p14="http://schemas.microsoft.com/office/powerpoint/2010/main" val="3791754117"/>
+        <p14:creationId xmlns:p14="http://schemas.microsoft.com/office/powerpoint/2010/main" val="738224038"/>
       </p:ext>
     </p:extLst>
   </p:cSld>
@@ -2478,7 +2476,7 @@
     </p:spTree>
     <p:extLst>
       <p:ext uri="{BB962C8B-B14F-4D97-AF65-F5344CB8AC3E}">
-        <p14:creationId xmlns:p14="http://schemas.microsoft.com/office/powerpoint/2010/main" val="3074321173"/>
+        <p14:creationId xmlns:p14="http://schemas.microsoft.com/office/powerpoint/2010/main" val="581968718"/>
       </p:ext>
     </p:extLst>
   </p:cSld>
@@ -2507,7 +2505,7 @@
       </p:grpSpPr>
       <p:sp>
         <p:nvSpPr>
-          <p:cNvPr id="4" name="Slide Image Placeholder 3"/>
+          <p:cNvPr id="12" name="Slide Image Placeholder 11"/>
           <p:cNvSpPr>
             <a:spLocks noGrp="1" noRot="1" noChangeAspect="1"/>
           </p:cNvSpPr>
@@ -2524,7 +2522,7 @@
       </p:sp>
       <p:sp>
         <p:nvSpPr>
-          <p:cNvPr id="5" name="Notes Placeholder 4"/>
+          <p:cNvPr id="13" name="Notes Placeholder 12"/>
           <p:cNvSpPr>
             <a:spLocks noGrp="1"/>
           </p:cNvSpPr>
@@ -2544,73 +2542,7 @@
     </p:spTree>
     <p:extLst>
       <p:ext uri="{BB962C8B-B14F-4D97-AF65-F5344CB8AC3E}">
-        <p14:creationId xmlns:p14="http://schemas.microsoft.com/office/powerpoint/2010/main" val="738224038"/>
-      </p:ext>
-    </p:extLst>
-  </p:cSld>
-  <p:clrMapOvr>
-    <a:masterClrMapping/>
-  </p:clrMapOvr>
-</p:notes>
-</file>
-
-<file path=ppt/notesSlides/notesSlide29.xml><?xml version="1.0" encoding="utf-8"?>
-<p:notes xmlns:a="http://schemas.openxmlformats.org/drawingml/2006/main" xmlns:r="http://schemas.openxmlformats.org/officeDocument/2006/relationships" xmlns:p="http://schemas.openxmlformats.org/presentationml/2006/main">
-  <p:cSld>
-    <p:spTree>
-      <p:nvGrpSpPr>
-        <p:cNvPr id="1" name=""/>
-        <p:cNvGrpSpPr/>
-        <p:nvPr/>
-      </p:nvGrpSpPr>
-      <p:grpSpPr>
-        <a:xfrm>
-          <a:off x="0" y="0"/>
-          <a:ext cx="0" cy="0"/>
-          <a:chOff x="0" y="0"/>
-          <a:chExt cx="0" cy="0"/>
-        </a:xfrm>
-      </p:grpSpPr>
-      <p:sp>
-        <p:nvSpPr>
-          <p:cNvPr id="2" name="Slide Image Placeholder 1"/>
-          <p:cNvSpPr>
-            <a:spLocks noGrp="1" noRot="1" noChangeAspect="1"/>
-          </p:cNvSpPr>
-          <p:nvPr>
-            <p:ph type="sldImg"/>
-          </p:nvPr>
-        </p:nvSpPr>
-        <p:spPr>
-          <a:xfrm>
-            <a:off x="1189038" y="701675"/>
-            <a:ext cx="4676775" cy="3508375"/>
-          </a:xfrm>
-        </p:spPr>
-      </p:sp>
-      <p:sp>
-        <p:nvSpPr>
-          <p:cNvPr id="3" name="Notes Placeholder 2"/>
-          <p:cNvSpPr>
-            <a:spLocks noGrp="1"/>
-          </p:cNvSpPr>
-          <p:nvPr>
-            <p:ph type="body" idx="1"/>
-          </p:nvPr>
-        </p:nvSpPr>
-        <p:spPr/>
-        <p:txBody>
-          <a:bodyPr/>
-          <a:lstStyle/>
-          <a:p>
-            <a:endParaRPr lang="en-US" dirty="0"/>
-          </a:p>
-        </p:txBody>
-      </p:sp>
-    </p:spTree>
-    <p:extLst>
-      <p:ext uri="{BB962C8B-B14F-4D97-AF65-F5344CB8AC3E}">
-        <p14:creationId xmlns:p14="http://schemas.microsoft.com/office/powerpoint/2010/main" val="581968718"/>
+        <p14:creationId xmlns:p14="http://schemas.microsoft.com/office/powerpoint/2010/main" val="3012783825"/>
       </p:ext>
     </p:extLst>
   </p:cSld>
@@ -2686,72 +2618,6 @@
 </p:notes>
 </file>
 
-<file path=ppt/notesSlides/notesSlide30.xml><?xml version="1.0" encoding="utf-8"?>
-<p:notes xmlns:a="http://schemas.openxmlformats.org/drawingml/2006/main" xmlns:r="http://schemas.openxmlformats.org/officeDocument/2006/relationships" xmlns:p="http://schemas.openxmlformats.org/presentationml/2006/main">
-  <p:cSld>
-    <p:spTree>
-      <p:nvGrpSpPr>
-        <p:cNvPr id="1" name=""/>
-        <p:cNvGrpSpPr/>
-        <p:nvPr/>
-      </p:nvGrpSpPr>
-      <p:grpSpPr>
-        <a:xfrm>
-          <a:off x="0" y="0"/>
-          <a:ext cx="0" cy="0"/>
-          <a:chOff x="0" y="0"/>
-          <a:chExt cx="0" cy="0"/>
-        </a:xfrm>
-      </p:grpSpPr>
-      <p:sp>
-        <p:nvSpPr>
-          <p:cNvPr id="12" name="Slide Image Placeholder 11"/>
-          <p:cNvSpPr>
-            <a:spLocks noGrp="1" noRot="1" noChangeAspect="1"/>
-          </p:cNvSpPr>
-          <p:nvPr>
-            <p:ph type="sldImg"/>
-          </p:nvPr>
-        </p:nvSpPr>
-        <p:spPr>
-          <a:xfrm>
-            <a:off x="1189038" y="701675"/>
-            <a:ext cx="4676775" cy="3508375"/>
-          </a:xfrm>
-        </p:spPr>
-      </p:sp>
-      <p:sp>
-        <p:nvSpPr>
-          <p:cNvPr id="13" name="Notes Placeholder 12"/>
-          <p:cNvSpPr>
-            <a:spLocks noGrp="1"/>
-          </p:cNvSpPr>
-          <p:nvPr>
-            <p:ph type="body" idx="1"/>
-          </p:nvPr>
-        </p:nvSpPr>
-        <p:spPr/>
-        <p:txBody>
-          <a:bodyPr/>
-          <a:lstStyle/>
-          <a:p>
-            <a:endParaRPr lang="en-US" dirty="0"/>
-          </a:p>
-        </p:txBody>
-      </p:sp>
-    </p:spTree>
-    <p:extLst>
-      <p:ext uri="{BB962C8B-B14F-4D97-AF65-F5344CB8AC3E}">
-        <p14:creationId xmlns:p14="http://schemas.microsoft.com/office/powerpoint/2010/main" val="3012783825"/>
-      </p:ext>
-    </p:extLst>
-  </p:cSld>
-  <p:clrMapOvr>
-    <a:masterClrMapping/>
-  </p:clrMapOvr>
-</p:notes>
-</file>
-
 <file path=ppt/notesSlides/notesSlide4.xml><?xml version="1.0" encoding="utf-8"?>
 <p:notes xmlns:a="http://schemas.openxmlformats.org/drawingml/2006/main" xmlns:r="http://schemas.openxmlformats.org/officeDocument/2006/relationships" xmlns:p="http://schemas.openxmlformats.org/presentationml/2006/main">
   <p:cSld>
@@ -2837,7 +2703,7 @@
       </p:grpSpPr>
       <p:sp>
         <p:nvSpPr>
-          <p:cNvPr id="2" name="Slide Image Placeholder 1"/>
+          <p:cNvPr id="4" name="Slide Image Placeholder 3"/>
           <p:cNvSpPr>
             <a:spLocks noGrp="1" noRot="1" noChangeAspect="1"/>
           </p:cNvSpPr>
@@ -2854,7 +2720,7 @@
       </p:sp>
       <p:sp>
         <p:nvSpPr>
-          <p:cNvPr id="3" name="Notes Placeholder 2"/>
+          <p:cNvPr id="5" name="Notes Placeholder 4"/>
           <p:cNvSpPr>
             <a:spLocks noGrp="1"/>
           </p:cNvSpPr>
@@ -2874,7 +2740,7 @@
     </p:spTree>
     <p:extLst>
       <p:ext uri="{BB962C8B-B14F-4D97-AF65-F5344CB8AC3E}">
-        <p14:creationId xmlns:p14="http://schemas.microsoft.com/office/powerpoint/2010/main" val="4110772589"/>
+        <p14:creationId xmlns:p14="http://schemas.microsoft.com/office/powerpoint/2010/main" val="1722269415"/>
       </p:ext>
     </p:extLst>
   </p:cSld>
@@ -2940,7 +2806,7 @@
     </p:spTree>
     <p:extLst>
       <p:ext uri="{BB962C8B-B14F-4D97-AF65-F5344CB8AC3E}">
-        <p14:creationId xmlns:p14="http://schemas.microsoft.com/office/powerpoint/2010/main" val="4279881803"/>
+        <p14:creationId xmlns:p14="http://schemas.microsoft.com/office/powerpoint/2010/main" val="4110772589"/>
       </p:ext>
     </p:extLst>
   </p:cSld>
@@ -2969,7 +2835,7 @@
       </p:grpSpPr>
       <p:sp>
         <p:nvSpPr>
-          <p:cNvPr id="4" name="Slide Image Placeholder 3"/>
+          <p:cNvPr id="2" name="Slide Image Placeholder 1"/>
           <p:cNvSpPr>
             <a:spLocks noGrp="1" noRot="1" noChangeAspect="1"/>
           </p:cNvSpPr>
@@ -2986,7 +2852,7 @@
       </p:sp>
       <p:sp>
         <p:nvSpPr>
-          <p:cNvPr id="5" name="Notes Placeholder 4"/>
+          <p:cNvPr id="3" name="Notes Placeholder 2"/>
           <p:cNvSpPr>
             <a:spLocks noGrp="1"/>
           </p:cNvSpPr>
@@ -3006,7 +2872,7 @@
     </p:spTree>
     <p:extLst>
       <p:ext uri="{BB962C8B-B14F-4D97-AF65-F5344CB8AC3E}">
-        <p14:creationId xmlns:p14="http://schemas.microsoft.com/office/powerpoint/2010/main" val="1722269415"/>
+        <p14:creationId xmlns:p14="http://schemas.microsoft.com/office/powerpoint/2010/main" val="4279881803"/>
       </p:ext>
     </p:extLst>
   </p:cSld>
@@ -3072,7 +2938,7 @@
     </p:spTree>
     <p:extLst>
       <p:ext uri="{BB962C8B-B14F-4D97-AF65-F5344CB8AC3E}">
-        <p14:creationId xmlns:p14="http://schemas.microsoft.com/office/powerpoint/2010/main" val="1997113614"/>
+        <p14:creationId xmlns:p14="http://schemas.microsoft.com/office/powerpoint/2010/main" val="1297690859"/>
       </p:ext>
     </p:extLst>
   </p:cSld>
@@ -3101,7 +2967,7 @@
       </p:grpSpPr>
       <p:sp>
         <p:nvSpPr>
-          <p:cNvPr id="2" name="Slide Image Placeholder 1"/>
+          <p:cNvPr id="4" name="Slide Image Placeholder 3"/>
           <p:cNvSpPr>
             <a:spLocks noGrp="1" noRot="1" noChangeAspect="1"/>
           </p:cNvSpPr>
@@ -3118,7 +2984,7 @@
       </p:sp>
       <p:sp>
         <p:nvSpPr>
-          <p:cNvPr id="3" name="Notes Placeholder 2"/>
+          <p:cNvPr id="5" name="Notes Placeholder 4"/>
           <p:cNvSpPr>
             <a:spLocks noGrp="1"/>
           </p:cNvSpPr>
@@ -3138,7 +3004,7 @@
     </p:spTree>
     <p:extLst>
       <p:ext uri="{BB962C8B-B14F-4D97-AF65-F5344CB8AC3E}">
-        <p14:creationId xmlns:p14="http://schemas.microsoft.com/office/powerpoint/2010/main" val="1297690859"/>
+        <p14:creationId xmlns:p14="http://schemas.microsoft.com/office/powerpoint/2010/main" val="3688217369"/>
       </p:ext>
     </p:extLst>
   </p:cSld>
@@ -7747,25 +7613,6 @@
           <a:p>
             <a:r>
               <a:rPr lang="en-US" dirty="0"/>
-              <a:t>Arrays allow operations on elements without writing loops</a:t>
-            </a:r>
-          </a:p>
-          <a:p>
-            <a:pPr lvl="1"/>
-            <a:r>
-              <a:rPr lang="en-US" dirty="0"/>
-              <a:t>Usually called </a:t>
-            </a:r>
-            <a:r>
-              <a:rPr lang="en-US" i="1" dirty="0">
-                <a:latin typeface="Century Schoolbook" panose="02040604050505020304" pitchFamily="18" charset="0"/>
-              </a:rPr>
-              <a:t>vectorization</a:t>
-            </a:r>
-          </a:p>
-          <a:p>
-            <a:r>
-              <a:rPr lang="en-US" dirty="0"/>
               <a:t>Arithmetic operations between equal sized arrays applies the operation element to element</a:t>
             </a:r>
           </a:p>
@@ -7784,7 +7631,7 @@
         </p:nvSpPr>
         <p:spPr bwMode="auto">
           <a:xfrm>
-            <a:off x="1797976" y="2633366"/>
+            <a:off x="1757325" y="2110349"/>
             <a:ext cx="5130360" cy="3139321"/>
           </a:xfrm>
           <a:prstGeom prst="rect">
@@ -8067,13 +7914,13 @@
         </p:nvSpPr>
         <p:spPr bwMode="auto">
           <a:xfrm>
-            <a:off x="5341449" y="4196670"/>
+            <a:off x="5706951" y="3387621"/>
             <a:ext cx="2043077" cy="584776"/>
           </a:xfrm>
           <a:prstGeom prst="wedgeRectCallout">
             <a:avLst>
-              <a:gd name="adj1" fmla="val -123310"/>
-              <a:gd name="adj2" fmla="val 41047"/>
+              <a:gd name="adj1" fmla="val -194280"/>
+              <a:gd name="adj2" fmla="val 72321"/>
             </a:avLst>
           </a:prstGeom>
           <a:solidFill>
@@ -8127,461 +7974,6 @@
 </file>
 
 <file path=ppt/slides/slide11.xml><?xml version="1.0" encoding="utf-8"?>
-<p:sld xmlns:a="http://schemas.openxmlformats.org/drawingml/2006/main" xmlns:r="http://schemas.openxmlformats.org/officeDocument/2006/relationships" xmlns:p="http://schemas.openxmlformats.org/presentationml/2006/main">
-  <p:cSld>
-    <p:spTree>
-      <p:nvGrpSpPr>
-        <p:cNvPr id="1" name=""/>
-        <p:cNvGrpSpPr/>
-        <p:nvPr/>
-      </p:nvGrpSpPr>
-      <p:grpSpPr>
-        <a:xfrm>
-          <a:off x="0" y="0"/>
-          <a:ext cx="0" cy="0"/>
-          <a:chOff x="0" y="0"/>
-          <a:chExt cx="0" cy="0"/>
-        </a:xfrm>
-      </p:grpSpPr>
-      <p:sp>
-        <p:nvSpPr>
-          <p:cNvPr id="2" name="Title 1"/>
-          <p:cNvSpPr>
-            <a:spLocks noGrp="1"/>
-          </p:cNvSpPr>
-          <p:nvPr>
-            <p:ph type="title"/>
-          </p:nvPr>
-        </p:nvSpPr>
-        <p:spPr>
-          <a:xfrm>
-            <a:off x="785595" y="214313"/>
-            <a:ext cx="7908324" cy="627062"/>
-          </a:xfrm>
-        </p:spPr>
-        <p:txBody>
-          <a:bodyPr/>
-          <a:lstStyle/>
-          <a:p>
-            <a:r>
-              <a:rPr lang="en-US" dirty="0"/>
-              <a:t>Operations Between Arrays and Scalars</a:t>
-            </a:r>
-          </a:p>
-        </p:txBody>
-      </p:sp>
-      <p:sp>
-        <p:nvSpPr>
-          <p:cNvPr id="3" name="Content Placeholder 2"/>
-          <p:cNvSpPr>
-            <a:spLocks noGrp="1"/>
-          </p:cNvSpPr>
-          <p:nvPr>
-            <p:ph idx="1"/>
-          </p:nvPr>
-        </p:nvSpPr>
-        <p:spPr/>
-        <p:txBody>
-          <a:bodyPr/>
-          <a:lstStyle/>
-          <a:p>
-            <a:r>
-              <a:rPr lang="en-US" dirty="0"/>
-              <a:t>Operations on arrays with scalars propagate the value to each element </a:t>
-            </a:r>
-          </a:p>
-        </p:txBody>
-      </p:sp>
-      <p:sp>
-        <p:nvSpPr>
-          <p:cNvPr id="4" name="TextBox 3"/>
-          <p:cNvSpPr txBox="1">
-            <a:spLocks noChangeArrowheads="1"/>
-          </p:cNvSpPr>
-          <p:nvPr/>
-        </p:nvSpPr>
-        <p:spPr bwMode="auto">
-          <a:xfrm>
-            <a:off x="882945" y="1688430"/>
-            <a:ext cx="7256118" cy="3693319"/>
-          </a:xfrm>
-          <a:prstGeom prst="rect">
-            <a:avLst/>
-          </a:prstGeom>
-          <a:noFill/>
-          <a:ln w="28575">
-            <a:solidFill>
-              <a:schemeClr val="accent2">
-                <a:lumMod val="20000"/>
-                <a:lumOff val="80000"/>
-              </a:schemeClr>
-            </a:solidFill>
-            <a:miter lim="800000"/>
-            <a:headEnd/>
-            <a:tailEnd/>
-          </a:ln>
-          <a:effectLst/>
-        </p:spPr>
-        <p:txBody>
-          <a:bodyPr wrap="square">
-            <a:spAutoFit/>
-          </a:bodyPr>
-          <a:lstStyle>
-            <a:lvl1pPr eaLnBrk="0" hangingPunct="0">
-              <a:defRPr sz="2400">
-                <a:solidFill>
-                  <a:schemeClr val="bg1"/>
-                </a:solidFill>
-                <a:latin typeface="Arial" panose="020B0604020202020204" pitchFamily="34" charset="0"/>
-                <a:ea typeface="MS PGothic" panose="020B0600070205080204" pitchFamily="34" charset="-128"/>
-              </a:defRPr>
-            </a:lvl1pPr>
-            <a:lvl2pPr marL="742950" indent="-285750" eaLnBrk="0" hangingPunct="0">
-              <a:defRPr sz="2400">
-                <a:solidFill>
-                  <a:schemeClr val="bg1"/>
-                </a:solidFill>
-                <a:latin typeface="Arial" panose="020B0604020202020204" pitchFamily="34" charset="0"/>
-                <a:ea typeface="MS PGothic" panose="020B0600070205080204" pitchFamily="34" charset="-128"/>
-              </a:defRPr>
-            </a:lvl2pPr>
-            <a:lvl3pPr marL="1143000" indent="-228600" eaLnBrk="0" hangingPunct="0">
-              <a:defRPr sz="2400">
-                <a:solidFill>
-                  <a:schemeClr val="bg1"/>
-                </a:solidFill>
-                <a:latin typeface="Arial" panose="020B0604020202020204" pitchFamily="34" charset="0"/>
-                <a:ea typeface="MS PGothic" panose="020B0600070205080204" pitchFamily="34" charset="-128"/>
-              </a:defRPr>
-            </a:lvl3pPr>
-            <a:lvl4pPr marL="1600200" indent="-228600" eaLnBrk="0" hangingPunct="0">
-              <a:defRPr sz="2400">
-                <a:solidFill>
-                  <a:schemeClr val="bg1"/>
-                </a:solidFill>
-                <a:latin typeface="Arial" panose="020B0604020202020204" pitchFamily="34" charset="0"/>
-                <a:ea typeface="MS PGothic" panose="020B0600070205080204" pitchFamily="34" charset="-128"/>
-              </a:defRPr>
-            </a:lvl4pPr>
-            <a:lvl5pPr marL="2057400" indent="-228600" eaLnBrk="0" hangingPunct="0">
-              <a:defRPr sz="2400">
-                <a:solidFill>
-                  <a:schemeClr val="bg1"/>
-                </a:solidFill>
-                <a:latin typeface="Arial" panose="020B0604020202020204" pitchFamily="34" charset="0"/>
-                <a:ea typeface="MS PGothic" panose="020B0600070205080204" pitchFamily="34" charset="-128"/>
-              </a:defRPr>
-            </a:lvl5pPr>
-            <a:lvl6pPr marL="2514600" indent="-228600" eaLnBrk="0" fontAlgn="base" hangingPunct="0">
-              <a:spcBef>
-                <a:spcPct val="0"/>
-              </a:spcBef>
-              <a:spcAft>
-                <a:spcPct val="0"/>
-              </a:spcAft>
-              <a:defRPr sz="2400">
-                <a:solidFill>
-                  <a:schemeClr val="bg1"/>
-                </a:solidFill>
-                <a:latin typeface="Arial" panose="020B0604020202020204" pitchFamily="34" charset="0"/>
-                <a:ea typeface="MS PGothic" panose="020B0600070205080204" pitchFamily="34" charset="-128"/>
-              </a:defRPr>
-            </a:lvl6pPr>
-            <a:lvl7pPr marL="2971800" indent="-228600" eaLnBrk="0" fontAlgn="base" hangingPunct="0">
-              <a:spcBef>
-                <a:spcPct val="0"/>
-              </a:spcBef>
-              <a:spcAft>
-                <a:spcPct val="0"/>
-              </a:spcAft>
-              <a:defRPr sz="2400">
-                <a:solidFill>
-                  <a:schemeClr val="bg1"/>
-                </a:solidFill>
-                <a:latin typeface="Arial" panose="020B0604020202020204" pitchFamily="34" charset="0"/>
-                <a:ea typeface="MS PGothic" panose="020B0600070205080204" pitchFamily="34" charset="-128"/>
-              </a:defRPr>
-            </a:lvl7pPr>
-            <a:lvl8pPr marL="3429000" indent="-228600" eaLnBrk="0" fontAlgn="base" hangingPunct="0">
-              <a:spcBef>
-                <a:spcPct val="0"/>
-              </a:spcBef>
-              <a:spcAft>
-                <a:spcPct val="0"/>
-              </a:spcAft>
-              <a:defRPr sz="2400">
-                <a:solidFill>
-                  <a:schemeClr val="bg1"/>
-                </a:solidFill>
-                <a:latin typeface="Arial" panose="020B0604020202020204" pitchFamily="34" charset="0"/>
-                <a:ea typeface="MS PGothic" panose="020B0600070205080204" pitchFamily="34" charset="-128"/>
-              </a:defRPr>
-            </a:lvl8pPr>
-            <a:lvl9pPr marL="3886200" indent="-228600" eaLnBrk="0" fontAlgn="base" hangingPunct="0">
-              <a:spcBef>
-                <a:spcPct val="0"/>
-              </a:spcBef>
-              <a:spcAft>
-                <a:spcPct val="0"/>
-              </a:spcAft>
-              <a:defRPr sz="2400">
-                <a:solidFill>
-                  <a:schemeClr val="bg1"/>
-                </a:solidFill>
-                <a:latin typeface="Arial" panose="020B0604020202020204" pitchFamily="34" charset="0"/>
-                <a:ea typeface="MS PGothic" panose="020B0600070205080204" pitchFamily="34" charset="-128"/>
-              </a:defRPr>
-            </a:lvl9pPr>
-          </a:lstStyle>
-          <a:p>
-            <a:r>
-              <a:rPr lang="mr-IN" sz="1800" b="1" dirty="0">
-                <a:solidFill>
-                  <a:schemeClr val="tx1"/>
-                </a:solidFill>
-                <a:latin typeface="Courier New"/>
-                <a:cs typeface="Courier New"/>
-              </a:rPr>
-              <a:t>array1 = np.array([[1.,2.,3.],[4.,5.,6.]])</a:t>
-            </a:r>
-          </a:p>
-          <a:p>
-            <a:r>
-              <a:rPr lang="en-US" sz="1800" b="1" dirty="0">
-                <a:solidFill>
-                  <a:schemeClr val="tx1"/>
-                </a:solidFill>
-                <a:latin typeface="Courier New"/>
-                <a:cs typeface="Courier New"/>
-              </a:rPr>
-              <a:t>array1</a:t>
-            </a:r>
-          </a:p>
-          <a:p>
-            <a:endParaRPr lang="en-US" sz="1800" dirty="0">
-              <a:solidFill>
-                <a:schemeClr val="tx1"/>
-              </a:solidFill>
-              <a:latin typeface="Courier New"/>
-              <a:cs typeface="Courier New"/>
-            </a:endParaRPr>
-          </a:p>
-          <a:p>
-            <a:r>
-              <a:rPr lang="mr-IN" sz="1800" dirty="0" err="1">
-                <a:solidFill>
-                  <a:schemeClr val="tx1"/>
-                </a:solidFill>
-                <a:latin typeface="Courier New"/>
-                <a:cs typeface="Courier New"/>
-              </a:rPr>
-              <a:t>array</a:t>
-            </a:r>
-            <a:r>
-              <a:rPr lang="mr-IN" sz="1800" dirty="0">
-                <a:solidFill>
-                  <a:schemeClr val="tx1"/>
-                </a:solidFill>
-                <a:latin typeface="Courier New"/>
-                <a:cs typeface="Courier New"/>
-              </a:rPr>
-              <a:t>([[ 1.,  2.,  3.],</a:t>
-            </a:r>
-          </a:p>
-          <a:p>
-            <a:r>
-              <a:rPr lang="mr-IN" sz="1800" dirty="0">
-                <a:solidFill>
-                  <a:schemeClr val="tx1"/>
-                </a:solidFill>
-                <a:latin typeface="Courier New"/>
-                <a:cs typeface="Courier New"/>
-              </a:rPr>
-              <a:t>       [ 4.,  5.,  6.]])</a:t>
-            </a:r>
-          </a:p>
-          <a:p>
-            <a:endParaRPr lang="mr-IN" sz="1800" dirty="0">
-              <a:solidFill>
-                <a:schemeClr val="tx1"/>
-              </a:solidFill>
-              <a:latin typeface="Courier New"/>
-              <a:cs typeface="Courier New"/>
-            </a:endParaRPr>
-          </a:p>
-          <a:p>
-            <a:r>
-              <a:rPr lang="mr-IN" sz="1800" b="1" dirty="0">
-                <a:solidFill>
-                  <a:schemeClr val="tx1"/>
-                </a:solidFill>
-                <a:latin typeface="Courier New"/>
-                <a:cs typeface="Courier New"/>
-              </a:rPr>
-              <a:t>1/array1</a:t>
-            </a:r>
-          </a:p>
-          <a:p>
-            <a:r>
-              <a:rPr lang="mr-IN" sz="1800" dirty="0" err="1">
-                <a:solidFill>
-                  <a:schemeClr val="tx1"/>
-                </a:solidFill>
-                <a:latin typeface="Courier New"/>
-                <a:cs typeface="Courier New"/>
-              </a:rPr>
-              <a:t>array</a:t>
-            </a:r>
-            <a:r>
-              <a:rPr lang="mr-IN" sz="1800" dirty="0">
-                <a:solidFill>
-                  <a:schemeClr val="tx1"/>
-                </a:solidFill>
-                <a:latin typeface="Courier New"/>
-                <a:cs typeface="Courier New"/>
-              </a:rPr>
-              <a:t>([[ 1.        ,  0.5       ,  0.33333333],</a:t>
-            </a:r>
-          </a:p>
-          <a:p>
-            <a:r>
-              <a:rPr lang="mr-IN" sz="1800" dirty="0">
-                <a:solidFill>
-                  <a:schemeClr val="tx1"/>
-                </a:solidFill>
-                <a:latin typeface="Courier New"/>
-                <a:cs typeface="Courier New"/>
-              </a:rPr>
-              <a:t>       [ 0.25      ,  0.2       ,  0.16666667]])</a:t>
-            </a:r>
-          </a:p>
-          <a:p>
-            <a:endParaRPr lang="mr-IN" sz="1800" dirty="0">
-              <a:solidFill>
-                <a:schemeClr val="tx1"/>
-              </a:solidFill>
-              <a:latin typeface="Courier New"/>
-              <a:cs typeface="Courier New"/>
-            </a:endParaRPr>
-          </a:p>
-          <a:p>
-            <a:r>
-              <a:rPr lang="mr-IN" sz="1800" b="1" dirty="0">
-                <a:solidFill>
-                  <a:schemeClr val="tx1"/>
-                </a:solidFill>
-                <a:latin typeface="Courier New"/>
-                <a:cs typeface="Courier New"/>
-              </a:rPr>
-              <a:t>array1*3</a:t>
-            </a:r>
-          </a:p>
-          <a:p>
-            <a:r>
-              <a:rPr lang="mr-IN" sz="1800" dirty="0" err="1">
-                <a:solidFill>
-                  <a:schemeClr val="tx1"/>
-                </a:solidFill>
-                <a:latin typeface="Courier New"/>
-                <a:cs typeface="Courier New"/>
-              </a:rPr>
-              <a:t>array</a:t>
-            </a:r>
-            <a:r>
-              <a:rPr lang="mr-IN" sz="1800" dirty="0">
-                <a:solidFill>
-                  <a:schemeClr val="tx1"/>
-                </a:solidFill>
-                <a:latin typeface="Courier New"/>
-                <a:cs typeface="Courier New"/>
-              </a:rPr>
-              <a:t>([[  3.,   6.,   9.],</a:t>
-            </a:r>
-          </a:p>
-          <a:p>
-            <a:r>
-              <a:rPr lang="mr-IN" sz="1800" dirty="0">
-                <a:solidFill>
-                  <a:schemeClr val="tx1"/>
-                </a:solidFill>
-                <a:latin typeface="Courier New"/>
-                <a:cs typeface="Courier New"/>
-              </a:rPr>
-              <a:t>       [ 12.,  15.,  18.]])</a:t>
-            </a:r>
-          </a:p>
-        </p:txBody>
-      </p:sp>
-      <p:sp>
-        <p:nvSpPr>
-          <p:cNvPr id="5" name="Rectangular Callout 4"/>
-          <p:cNvSpPr>
-            <a:spLocks noChangeArrowheads="1"/>
-          </p:cNvSpPr>
-          <p:nvPr/>
-        </p:nvSpPr>
-        <p:spPr bwMode="auto">
-          <a:xfrm>
-            <a:off x="4970678" y="3190859"/>
-            <a:ext cx="2462212" cy="338554"/>
-          </a:xfrm>
-          <a:prstGeom prst="wedgeRectCallout">
-            <a:avLst>
-              <a:gd name="adj1" fmla="val -112232"/>
-              <a:gd name="adj2" fmla="val 36402"/>
-            </a:avLst>
-          </a:prstGeom>
-          <a:solidFill>
-            <a:schemeClr val="accent2">
-              <a:lumMod val="20000"/>
-              <a:lumOff val="80000"/>
-            </a:schemeClr>
-          </a:solidFill>
-          <a:ln w="9525">
-            <a:noFill/>
-            <a:round/>
-            <a:headEnd/>
-            <a:tailEnd/>
-          </a:ln>
-          <a:effectLst/>
-        </p:spPr>
-        <p:txBody>
-          <a:bodyPr anchor="ctr">
-            <a:spAutoFit/>
-          </a:bodyPr>
-          <a:lstStyle/>
-          <a:p>
-            <a:pPr algn="ctr" eaLnBrk="1" hangingPunct="1">
-              <a:defRPr/>
-            </a:pPr>
-            <a:r>
-              <a:rPr lang="en-US" sz="1600" dirty="0">
-                <a:solidFill>
-                  <a:schemeClr val="tx1"/>
-                </a:solidFill>
-                <a:latin typeface="+mn-lt"/>
-                <a:ea typeface="ＭＳ Ｐゴシック" charset="0"/>
-                <a:cs typeface="Arial"/>
-              </a:rPr>
-              <a:t>Operation with scalar</a:t>
-            </a:r>
-          </a:p>
-        </p:txBody>
-      </p:sp>
-    </p:spTree>
-    <p:extLst>
-      <p:ext uri="{BB962C8B-B14F-4D97-AF65-F5344CB8AC3E}">
-        <p14:creationId xmlns:p14="http://schemas.microsoft.com/office/powerpoint/2010/main" val="3108414176"/>
-      </p:ext>
-    </p:extLst>
-  </p:cSld>
-  <p:clrMapOvr>
-    <a:masterClrMapping/>
-  </p:clrMapOvr>
-</p:sld>
-</file>
-
-<file path=ppt/slides/slide12.xml><?xml version="1.0" encoding="utf-8"?>
 <p:sld xmlns:a="http://schemas.openxmlformats.org/drawingml/2006/main" xmlns:r="http://schemas.openxmlformats.org/officeDocument/2006/relationships" xmlns:p="http://schemas.openxmlformats.org/presentationml/2006/main">
   <p:cSld>
     <p:spTree>
@@ -9118,7 +8510,7 @@
 </p:sld>
 </file>
 
-<file path=ppt/slides/slide13.xml><?xml version="1.0" encoding="utf-8"?>
+<file path=ppt/slides/slide12.xml><?xml version="1.0" encoding="utf-8"?>
 <p:sld xmlns:a="http://schemas.openxmlformats.org/drawingml/2006/main" xmlns:r="http://schemas.openxmlformats.org/officeDocument/2006/relationships" xmlns:p="http://schemas.openxmlformats.org/presentationml/2006/main">
   <p:cSld>
     <p:spTree>
@@ -9598,7 +8990,7 @@
 </p:sld>
 </file>
 
-<file path=ppt/slides/slide14.xml><?xml version="1.0" encoding="utf-8"?>
+<file path=ppt/slides/slide13.xml><?xml version="1.0" encoding="utf-8"?>
 <p:sld xmlns:a="http://schemas.openxmlformats.org/drawingml/2006/main" xmlns:r="http://schemas.openxmlformats.org/officeDocument/2006/relationships" xmlns:p="http://schemas.openxmlformats.org/presentationml/2006/main">
   <p:cSld>
     <p:spTree>
@@ -10016,7 +9408,7 @@
 </p:sld>
 </file>
 
-<file path=ppt/slides/slide15.xml><?xml version="1.0" encoding="utf-8"?>
+<file path=ppt/slides/slide14.xml><?xml version="1.0" encoding="utf-8"?>
 <p:sld xmlns:a="http://schemas.openxmlformats.org/drawingml/2006/main" xmlns:r="http://schemas.openxmlformats.org/officeDocument/2006/relationships" xmlns:p="http://schemas.openxmlformats.org/presentationml/2006/main">
   <p:cSld>
     <p:spTree>
@@ -10396,7 +9788,7 @@
 </p:sld>
 </file>
 
-<file path=ppt/slides/slide16.xml><?xml version="1.0" encoding="utf-8"?>
+<file path=ppt/slides/slide15.xml><?xml version="1.0" encoding="utf-8"?>
 <p:sld xmlns:a="http://schemas.openxmlformats.org/drawingml/2006/main" xmlns:r="http://schemas.openxmlformats.org/officeDocument/2006/relationships" xmlns:p="http://schemas.openxmlformats.org/presentationml/2006/main">
   <p:cSld>
     <p:spTree>
@@ -10870,7 +10262,7 @@
 </p:sld>
 </file>
 
-<file path=ppt/slides/slide17.xml><?xml version="1.0" encoding="utf-8"?>
+<file path=ppt/slides/slide16.xml><?xml version="1.0" encoding="utf-8"?>
 <p:sld xmlns:a="http://schemas.openxmlformats.org/drawingml/2006/main" xmlns:r="http://schemas.openxmlformats.org/officeDocument/2006/relationships" xmlns:p="http://schemas.openxmlformats.org/presentationml/2006/main">
   <p:cSld>
     <p:spTree>
@@ -10908,10 +10300,25 @@
             </a:r>
           </a:p>
           <a:p>
-            <a:r>
-              <a:rPr lang="en-US" dirty="0"/>
-              <a:t>Can be called on the array or calling top-level NumPy functions</a:t>
-            </a:r>
+            <a:pPr lvl="1"/>
+            <a:r>
+              <a:rPr lang="en-US" dirty="0">
+                <a:latin typeface="Courier New" panose="02070309020205020404" pitchFamily="49" charset="0"/>
+                <a:cs typeface="Courier New" panose="02070309020205020404" pitchFamily="49" charset="0"/>
+              </a:rPr>
+              <a:t>min, max, mean, sum, </a:t>
+            </a:r>
+            <a:r>
+              <a:rPr lang="en-US" dirty="0" err="1">
+                <a:latin typeface="Courier New" panose="02070309020205020404" pitchFamily="49" charset="0"/>
+                <a:cs typeface="Courier New" panose="02070309020205020404" pitchFamily="49" charset="0"/>
+              </a:rPr>
+              <a:t>std</a:t>
+            </a:r>
+            <a:endParaRPr lang="en-US" dirty="0">
+              <a:latin typeface="Courier New" panose="02070309020205020404" pitchFamily="49" charset="0"/>
+              <a:cs typeface="Courier New" panose="02070309020205020404" pitchFamily="49" charset="0"/>
+            </a:endParaRPr>
           </a:p>
         </p:txBody>
       </p:sp>
@@ -11079,6 +10486,7 @@
             </a:lvl9pPr>
           </a:lstStyle>
           <a:p>
+            <a:pPr lvl="1"/>
             <a:r>
               <a:rPr lang="en-US" sz="1800" b="1" dirty="0">
                 <a:solidFill>
@@ -11087,21 +10495,162 @@
                 <a:latin typeface="Courier New"/>
                 <a:cs typeface="Courier New"/>
               </a:rPr>
-              <a:t>array = np.random.randn(2,4)</a:t>
-            </a:r>
-          </a:p>
-          <a:p>
-            <a:r>
-              <a:rPr lang="pt-BR" sz="1800" b="1" dirty="0" err="1">
-                <a:solidFill>
-                  <a:schemeClr val="tx1"/>
-                </a:solidFill>
-                <a:latin typeface="Courier New"/>
-                <a:cs typeface="Courier New"/>
-              </a:rPr>
-              <a:t>array</a:t>
-            </a:r>
-            <a:endParaRPr lang="pt-BR" sz="1800" b="1" dirty="0">
+              <a:t>array1</a:t>
+            </a:r>
+          </a:p>
+          <a:p>
+            <a:pPr lvl="1"/>
+            <a:r>
+              <a:rPr lang="en-US" sz="1800" dirty="0">
+                <a:solidFill>
+                  <a:schemeClr val="tx1"/>
+                </a:solidFill>
+                <a:latin typeface="Courier New"/>
+                <a:cs typeface="Courier New"/>
+              </a:rPr>
+              <a:t>[[ 0  1  2  3  4]</a:t>
+            </a:r>
+          </a:p>
+          <a:p>
+            <a:pPr lvl="1"/>
+            <a:r>
+              <a:rPr lang="en-US" sz="1800" dirty="0">
+                <a:solidFill>
+                  <a:schemeClr val="tx1"/>
+                </a:solidFill>
+                <a:latin typeface="Courier New"/>
+                <a:cs typeface="Courier New"/>
+              </a:rPr>
+              <a:t> [ 5  6  7  8  9]</a:t>
+            </a:r>
+          </a:p>
+          <a:p>
+            <a:pPr lvl="1"/>
+            <a:r>
+              <a:rPr lang="en-US" sz="1800" dirty="0">
+                <a:solidFill>
+                  <a:schemeClr val="tx1"/>
+                </a:solidFill>
+                <a:latin typeface="Courier New"/>
+                <a:cs typeface="Courier New"/>
+              </a:rPr>
+              <a:t> [10 11 12 13 14</a:t>
+            </a:r>
+            <a:r>
+              <a:rPr lang="en-US" sz="1800" b="1" dirty="0">
+                <a:solidFill>
+                  <a:schemeClr val="tx1"/>
+                </a:solidFill>
+                <a:latin typeface="Courier New"/>
+                <a:cs typeface="Courier New"/>
+              </a:rPr>
+              <a:t>]</a:t>
+            </a:r>
+          </a:p>
+          <a:p>
+            <a:pPr lvl="1"/>
+            <a:r>
+              <a:rPr lang="en-US" sz="1800" dirty="0">
+                <a:solidFill>
+                  <a:schemeClr val="tx1"/>
+                </a:solidFill>
+                <a:latin typeface="Courier New"/>
+                <a:cs typeface="Courier New"/>
+              </a:rPr>
+              <a:t> [15 16 17 18 19]]</a:t>
+            </a:r>
+          </a:p>
+          <a:p>
+            <a:pPr lvl="1"/>
+            <a:r>
+              <a:rPr lang="en-US" sz="1800" b="1" dirty="0">
+                <a:solidFill>
+                  <a:schemeClr val="tx1"/>
+                </a:solidFill>
+                <a:latin typeface="Courier New"/>
+                <a:cs typeface="Courier New"/>
+              </a:rPr>
+              <a:t>array1.sum()</a:t>
+            </a:r>
+          </a:p>
+          <a:p>
+            <a:pPr lvl="1"/>
+            <a:r>
+              <a:rPr lang="en-US" sz="1800" dirty="0">
+                <a:solidFill>
+                  <a:schemeClr val="tx1"/>
+                </a:solidFill>
+                <a:latin typeface="Courier New"/>
+                <a:cs typeface="Courier New"/>
+              </a:rPr>
+              <a:t>190</a:t>
+            </a:r>
+          </a:p>
+          <a:p>
+            <a:pPr lvl="1"/>
+            <a:r>
+              <a:rPr lang="en-US" sz="1800" b="1" dirty="0" err="1">
+                <a:solidFill>
+                  <a:schemeClr val="tx1"/>
+                </a:solidFill>
+                <a:latin typeface="Courier New"/>
+                <a:cs typeface="Courier New"/>
+              </a:rPr>
+              <a:t>np.sum</a:t>
+            </a:r>
+            <a:r>
+              <a:rPr lang="en-US" sz="1800" b="1" dirty="0">
+                <a:solidFill>
+                  <a:schemeClr val="tx1"/>
+                </a:solidFill>
+                <a:latin typeface="Courier New"/>
+                <a:cs typeface="Courier New"/>
+              </a:rPr>
+              <a:t>(array1)</a:t>
+            </a:r>
+          </a:p>
+          <a:p>
+            <a:pPr lvl="1"/>
+            <a:r>
+              <a:rPr lang="en-US" sz="1800" dirty="0">
+                <a:solidFill>
+                  <a:schemeClr val="tx1"/>
+                </a:solidFill>
+                <a:latin typeface="Courier New"/>
+                <a:cs typeface="Courier New"/>
+              </a:rPr>
+              <a:t>190</a:t>
+            </a:r>
+          </a:p>
+          <a:p>
+            <a:pPr lvl="1"/>
+            <a:r>
+              <a:rPr lang="en-US" sz="1800" b="1" dirty="0">
+                <a:solidFill>
+                  <a:schemeClr val="tx1"/>
+                </a:solidFill>
+                <a:latin typeface="Courier New"/>
+                <a:cs typeface="Courier New"/>
+              </a:rPr>
+              <a:t>array1.sum(axis = 0) # sum of the columns</a:t>
+            </a:r>
+          </a:p>
+          <a:p>
+            <a:pPr lvl="1"/>
+            <a:r>
+              <a:rPr lang="en-US" sz="1800" dirty="0">
+                <a:solidFill>
+                  <a:schemeClr val="tx1"/>
+                </a:solidFill>
+                <a:latin typeface="Courier New"/>
+                <a:cs typeface="Courier New"/>
+              </a:rPr>
+              <a:t>[30 34 38 42 46]</a:t>
+            </a:r>
+          </a:p>
+          <a:p>
+            <a:pPr lvl="1"/>
+            <a:endParaRPr lang="en-US" sz="1800" b="1" dirty="0">
               <a:solidFill>
                 <a:schemeClr val="tx1"/>
               </a:solidFill>
@@ -11110,155 +10659,7 @@
             </a:endParaRPr>
           </a:p>
           <a:p>
-            <a:r>
-              <a:rPr lang="mr-IN" sz="1800" dirty="0" err="1">
-                <a:solidFill>
-                  <a:schemeClr val="tx1"/>
-                </a:solidFill>
-                <a:latin typeface="Courier New"/>
-                <a:cs typeface="Courier New"/>
-              </a:rPr>
-              <a:t>array</a:t>
-            </a:r>
-            <a:r>
-              <a:rPr lang="mr-IN" sz="1800" dirty="0">
-                <a:solidFill>
-                  <a:schemeClr val="tx1"/>
-                </a:solidFill>
-                <a:latin typeface="Courier New"/>
-                <a:cs typeface="Courier New"/>
-              </a:rPr>
-              <a:t>([[-0.25417597,  0.34146309,  2.52982769,  1.45988811],</a:t>
-            </a:r>
-          </a:p>
-          <a:p>
-            <a:r>
-              <a:rPr lang="mr-IN" sz="1800" dirty="0">
-                <a:solidFill>
-                  <a:schemeClr val="tx1"/>
-                </a:solidFill>
-                <a:latin typeface="Courier New"/>
-                <a:cs typeface="Courier New"/>
-              </a:rPr>
-              <a:t>       [ 1.50491216, -0.49649801,  0.72392736, -0.24452797]])</a:t>
-            </a:r>
-          </a:p>
-          <a:p>
-            <a:endParaRPr lang="pt-BR" sz="1800" dirty="0">
-              <a:solidFill>
-                <a:schemeClr val="tx1"/>
-              </a:solidFill>
-              <a:latin typeface="Courier New"/>
-              <a:cs typeface="Courier New"/>
-            </a:endParaRPr>
-          </a:p>
-          <a:p>
-            <a:r>
-              <a:rPr lang="pt-BR" sz="1800" b="1" dirty="0" err="1">
-                <a:solidFill>
-                  <a:schemeClr val="tx1"/>
-                </a:solidFill>
-                <a:latin typeface="Courier New"/>
-                <a:cs typeface="Courier New"/>
-              </a:rPr>
-              <a:t>array.mean</a:t>
-            </a:r>
-            <a:r>
-              <a:rPr lang="pt-BR" sz="1800" b="1" dirty="0">
-                <a:solidFill>
-                  <a:schemeClr val="tx1"/>
-                </a:solidFill>
-                <a:latin typeface="Courier New"/>
-                <a:cs typeface="Courier New"/>
-              </a:rPr>
-              <a:t>()</a:t>
-            </a:r>
-          </a:p>
-          <a:p>
-            <a:r>
-              <a:rPr lang="pt-BR" sz="1800" dirty="0">
-                <a:solidFill>
-                  <a:schemeClr val="tx1"/>
-                </a:solidFill>
-                <a:latin typeface="Courier New"/>
-                <a:cs typeface="Courier New"/>
-              </a:rPr>
-              <a:t>0.69560205905268047</a:t>
-            </a:r>
-          </a:p>
-          <a:p>
-            <a:endParaRPr lang="pt-BR" sz="1800" dirty="0">
-              <a:solidFill>
-                <a:schemeClr val="tx1"/>
-              </a:solidFill>
-              <a:latin typeface="Courier New"/>
-              <a:cs typeface="Courier New"/>
-            </a:endParaRPr>
-          </a:p>
-          <a:p>
-            <a:r>
-              <a:rPr lang="pt-BR" sz="1800" b="1" dirty="0" err="1">
-                <a:solidFill>
-                  <a:schemeClr val="tx1"/>
-                </a:solidFill>
-                <a:latin typeface="Courier New"/>
-                <a:cs typeface="Courier New"/>
-              </a:rPr>
-              <a:t>np.mean</a:t>
-            </a:r>
-            <a:r>
-              <a:rPr lang="pt-BR" sz="1800" b="1" dirty="0">
-                <a:solidFill>
-                  <a:schemeClr val="tx1"/>
-                </a:solidFill>
-                <a:latin typeface="Courier New"/>
-                <a:cs typeface="Courier New"/>
-              </a:rPr>
-              <a:t>(</a:t>
-            </a:r>
-            <a:r>
-              <a:rPr lang="pt-BR" sz="1800" b="1" dirty="0" err="1">
-                <a:solidFill>
-                  <a:schemeClr val="tx1"/>
-                </a:solidFill>
-                <a:latin typeface="Courier New"/>
-                <a:cs typeface="Courier New"/>
-              </a:rPr>
-              <a:t>array</a:t>
-            </a:r>
-            <a:r>
-              <a:rPr lang="pt-BR" sz="1800" b="1" dirty="0">
-                <a:solidFill>
-                  <a:schemeClr val="tx1"/>
-                </a:solidFill>
-                <a:latin typeface="Courier New"/>
-                <a:cs typeface="Courier New"/>
-              </a:rPr>
-              <a:t>)</a:t>
-            </a:r>
-          </a:p>
-          <a:p>
-            <a:r>
-              <a:rPr lang="is-IS" sz="1800" dirty="0">
-                <a:solidFill>
-                  <a:schemeClr val="tx1"/>
-                </a:solidFill>
-                <a:latin typeface="Courier New"/>
-                <a:cs typeface="Courier New"/>
-              </a:rPr>
-              <a:t>0.69560205905268047</a:t>
-            </a:r>
-          </a:p>
-          <a:p>
-            <a:endParaRPr lang="is-IS" sz="1800" dirty="0">
-              <a:solidFill>
-                <a:schemeClr val="tx1"/>
-              </a:solidFill>
-              <a:latin typeface="Courier New"/>
-              <a:cs typeface="Courier New"/>
-            </a:endParaRPr>
-          </a:p>
-          <a:p>
+            <a:pPr lvl="1"/>
             <a:r>
               <a:rPr lang="en-US" sz="1800" b="1" dirty="0">
                 <a:solidFill>
@@ -11267,29 +10668,20 @@
                 <a:latin typeface="Courier New"/>
                 <a:cs typeface="Courier New"/>
               </a:rPr>
-              <a:t>array.mean(axis=0)</a:t>
-            </a:r>
-          </a:p>
-          <a:p>
-            <a:r>
-              <a:rPr lang="mr-IN" sz="1800" dirty="0" err="1">
-                <a:solidFill>
-                  <a:schemeClr val="tx1"/>
-                </a:solidFill>
-                <a:latin typeface="Courier New"/>
-                <a:cs typeface="Courier New"/>
-              </a:rPr>
-              <a:t>array</a:t>
-            </a:r>
-            <a:r>
-              <a:rPr lang="mr-IN" sz="1800" dirty="0">
-                <a:solidFill>
-                  <a:schemeClr val="tx1"/>
-                </a:solidFill>
-                <a:latin typeface="Courier New"/>
-                <a:cs typeface="Courier New"/>
-              </a:rPr>
-              <a:t>([ 0.62536809, -0.07751746,  1.62687753,  0.60768007])</a:t>
+              <a:t>array1.sum(axis = 1) # sum of the rows</a:t>
+            </a:r>
+          </a:p>
+          <a:p>
+            <a:pPr lvl="1"/>
+            <a:r>
+              <a:rPr lang="en-US" sz="1800" dirty="0">
+                <a:solidFill>
+                  <a:schemeClr val="tx1"/>
+                </a:solidFill>
+                <a:latin typeface="Courier New"/>
+                <a:cs typeface="Courier New"/>
+              </a:rPr>
+              <a:t>[10 35 60 85]</a:t>
             </a:r>
           </a:p>
         </p:txBody>
@@ -11304,13 +10696,13 @@
         </p:nvSpPr>
         <p:spPr bwMode="auto">
           <a:xfrm>
-            <a:off x="4177018" y="4950881"/>
+            <a:off x="4838771" y="3667791"/>
             <a:ext cx="1848733" cy="584776"/>
           </a:xfrm>
           <a:prstGeom prst="wedgeRectCallout">
             <a:avLst>
-              <a:gd name="adj1" fmla="val -115268"/>
-              <a:gd name="adj2" fmla="val 48919"/>
+              <a:gd name="adj1" fmla="val -123747"/>
+              <a:gd name="adj2" fmla="val 153909"/>
             </a:avLst>
           </a:prstGeom>
           <a:solidFill>
@@ -11363,91 +10755,7 @@
 </p:sld>
 </file>
 
-<file path=ppt/slides/slide18.xml><?xml version="1.0" encoding="utf-8"?>
-<p:sld xmlns:a="http://schemas.openxmlformats.org/drawingml/2006/main" xmlns:r="http://schemas.openxmlformats.org/officeDocument/2006/relationships" xmlns:p="http://schemas.openxmlformats.org/presentationml/2006/main">
-  <p:cSld>
-    <p:spTree>
-      <p:nvGrpSpPr>
-        <p:cNvPr id="1" name=""/>
-        <p:cNvGrpSpPr/>
-        <p:nvPr/>
-      </p:nvGrpSpPr>
-      <p:grpSpPr>
-        <a:xfrm>
-          <a:off x="0" y="0"/>
-          <a:ext cx="0" cy="0"/>
-          <a:chOff x="0" y="0"/>
-          <a:chExt cx="0" cy="0"/>
-        </a:xfrm>
-      </p:grpSpPr>
-      <p:sp>
-        <p:nvSpPr>
-          <p:cNvPr id="32771" name="Content Placeholder 2"/>
-          <p:cNvSpPr>
-            <a:spLocks noGrp="1"/>
-          </p:cNvSpPr>
-          <p:nvPr>
-            <p:ph idx="1"/>
-          </p:nvPr>
-        </p:nvSpPr>
-        <p:spPr/>
-        <p:txBody>
-          <a:bodyPr/>
-          <a:lstStyle/>
-          <a:p>
-            <a:r>
-              <a:rPr lang="en-US" altLang="en-US" dirty="0"/>
-              <a:t>Please Open Day2-Labs notebook and complete the second lab</a:t>
-            </a:r>
-            <a:endParaRPr lang="en-US" altLang="en-US" dirty="0">
-              <a:latin typeface="Courier New" panose="02070309020205020404" pitchFamily="49" charset="0"/>
-              <a:cs typeface="Courier New" panose="02070309020205020404" pitchFamily="49" charset="0"/>
-            </a:endParaRPr>
-          </a:p>
-          <a:p>
-            <a:endParaRPr altLang="en-US" dirty="0">
-              <a:latin typeface="Courier New" panose="02070309020205020404" pitchFamily="49" charset="0"/>
-              <a:cs typeface="Courier New" panose="02070309020205020404" pitchFamily="49" charset="0"/>
-            </a:endParaRPr>
-          </a:p>
-        </p:txBody>
-      </p:sp>
-      <p:sp>
-        <p:nvSpPr>
-          <p:cNvPr id="32770" name="Title 1"/>
-          <p:cNvSpPr>
-            <a:spLocks noGrp="1"/>
-          </p:cNvSpPr>
-          <p:nvPr>
-            <p:ph type="title"/>
-          </p:nvPr>
-        </p:nvSpPr>
-        <p:spPr/>
-        <p:txBody>
-          <a:bodyPr/>
-          <a:lstStyle/>
-          <a:p>
-            <a:r>
-              <a:rPr lang="en-US" altLang="en-US" dirty="0"/>
-              <a:t>Exercise 2.2: Array Basic Operations</a:t>
-            </a:r>
-          </a:p>
-        </p:txBody>
-      </p:sp>
-    </p:spTree>
-    <p:extLst>
-      <p:ext uri="{BB962C8B-B14F-4D97-AF65-F5344CB8AC3E}">
-        <p14:creationId xmlns:p14="http://schemas.microsoft.com/office/powerpoint/2010/main" val="1152724904"/>
-      </p:ext>
-    </p:extLst>
-  </p:cSld>
-  <p:clrMapOvr>
-    <a:masterClrMapping/>
-  </p:clrMapOvr>
-</p:sld>
-</file>
-
-<file path=ppt/slides/slide19.xml><?xml version="1.0" encoding="utf-8"?>
+<file path=ppt/slides/slide17.xml><?xml version="1.0" encoding="utf-8"?>
 <p:sld xmlns:a="http://schemas.openxmlformats.org/drawingml/2006/main" xmlns:r="http://schemas.openxmlformats.org/officeDocument/2006/relationships" xmlns:p="http://schemas.openxmlformats.org/presentationml/2006/main">
   <p:cSld>
     <p:spTree>
@@ -11877,6 +11185,953 @@
 </p:sld>
 </file>
 
+<file path=ppt/slides/slide18.xml><?xml version="1.0" encoding="utf-8"?>
+<p:sld xmlns:a="http://schemas.openxmlformats.org/drawingml/2006/main" xmlns:r="http://schemas.openxmlformats.org/officeDocument/2006/relationships" xmlns:p="http://schemas.openxmlformats.org/presentationml/2006/main">
+  <p:cSld>
+    <p:spTree>
+      <p:nvGrpSpPr>
+        <p:cNvPr id="1" name=""/>
+        <p:cNvGrpSpPr/>
+        <p:nvPr/>
+      </p:nvGrpSpPr>
+      <p:grpSpPr>
+        <a:xfrm>
+          <a:off x="0" y="0"/>
+          <a:ext cx="0" cy="0"/>
+          <a:chOff x="0" y="0"/>
+          <a:chExt cx="0" cy="0"/>
+        </a:xfrm>
+      </p:grpSpPr>
+      <p:sp>
+        <p:nvSpPr>
+          <p:cNvPr id="2" name="Title 1"/>
+          <p:cNvSpPr>
+            <a:spLocks noGrp="1"/>
+          </p:cNvSpPr>
+          <p:nvPr>
+            <p:ph type="title"/>
+          </p:nvPr>
+        </p:nvSpPr>
+        <p:spPr/>
+        <p:txBody>
+          <a:bodyPr/>
+          <a:lstStyle/>
+          <a:p>
+            <a:pPr lvl="0"/>
+            <a:r>
+              <a:rPr lang="en-US" dirty="0"/>
+              <a:t>File Input and Output with Arrays</a:t>
+            </a:r>
+          </a:p>
+        </p:txBody>
+      </p:sp>
+      <p:sp>
+        <p:nvSpPr>
+          <p:cNvPr id="3" name="Content Placeholder 2"/>
+          <p:cNvSpPr>
+            <a:spLocks noGrp="1"/>
+          </p:cNvSpPr>
+          <p:nvPr>
+            <p:ph idx="1"/>
+          </p:nvPr>
+        </p:nvSpPr>
+        <p:spPr/>
+        <p:txBody>
+          <a:bodyPr/>
+          <a:lstStyle/>
+          <a:p>
+            <a:r>
+              <a:rPr lang="en-US" dirty="0"/>
+              <a:t>NumPy can load and save data from disk in text or binary format</a:t>
+            </a:r>
+          </a:p>
+          <a:p>
+            <a:pPr lvl="1"/>
+            <a:r>
+              <a:rPr lang="en-US" dirty="0"/>
+              <a:t>By default, files are written in an uncompressed binary format</a:t>
+            </a:r>
+          </a:p>
+          <a:p>
+            <a:pPr lvl="2"/>
+            <a:r>
+              <a:rPr lang="en-US" dirty="0"/>
+              <a:t>File extension </a:t>
+            </a:r>
+            <a:r>
+              <a:rPr lang="en-US" dirty="0">
+                <a:latin typeface="Courier New"/>
+                <a:cs typeface="Courier New"/>
+              </a:rPr>
+              <a:t>.npy</a:t>
+            </a:r>
+          </a:p>
+          <a:p>
+            <a:endParaRPr lang="en-US" dirty="0"/>
+          </a:p>
+          <a:p>
+            <a:endParaRPr lang="en-US" dirty="0"/>
+          </a:p>
+        </p:txBody>
+      </p:sp>
+      <p:sp>
+        <p:nvSpPr>
+          <p:cNvPr id="4" name="TextBox 3"/>
+          <p:cNvSpPr txBox="1">
+            <a:spLocks noChangeArrowheads="1"/>
+          </p:cNvSpPr>
+          <p:nvPr/>
+        </p:nvSpPr>
+        <p:spPr bwMode="auto">
+          <a:xfrm>
+            <a:off x="1758703" y="2506808"/>
+            <a:ext cx="5322031" cy="2308324"/>
+          </a:xfrm>
+          <a:prstGeom prst="rect">
+            <a:avLst/>
+          </a:prstGeom>
+          <a:noFill/>
+          <a:ln w="28575">
+            <a:solidFill>
+              <a:schemeClr val="accent2">
+                <a:lumMod val="20000"/>
+                <a:lumOff val="80000"/>
+              </a:schemeClr>
+            </a:solidFill>
+            <a:miter lim="800000"/>
+            <a:headEnd/>
+            <a:tailEnd/>
+          </a:ln>
+          <a:effectLst/>
+        </p:spPr>
+        <p:txBody>
+          <a:bodyPr wrap="square">
+            <a:spAutoFit/>
+          </a:bodyPr>
+          <a:lstStyle>
+            <a:lvl1pPr eaLnBrk="0" hangingPunct="0">
+              <a:defRPr sz="2400">
+                <a:solidFill>
+                  <a:schemeClr val="bg1"/>
+                </a:solidFill>
+                <a:latin typeface="Arial" panose="020B0604020202020204" pitchFamily="34" charset="0"/>
+                <a:ea typeface="MS PGothic" panose="020B0600070205080204" pitchFamily="34" charset="-128"/>
+              </a:defRPr>
+            </a:lvl1pPr>
+            <a:lvl2pPr marL="742950" indent="-285750" eaLnBrk="0" hangingPunct="0">
+              <a:defRPr sz="2400">
+                <a:solidFill>
+                  <a:schemeClr val="bg1"/>
+                </a:solidFill>
+                <a:latin typeface="Arial" panose="020B0604020202020204" pitchFamily="34" charset="0"/>
+                <a:ea typeface="MS PGothic" panose="020B0600070205080204" pitchFamily="34" charset="-128"/>
+              </a:defRPr>
+            </a:lvl2pPr>
+            <a:lvl3pPr marL="1143000" indent="-228600" eaLnBrk="0" hangingPunct="0">
+              <a:defRPr sz="2400">
+                <a:solidFill>
+                  <a:schemeClr val="bg1"/>
+                </a:solidFill>
+                <a:latin typeface="Arial" panose="020B0604020202020204" pitchFamily="34" charset="0"/>
+                <a:ea typeface="MS PGothic" panose="020B0600070205080204" pitchFamily="34" charset="-128"/>
+              </a:defRPr>
+            </a:lvl3pPr>
+            <a:lvl4pPr marL="1600200" indent="-228600" eaLnBrk="0" hangingPunct="0">
+              <a:defRPr sz="2400">
+                <a:solidFill>
+                  <a:schemeClr val="bg1"/>
+                </a:solidFill>
+                <a:latin typeface="Arial" panose="020B0604020202020204" pitchFamily="34" charset="0"/>
+                <a:ea typeface="MS PGothic" panose="020B0600070205080204" pitchFamily="34" charset="-128"/>
+              </a:defRPr>
+            </a:lvl4pPr>
+            <a:lvl5pPr marL="2057400" indent="-228600" eaLnBrk="0" hangingPunct="0">
+              <a:defRPr sz="2400">
+                <a:solidFill>
+                  <a:schemeClr val="bg1"/>
+                </a:solidFill>
+                <a:latin typeface="Arial" panose="020B0604020202020204" pitchFamily="34" charset="0"/>
+                <a:ea typeface="MS PGothic" panose="020B0600070205080204" pitchFamily="34" charset="-128"/>
+              </a:defRPr>
+            </a:lvl5pPr>
+            <a:lvl6pPr marL="2514600" indent="-228600" eaLnBrk="0" fontAlgn="base" hangingPunct="0">
+              <a:spcBef>
+                <a:spcPct val="0"/>
+              </a:spcBef>
+              <a:spcAft>
+                <a:spcPct val="0"/>
+              </a:spcAft>
+              <a:defRPr sz="2400">
+                <a:solidFill>
+                  <a:schemeClr val="bg1"/>
+                </a:solidFill>
+                <a:latin typeface="Arial" panose="020B0604020202020204" pitchFamily="34" charset="0"/>
+                <a:ea typeface="MS PGothic" panose="020B0600070205080204" pitchFamily="34" charset="-128"/>
+              </a:defRPr>
+            </a:lvl6pPr>
+            <a:lvl7pPr marL="2971800" indent="-228600" eaLnBrk="0" fontAlgn="base" hangingPunct="0">
+              <a:spcBef>
+                <a:spcPct val="0"/>
+              </a:spcBef>
+              <a:spcAft>
+                <a:spcPct val="0"/>
+              </a:spcAft>
+              <a:defRPr sz="2400">
+                <a:solidFill>
+                  <a:schemeClr val="bg1"/>
+                </a:solidFill>
+                <a:latin typeface="Arial" panose="020B0604020202020204" pitchFamily="34" charset="0"/>
+                <a:ea typeface="MS PGothic" panose="020B0600070205080204" pitchFamily="34" charset="-128"/>
+              </a:defRPr>
+            </a:lvl7pPr>
+            <a:lvl8pPr marL="3429000" indent="-228600" eaLnBrk="0" fontAlgn="base" hangingPunct="0">
+              <a:spcBef>
+                <a:spcPct val="0"/>
+              </a:spcBef>
+              <a:spcAft>
+                <a:spcPct val="0"/>
+              </a:spcAft>
+              <a:defRPr sz="2400">
+                <a:solidFill>
+                  <a:schemeClr val="bg1"/>
+                </a:solidFill>
+                <a:latin typeface="Arial" panose="020B0604020202020204" pitchFamily="34" charset="0"/>
+                <a:ea typeface="MS PGothic" panose="020B0600070205080204" pitchFamily="34" charset="-128"/>
+              </a:defRPr>
+            </a:lvl8pPr>
+            <a:lvl9pPr marL="3886200" indent="-228600" eaLnBrk="0" fontAlgn="base" hangingPunct="0">
+              <a:spcBef>
+                <a:spcPct val="0"/>
+              </a:spcBef>
+              <a:spcAft>
+                <a:spcPct val="0"/>
+              </a:spcAft>
+              <a:defRPr sz="2400">
+                <a:solidFill>
+                  <a:schemeClr val="bg1"/>
+                </a:solidFill>
+                <a:latin typeface="Arial" panose="020B0604020202020204" pitchFamily="34" charset="0"/>
+                <a:ea typeface="MS PGothic" panose="020B0600070205080204" pitchFamily="34" charset="-128"/>
+              </a:defRPr>
+            </a:lvl9pPr>
+          </a:lstStyle>
+          <a:p>
+            <a:r>
+              <a:rPr lang="pl-PL" sz="1800" b="1" dirty="0">
+                <a:solidFill>
+                  <a:schemeClr val="tx1"/>
+                </a:solidFill>
+                <a:latin typeface="Courier New"/>
+                <a:cs typeface="Courier New"/>
+              </a:rPr>
+              <a:t>array1 = </a:t>
+            </a:r>
+            <a:r>
+              <a:rPr lang="pl-PL" sz="1800" b="1" dirty="0" err="1">
+                <a:solidFill>
+                  <a:schemeClr val="tx1"/>
+                </a:solidFill>
+                <a:latin typeface="Courier New"/>
+                <a:cs typeface="Courier New"/>
+              </a:rPr>
+              <a:t>np.arange</a:t>
+            </a:r>
+            <a:r>
+              <a:rPr lang="pl-PL" sz="1800" b="1" dirty="0">
+                <a:solidFill>
+                  <a:schemeClr val="tx1"/>
+                </a:solidFill>
+                <a:latin typeface="Courier New"/>
+                <a:cs typeface="Courier New"/>
+              </a:rPr>
+              <a:t>(10)</a:t>
+            </a:r>
+          </a:p>
+          <a:p>
+            <a:endParaRPr lang="pl-PL" sz="1800" b="1" dirty="0">
+              <a:solidFill>
+                <a:schemeClr val="tx1"/>
+              </a:solidFill>
+              <a:latin typeface="Courier New"/>
+              <a:cs typeface="Courier New"/>
+            </a:endParaRPr>
+          </a:p>
+          <a:p>
+            <a:r>
+              <a:rPr lang="pl-PL" sz="1800" b="1" dirty="0" err="1">
+                <a:solidFill>
+                  <a:schemeClr val="tx1"/>
+                </a:solidFill>
+                <a:latin typeface="Courier New"/>
+                <a:cs typeface="Courier New"/>
+              </a:rPr>
+              <a:t>np.save</a:t>
+            </a:r>
+            <a:r>
+              <a:rPr lang="pl-PL" sz="1800" b="1" dirty="0">
+                <a:solidFill>
+                  <a:schemeClr val="tx1"/>
+                </a:solidFill>
+                <a:latin typeface="Courier New"/>
+                <a:cs typeface="Courier New"/>
+              </a:rPr>
+              <a:t>('array1.npy', array1)</a:t>
+            </a:r>
+          </a:p>
+          <a:p>
+            <a:endParaRPr lang="pl-PL" sz="1800" b="1" dirty="0">
+              <a:solidFill>
+                <a:schemeClr val="tx1"/>
+              </a:solidFill>
+              <a:latin typeface="Courier New"/>
+              <a:cs typeface="Courier New"/>
+            </a:endParaRPr>
+          </a:p>
+          <a:p>
+            <a:r>
+              <a:rPr lang="pl-PL" sz="1800" b="1" dirty="0">
+                <a:solidFill>
+                  <a:schemeClr val="tx1"/>
+                </a:solidFill>
+                <a:latin typeface="Courier New"/>
+                <a:cs typeface="Courier New"/>
+              </a:rPr>
+              <a:t>array2 = </a:t>
+            </a:r>
+            <a:r>
+              <a:rPr lang="pl-PL" sz="1800" b="1" dirty="0" err="1">
+                <a:solidFill>
+                  <a:schemeClr val="tx1"/>
+                </a:solidFill>
+                <a:latin typeface="Courier New"/>
+                <a:cs typeface="Courier New"/>
+              </a:rPr>
+              <a:t>np.load</a:t>
+            </a:r>
+            <a:r>
+              <a:rPr lang="pl-PL" sz="1800" b="1" dirty="0">
+                <a:solidFill>
+                  <a:schemeClr val="tx1"/>
+                </a:solidFill>
+                <a:latin typeface="Courier New"/>
+                <a:cs typeface="Courier New"/>
+              </a:rPr>
+              <a:t>('array1.npy')</a:t>
+            </a:r>
+          </a:p>
+          <a:p>
+            <a:endParaRPr lang="en-US" sz="1800" b="1" dirty="0">
+              <a:solidFill>
+                <a:schemeClr val="tx1"/>
+              </a:solidFill>
+              <a:latin typeface="Courier New"/>
+              <a:cs typeface="Courier New"/>
+            </a:endParaRPr>
+          </a:p>
+          <a:p>
+            <a:r>
+              <a:rPr lang="en-US" sz="1800" b="1" dirty="0">
+                <a:solidFill>
+                  <a:schemeClr val="tx1"/>
+                </a:solidFill>
+                <a:latin typeface="Courier New"/>
+                <a:cs typeface="Courier New"/>
+              </a:rPr>
+              <a:t>array2</a:t>
+            </a:r>
+          </a:p>
+          <a:p>
+            <a:r>
+              <a:rPr lang="mr-IN" sz="1800" dirty="0" err="1">
+                <a:solidFill>
+                  <a:schemeClr val="tx1"/>
+                </a:solidFill>
+                <a:latin typeface="Courier New"/>
+                <a:cs typeface="Courier New"/>
+              </a:rPr>
+              <a:t>array</a:t>
+            </a:r>
+            <a:r>
+              <a:rPr lang="mr-IN" sz="1800" dirty="0">
+                <a:solidFill>
+                  <a:schemeClr val="tx1"/>
+                </a:solidFill>
+                <a:latin typeface="Courier New"/>
+                <a:cs typeface="Courier New"/>
+              </a:rPr>
+              <a:t>([0, 1, 2, 3, 4, 5, 6, 7, 8, 9])</a:t>
+            </a:r>
+          </a:p>
+        </p:txBody>
+      </p:sp>
+      <p:sp>
+        <p:nvSpPr>
+          <p:cNvPr id="5" name="Rectangular Callout 4"/>
+          <p:cNvSpPr>
+            <a:spLocks noChangeArrowheads="1"/>
+          </p:cNvSpPr>
+          <p:nvPr/>
+        </p:nvSpPr>
+        <p:spPr bwMode="auto">
+          <a:xfrm>
+            <a:off x="5919935" y="2214420"/>
+            <a:ext cx="2393996" cy="584776"/>
+          </a:xfrm>
+          <a:prstGeom prst="wedgeRectCallout">
+            <a:avLst>
+              <a:gd name="adj1" fmla="val -103550"/>
+              <a:gd name="adj2" fmla="val 95059"/>
+            </a:avLst>
+          </a:prstGeom>
+          <a:solidFill>
+            <a:schemeClr val="accent2">
+              <a:lumMod val="20000"/>
+              <a:lumOff val="80000"/>
+            </a:schemeClr>
+          </a:solidFill>
+          <a:ln w="9525">
+            <a:noFill/>
+            <a:round/>
+            <a:headEnd/>
+            <a:tailEnd/>
+          </a:ln>
+          <a:effectLst/>
+        </p:spPr>
+        <p:txBody>
+          <a:bodyPr wrap="square" anchor="ctr">
+            <a:spAutoFit/>
+          </a:bodyPr>
+          <a:lstStyle/>
+          <a:p>
+            <a:pPr algn="ctr" eaLnBrk="1" hangingPunct="1">
+              <a:defRPr/>
+            </a:pPr>
+            <a:r>
+              <a:rPr lang="en-US" sz="1600" dirty="0">
+                <a:solidFill>
+                  <a:schemeClr val="tx1"/>
+                </a:solidFill>
+                <a:latin typeface="+mn-lt"/>
+                <a:ea typeface="ＭＳ Ｐゴシック" charset="0"/>
+                <a:cs typeface="Arial"/>
+              </a:rPr>
+              <a:t>Extension added if not provided explicitly</a:t>
+            </a:r>
+          </a:p>
+        </p:txBody>
+      </p:sp>
+    </p:spTree>
+    <p:extLst>
+      <p:ext uri="{BB962C8B-B14F-4D97-AF65-F5344CB8AC3E}">
+        <p14:creationId xmlns:p14="http://schemas.microsoft.com/office/powerpoint/2010/main" val="2417707317"/>
+      </p:ext>
+    </p:extLst>
+  </p:cSld>
+  <p:clrMapOvr>
+    <a:masterClrMapping/>
+  </p:clrMapOvr>
+</p:sld>
+</file>
+
+<file path=ppt/slides/slide19.xml><?xml version="1.0" encoding="utf-8"?>
+<p:sld xmlns:a="http://schemas.openxmlformats.org/drawingml/2006/main" xmlns:r="http://schemas.openxmlformats.org/officeDocument/2006/relationships" xmlns:p="http://schemas.openxmlformats.org/presentationml/2006/main">
+  <p:cSld>
+    <p:spTree>
+      <p:nvGrpSpPr>
+        <p:cNvPr id="1" name=""/>
+        <p:cNvGrpSpPr/>
+        <p:nvPr/>
+      </p:nvGrpSpPr>
+      <p:grpSpPr>
+        <a:xfrm>
+          <a:off x="0" y="0"/>
+          <a:ext cx="0" cy="0"/>
+          <a:chOff x="0" y="0"/>
+          <a:chExt cx="0" cy="0"/>
+        </a:xfrm>
+      </p:grpSpPr>
+      <p:sp>
+        <p:nvSpPr>
+          <p:cNvPr id="2" name="Title 1"/>
+          <p:cNvSpPr>
+            <a:spLocks noGrp="1"/>
+          </p:cNvSpPr>
+          <p:nvPr>
+            <p:ph type="title"/>
+          </p:nvPr>
+        </p:nvSpPr>
+        <p:spPr/>
+        <p:txBody>
+          <a:bodyPr/>
+          <a:lstStyle/>
+          <a:p>
+            <a:r>
+              <a:rPr lang="en-US" dirty="0"/>
+              <a:t>File Archives</a:t>
+            </a:r>
+          </a:p>
+        </p:txBody>
+      </p:sp>
+      <p:sp>
+        <p:nvSpPr>
+          <p:cNvPr id="3" name="Content Placeholder 2"/>
+          <p:cNvSpPr>
+            <a:spLocks noGrp="1"/>
+          </p:cNvSpPr>
+          <p:nvPr>
+            <p:ph idx="1"/>
+          </p:nvPr>
+        </p:nvSpPr>
+        <p:spPr/>
+        <p:txBody>
+          <a:bodyPr/>
+          <a:lstStyle/>
+          <a:p>
+            <a:r>
+              <a:rPr lang="en-US" dirty="0"/>
+              <a:t>Multiple arrays can be saved to an archive file using </a:t>
+            </a:r>
+            <a:r>
+              <a:rPr lang="en-US" dirty="0">
+                <a:latin typeface="Courier New"/>
+                <a:cs typeface="Courier New"/>
+              </a:rPr>
+              <a:t>np.savez()</a:t>
+            </a:r>
+          </a:p>
+          <a:p>
+            <a:pPr lvl="1"/>
+            <a:r>
+              <a:rPr lang="en-US" dirty="0">
+                <a:latin typeface="Courier New"/>
+                <a:cs typeface="Courier New"/>
+              </a:rPr>
+              <a:t>np.load()</a:t>
+            </a:r>
+            <a:r>
+              <a:rPr lang="en-US" dirty="0"/>
+              <a:t> will return dictionary style object</a:t>
+            </a:r>
+          </a:p>
+          <a:p>
+            <a:pPr lvl="2"/>
+            <a:r>
+              <a:rPr lang="en-US" dirty="0"/>
+              <a:t>Each array is loaded lazily</a:t>
+            </a:r>
+          </a:p>
+        </p:txBody>
+      </p:sp>
+      <p:sp>
+        <p:nvSpPr>
+          <p:cNvPr id="4" name="TextBox 3"/>
+          <p:cNvSpPr txBox="1">
+            <a:spLocks noChangeArrowheads="1"/>
+          </p:cNvSpPr>
+          <p:nvPr/>
+        </p:nvSpPr>
+        <p:spPr bwMode="auto">
+          <a:xfrm>
+            <a:off x="994524" y="2215756"/>
+            <a:ext cx="6918551" cy="3970318"/>
+          </a:xfrm>
+          <a:prstGeom prst="rect">
+            <a:avLst/>
+          </a:prstGeom>
+          <a:noFill/>
+          <a:ln w="28575">
+            <a:solidFill>
+              <a:schemeClr val="accent2">
+                <a:lumMod val="20000"/>
+                <a:lumOff val="80000"/>
+              </a:schemeClr>
+            </a:solidFill>
+            <a:miter lim="800000"/>
+            <a:headEnd/>
+            <a:tailEnd/>
+          </a:ln>
+          <a:effectLst/>
+        </p:spPr>
+        <p:txBody>
+          <a:bodyPr wrap="square">
+            <a:spAutoFit/>
+          </a:bodyPr>
+          <a:lstStyle>
+            <a:lvl1pPr eaLnBrk="0" hangingPunct="0">
+              <a:defRPr sz="2400">
+                <a:solidFill>
+                  <a:schemeClr val="bg1"/>
+                </a:solidFill>
+                <a:latin typeface="Arial" panose="020B0604020202020204" pitchFamily="34" charset="0"/>
+                <a:ea typeface="MS PGothic" panose="020B0600070205080204" pitchFamily="34" charset="-128"/>
+              </a:defRPr>
+            </a:lvl1pPr>
+            <a:lvl2pPr marL="742950" indent="-285750" eaLnBrk="0" hangingPunct="0">
+              <a:defRPr sz="2400">
+                <a:solidFill>
+                  <a:schemeClr val="bg1"/>
+                </a:solidFill>
+                <a:latin typeface="Arial" panose="020B0604020202020204" pitchFamily="34" charset="0"/>
+                <a:ea typeface="MS PGothic" panose="020B0600070205080204" pitchFamily="34" charset="-128"/>
+              </a:defRPr>
+            </a:lvl2pPr>
+            <a:lvl3pPr marL="1143000" indent="-228600" eaLnBrk="0" hangingPunct="0">
+              <a:defRPr sz="2400">
+                <a:solidFill>
+                  <a:schemeClr val="bg1"/>
+                </a:solidFill>
+                <a:latin typeface="Arial" panose="020B0604020202020204" pitchFamily="34" charset="0"/>
+                <a:ea typeface="MS PGothic" panose="020B0600070205080204" pitchFamily="34" charset="-128"/>
+              </a:defRPr>
+            </a:lvl3pPr>
+            <a:lvl4pPr marL="1600200" indent="-228600" eaLnBrk="0" hangingPunct="0">
+              <a:defRPr sz="2400">
+                <a:solidFill>
+                  <a:schemeClr val="bg1"/>
+                </a:solidFill>
+                <a:latin typeface="Arial" panose="020B0604020202020204" pitchFamily="34" charset="0"/>
+                <a:ea typeface="MS PGothic" panose="020B0600070205080204" pitchFamily="34" charset="-128"/>
+              </a:defRPr>
+            </a:lvl4pPr>
+            <a:lvl5pPr marL="2057400" indent="-228600" eaLnBrk="0" hangingPunct="0">
+              <a:defRPr sz="2400">
+                <a:solidFill>
+                  <a:schemeClr val="bg1"/>
+                </a:solidFill>
+                <a:latin typeface="Arial" panose="020B0604020202020204" pitchFamily="34" charset="0"/>
+                <a:ea typeface="MS PGothic" panose="020B0600070205080204" pitchFamily="34" charset="-128"/>
+              </a:defRPr>
+            </a:lvl5pPr>
+            <a:lvl6pPr marL="2514600" indent="-228600" eaLnBrk="0" fontAlgn="base" hangingPunct="0">
+              <a:spcBef>
+                <a:spcPct val="0"/>
+              </a:spcBef>
+              <a:spcAft>
+                <a:spcPct val="0"/>
+              </a:spcAft>
+              <a:defRPr sz="2400">
+                <a:solidFill>
+                  <a:schemeClr val="bg1"/>
+                </a:solidFill>
+                <a:latin typeface="Arial" panose="020B0604020202020204" pitchFamily="34" charset="0"/>
+                <a:ea typeface="MS PGothic" panose="020B0600070205080204" pitchFamily="34" charset="-128"/>
+              </a:defRPr>
+            </a:lvl6pPr>
+            <a:lvl7pPr marL="2971800" indent="-228600" eaLnBrk="0" fontAlgn="base" hangingPunct="0">
+              <a:spcBef>
+                <a:spcPct val="0"/>
+              </a:spcBef>
+              <a:spcAft>
+                <a:spcPct val="0"/>
+              </a:spcAft>
+              <a:defRPr sz="2400">
+                <a:solidFill>
+                  <a:schemeClr val="bg1"/>
+                </a:solidFill>
+                <a:latin typeface="Arial" panose="020B0604020202020204" pitchFamily="34" charset="0"/>
+                <a:ea typeface="MS PGothic" panose="020B0600070205080204" pitchFamily="34" charset="-128"/>
+              </a:defRPr>
+            </a:lvl7pPr>
+            <a:lvl8pPr marL="3429000" indent="-228600" eaLnBrk="0" fontAlgn="base" hangingPunct="0">
+              <a:spcBef>
+                <a:spcPct val="0"/>
+              </a:spcBef>
+              <a:spcAft>
+                <a:spcPct val="0"/>
+              </a:spcAft>
+              <a:defRPr sz="2400">
+                <a:solidFill>
+                  <a:schemeClr val="bg1"/>
+                </a:solidFill>
+                <a:latin typeface="Arial" panose="020B0604020202020204" pitchFamily="34" charset="0"/>
+                <a:ea typeface="MS PGothic" panose="020B0600070205080204" pitchFamily="34" charset="-128"/>
+              </a:defRPr>
+            </a:lvl8pPr>
+            <a:lvl9pPr marL="3886200" indent="-228600" eaLnBrk="0" fontAlgn="base" hangingPunct="0">
+              <a:spcBef>
+                <a:spcPct val="0"/>
+              </a:spcBef>
+              <a:spcAft>
+                <a:spcPct val="0"/>
+              </a:spcAft>
+              <a:defRPr sz="2400">
+                <a:solidFill>
+                  <a:schemeClr val="bg1"/>
+                </a:solidFill>
+                <a:latin typeface="Arial" panose="020B0604020202020204" pitchFamily="34" charset="0"/>
+                <a:ea typeface="MS PGothic" panose="020B0600070205080204" pitchFamily="34" charset="-128"/>
+              </a:defRPr>
+            </a:lvl9pPr>
+          </a:lstStyle>
+          <a:p>
+            <a:r>
+              <a:rPr lang="pl-PL" sz="1800" b="1" dirty="0">
+                <a:solidFill>
+                  <a:schemeClr val="tx1"/>
+                </a:solidFill>
+                <a:latin typeface="Courier New"/>
+                <a:cs typeface="Courier New"/>
+              </a:rPr>
+              <a:t>array1 = </a:t>
+            </a:r>
+            <a:r>
+              <a:rPr lang="pl-PL" sz="1800" b="1" dirty="0" err="1">
+                <a:solidFill>
+                  <a:schemeClr val="tx1"/>
+                </a:solidFill>
+                <a:latin typeface="Courier New"/>
+                <a:cs typeface="Courier New"/>
+              </a:rPr>
+              <a:t>np.arange</a:t>
+            </a:r>
+            <a:r>
+              <a:rPr lang="pl-PL" sz="1800" b="1" dirty="0">
+                <a:solidFill>
+                  <a:schemeClr val="tx1"/>
+                </a:solidFill>
+                <a:latin typeface="Courier New"/>
+                <a:cs typeface="Courier New"/>
+              </a:rPr>
+              <a:t>(10)</a:t>
+            </a:r>
+          </a:p>
+          <a:p>
+            <a:endParaRPr lang="pl-PL" sz="1800" b="1" dirty="0">
+              <a:solidFill>
+                <a:schemeClr val="tx1"/>
+              </a:solidFill>
+              <a:latin typeface="Courier New"/>
+              <a:cs typeface="Courier New"/>
+            </a:endParaRPr>
+          </a:p>
+          <a:p>
+            <a:r>
+              <a:rPr lang="en-US" sz="1800" b="1" dirty="0">
+                <a:solidFill>
+                  <a:schemeClr val="tx1"/>
+                </a:solidFill>
+                <a:latin typeface="Courier New"/>
+                <a:cs typeface="Courier New"/>
+              </a:rPr>
+              <a:t>array2 = 2 * array1</a:t>
+            </a:r>
+          </a:p>
+          <a:p>
+            <a:endParaRPr lang="en-US" sz="1800" b="1" dirty="0">
+              <a:solidFill>
+                <a:schemeClr val="tx1"/>
+              </a:solidFill>
+              <a:latin typeface="Courier New"/>
+              <a:cs typeface="Courier New"/>
+            </a:endParaRPr>
+          </a:p>
+          <a:p>
+            <a:r>
+              <a:rPr lang="en-US" sz="1800" b="1" dirty="0">
+                <a:solidFill>
+                  <a:schemeClr val="tx1"/>
+                </a:solidFill>
+                <a:latin typeface="Courier New"/>
+                <a:cs typeface="Courier New"/>
+              </a:rPr>
+              <a:t>np.savez('array_archive.npz', data_set_1=array1, data_set_2=array2)</a:t>
+            </a:r>
+          </a:p>
+          <a:p>
+            <a:endParaRPr lang="en-US" sz="1800" b="1" dirty="0">
+              <a:solidFill>
+                <a:schemeClr val="tx1"/>
+              </a:solidFill>
+              <a:latin typeface="Courier New"/>
+              <a:cs typeface="Courier New"/>
+            </a:endParaRPr>
+          </a:p>
+          <a:p>
+            <a:r>
+              <a:rPr lang="en-US" sz="1800" b="1" dirty="0">
+                <a:solidFill>
+                  <a:schemeClr val="tx1"/>
+                </a:solidFill>
+                <a:latin typeface="Courier New"/>
+                <a:cs typeface="Courier New"/>
+              </a:rPr>
+              <a:t>archive = np.load('array_archive.npz')</a:t>
+            </a:r>
+          </a:p>
+          <a:p>
+            <a:endParaRPr lang="en-US" sz="1800" b="1" dirty="0">
+              <a:solidFill>
+                <a:schemeClr val="tx1"/>
+              </a:solidFill>
+              <a:latin typeface="Courier New"/>
+              <a:cs typeface="Courier New"/>
+            </a:endParaRPr>
+          </a:p>
+          <a:p>
+            <a:r>
+              <a:rPr lang="en-US" sz="1800" b="1" dirty="0">
+                <a:solidFill>
+                  <a:schemeClr val="tx1"/>
+                </a:solidFill>
+                <a:latin typeface="Courier New"/>
+                <a:cs typeface="Courier New"/>
+              </a:rPr>
+              <a:t>archive['data_set_1']</a:t>
+            </a:r>
+          </a:p>
+          <a:p>
+            <a:r>
+              <a:rPr lang="pt-BR" sz="1800" dirty="0" err="1">
+                <a:solidFill>
+                  <a:schemeClr val="tx1"/>
+                </a:solidFill>
+                <a:latin typeface="Courier New"/>
+                <a:cs typeface="Courier New"/>
+              </a:rPr>
+              <a:t>array</a:t>
+            </a:r>
+            <a:r>
+              <a:rPr lang="pt-BR" sz="1800" dirty="0">
+                <a:solidFill>
+                  <a:schemeClr val="tx1"/>
+                </a:solidFill>
+                <a:latin typeface="Courier New"/>
+                <a:cs typeface="Courier New"/>
+              </a:rPr>
+              <a:t>([0, 1, 2, 3, 4, 5, 6, 7, 8, 9])</a:t>
+            </a:r>
+          </a:p>
+          <a:p>
+            <a:endParaRPr lang="pt-BR" sz="1800" dirty="0">
+              <a:solidFill>
+                <a:schemeClr val="tx1"/>
+              </a:solidFill>
+              <a:latin typeface="Courier New"/>
+              <a:cs typeface="Courier New"/>
+            </a:endParaRPr>
+          </a:p>
+          <a:p>
+            <a:r>
+              <a:rPr lang="pt-BR" sz="1800" b="1" dirty="0" err="1">
+                <a:solidFill>
+                  <a:schemeClr val="tx1"/>
+                </a:solidFill>
+                <a:latin typeface="Courier New"/>
+                <a:cs typeface="Courier New"/>
+              </a:rPr>
+              <a:t>archive</a:t>
+            </a:r>
+            <a:r>
+              <a:rPr lang="pt-BR" sz="1800" b="1" dirty="0">
+                <a:solidFill>
+                  <a:schemeClr val="tx1"/>
+                </a:solidFill>
+                <a:latin typeface="Courier New"/>
+                <a:cs typeface="Courier New"/>
+              </a:rPr>
+              <a:t>['data_set_2']</a:t>
+            </a:r>
+          </a:p>
+          <a:p>
+            <a:r>
+              <a:rPr lang="mr-IN" sz="1800" dirty="0" err="1">
+                <a:solidFill>
+                  <a:schemeClr val="tx1"/>
+                </a:solidFill>
+                <a:latin typeface="Courier New"/>
+                <a:cs typeface="Courier New"/>
+              </a:rPr>
+              <a:t>array</a:t>
+            </a:r>
+            <a:r>
+              <a:rPr lang="mr-IN" sz="1800" dirty="0">
+                <a:solidFill>
+                  <a:schemeClr val="tx1"/>
+                </a:solidFill>
+                <a:latin typeface="Courier New"/>
+                <a:cs typeface="Courier New"/>
+              </a:rPr>
+              <a:t>([ 0,  2,  4,  6,  8, 10, 12, 14, 16, 18])</a:t>
+            </a:r>
+            <a:endParaRPr lang="en-US" sz="1800" dirty="0">
+              <a:solidFill>
+                <a:schemeClr val="tx1"/>
+              </a:solidFill>
+              <a:latin typeface="Courier New"/>
+              <a:cs typeface="Courier New"/>
+            </a:endParaRPr>
+          </a:p>
+        </p:txBody>
+      </p:sp>
+      <p:sp>
+        <p:nvSpPr>
+          <p:cNvPr id="5" name="Rectangular Callout 4"/>
+          <p:cNvSpPr>
+            <a:spLocks noChangeArrowheads="1"/>
+          </p:cNvSpPr>
+          <p:nvPr/>
+        </p:nvSpPr>
+        <p:spPr bwMode="auto">
+          <a:xfrm>
+            <a:off x="6196577" y="4564631"/>
+            <a:ext cx="2035821" cy="338554"/>
+          </a:xfrm>
+          <a:prstGeom prst="wedgeRectCallout">
+            <a:avLst>
+              <a:gd name="adj1" fmla="val -156983"/>
+              <a:gd name="adj2" fmla="val 42909"/>
+            </a:avLst>
+          </a:prstGeom>
+          <a:solidFill>
+            <a:schemeClr val="accent2">
+              <a:lumMod val="20000"/>
+              <a:lumOff val="80000"/>
+            </a:schemeClr>
+          </a:solidFill>
+          <a:ln w="9525">
+            <a:noFill/>
+            <a:round/>
+            <a:headEnd/>
+            <a:tailEnd/>
+          </a:ln>
+          <a:effectLst/>
+        </p:spPr>
+        <p:txBody>
+          <a:bodyPr wrap="square" anchor="ctr">
+            <a:spAutoFit/>
+          </a:bodyPr>
+          <a:lstStyle/>
+          <a:p>
+            <a:pPr algn="ctr" eaLnBrk="1" hangingPunct="1">
+              <a:defRPr/>
+            </a:pPr>
+            <a:r>
+              <a:rPr lang="en-US" sz="1600" dirty="0">
+                <a:solidFill>
+                  <a:schemeClr val="tx1"/>
+                </a:solidFill>
+                <a:latin typeface="+mn-lt"/>
+                <a:ea typeface="ＭＳ Ｐゴシック" charset="0"/>
+                <a:cs typeface="Arial"/>
+              </a:rPr>
+              <a:t>Data loaded lazily</a:t>
+            </a:r>
+          </a:p>
+        </p:txBody>
+      </p:sp>
+    </p:spTree>
+    <p:extLst>
+      <p:ext uri="{BB962C8B-B14F-4D97-AF65-F5344CB8AC3E}">
+        <p14:creationId xmlns:p14="http://schemas.microsoft.com/office/powerpoint/2010/main" val="2834283010"/>
+      </p:ext>
+    </p:extLst>
+  </p:cSld>
+  <p:clrMapOvr>
+    <a:masterClrMapping/>
+  </p:clrMapOvr>
+</p:sld>
+</file>
+
 <file path=ppt/slides/slide2.xml><?xml version="1.0" encoding="utf-8"?>
 <p:sld xmlns:a="http://schemas.openxmlformats.org/drawingml/2006/main" xmlns:r="http://schemas.openxmlformats.org/officeDocument/2006/relationships" xmlns:p="http://schemas.openxmlformats.org/presentationml/2006/main">
   <p:cSld>
@@ -12032,953 +12287,6 @@
           <a:bodyPr/>
           <a:lstStyle/>
           <a:p>
-            <a:pPr lvl="0"/>
-            <a:r>
-              <a:rPr lang="en-US" dirty="0"/>
-              <a:t>File Input and Output with Arrays</a:t>
-            </a:r>
-          </a:p>
-        </p:txBody>
-      </p:sp>
-      <p:sp>
-        <p:nvSpPr>
-          <p:cNvPr id="3" name="Content Placeholder 2"/>
-          <p:cNvSpPr>
-            <a:spLocks noGrp="1"/>
-          </p:cNvSpPr>
-          <p:nvPr>
-            <p:ph idx="1"/>
-          </p:nvPr>
-        </p:nvSpPr>
-        <p:spPr/>
-        <p:txBody>
-          <a:bodyPr/>
-          <a:lstStyle/>
-          <a:p>
-            <a:r>
-              <a:rPr lang="en-US" dirty="0"/>
-              <a:t>NumPy can load and save data from disk in text or binary format</a:t>
-            </a:r>
-          </a:p>
-          <a:p>
-            <a:pPr lvl="1"/>
-            <a:r>
-              <a:rPr lang="en-US" dirty="0"/>
-              <a:t>By default, files are written in an uncompressed binary format</a:t>
-            </a:r>
-          </a:p>
-          <a:p>
-            <a:pPr lvl="2"/>
-            <a:r>
-              <a:rPr lang="en-US" dirty="0"/>
-              <a:t>File extension </a:t>
-            </a:r>
-            <a:r>
-              <a:rPr lang="en-US" dirty="0">
-                <a:latin typeface="Courier New"/>
-                <a:cs typeface="Courier New"/>
-              </a:rPr>
-              <a:t>.npy</a:t>
-            </a:r>
-          </a:p>
-          <a:p>
-            <a:endParaRPr lang="en-US" dirty="0"/>
-          </a:p>
-          <a:p>
-            <a:endParaRPr lang="en-US" dirty="0"/>
-          </a:p>
-        </p:txBody>
-      </p:sp>
-      <p:sp>
-        <p:nvSpPr>
-          <p:cNvPr id="4" name="TextBox 3"/>
-          <p:cNvSpPr txBox="1">
-            <a:spLocks noChangeArrowheads="1"/>
-          </p:cNvSpPr>
-          <p:nvPr/>
-        </p:nvSpPr>
-        <p:spPr bwMode="auto">
-          <a:xfrm>
-            <a:off x="1758703" y="2506808"/>
-            <a:ext cx="5322031" cy="2308324"/>
-          </a:xfrm>
-          <a:prstGeom prst="rect">
-            <a:avLst/>
-          </a:prstGeom>
-          <a:noFill/>
-          <a:ln w="28575">
-            <a:solidFill>
-              <a:schemeClr val="accent2">
-                <a:lumMod val="20000"/>
-                <a:lumOff val="80000"/>
-              </a:schemeClr>
-            </a:solidFill>
-            <a:miter lim="800000"/>
-            <a:headEnd/>
-            <a:tailEnd/>
-          </a:ln>
-          <a:effectLst/>
-        </p:spPr>
-        <p:txBody>
-          <a:bodyPr wrap="square">
-            <a:spAutoFit/>
-          </a:bodyPr>
-          <a:lstStyle>
-            <a:lvl1pPr eaLnBrk="0" hangingPunct="0">
-              <a:defRPr sz="2400">
-                <a:solidFill>
-                  <a:schemeClr val="bg1"/>
-                </a:solidFill>
-                <a:latin typeface="Arial" panose="020B0604020202020204" pitchFamily="34" charset="0"/>
-                <a:ea typeface="MS PGothic" panose="020B0600070205080204" pitchFamily="34" charset="-128"/>
-              </a:defRPr>
-            </a:lvl1pPr>
-            <a:lvl2pPr marL="742950" indent="-285750" eaLnBrk="0" hangingPunct="0">
-              <a:defRPr sz="2400">
-                <a:solidFill>
-                  <a:schemeClr val="bg1"/>
-                </a:solidFill>
-                <a:latin typeface="Arial" panose="020B0604020202020204" pitchFamily="34" charset="0"/>
-                <a:ea typeface="MS PGothic" panose="020B0600070205080204" pitchFamily="34" charset="-128"/>
-              </a:defRPr>
-            </a:lvl2pPr>
-            <a:lvl3pPr marL="1143000" indent="-228600" eaLnBrk="0" hangingPunct="0">
-              <a:defRPr sz="2400">
-                <a:solidFill>
-                  <a:schemeClr val="bg1"/>
-                </a:solidFill>
-                <a:latin typeface="Arial" panose="020B0604020202020204" pitchFamily="34" charset="0"/>
-                <a:ea typeface="MS PGothic" panose="020B0600070205080204" pitchFamily="34" charset="-128"/>
-              </a:defRPr>
-            </a:lvl3pPr>
-            <a:lvl4pPr marL="1600200" indent="-228600" eaLnBrk="0" hangingPunct="0">
-              <a:defRPr sz="2400">
-                <a:solidFill>
-                  <a:schemeClr val="bg1"/>
-                </a:solidFill>
-                <a:latin typeface="Arial" panose="020B0604020202020204" pitchFamily="34" charset="0"/>
-                <a:ea typeface="MS PGothic" panose="020B0600070205080204" pitchFamily="34" charset="-128"/>
-              </a:defRPr>
-            </a:lvl4pPr>
-            <a:lvl5pPr marL="2057400" indent="-228600" eaLnBrk="0" hangingPunct="0">
-              <a:defRPr sz="2400">
-                <a:solidFill>
-                  <a:schemeClr val="bg1"/>
-                </a:solidFill>
-                <a:latin typeface="Arial" panose="020B0604020202020204" pitchFamily="34" charset="0"/>
-                <a:ea typeface="MS PGothic" panose="020B0600070205080204" pitchFamily="34" charset="-128"/>
-              </a:defRPr>
-            </a:lvl5pPr>
-            <a:lvl6pPr marL="2514600" indent="-228600" eaLnBrk="0" fontAlgn="base" hangingPunct="0">
-              <a:spcBef>
-                <a:spcPct val="0"/>
-              </a:spcBef>
-              <a:spcAft>
-                <a:spcPct val="0"/>
-              </a:spcAft>
-              <a:defRPr sz="2400">
-                <a:solidFill>
-                  <a:schemeClr val="bg1"/>
-                </a:solidFill>
-                <a:latin typeface="Arial" panose="020B0604020202020204" pitchFamily="34" charset="0"/>
-                <a:ea typeface="MS PGothic" panose="020B0600070205080204" pitchFamily="34" charset="-128"/>
-              </a:defRPr>
-            </a:lvl6pPr>
-            <a:lvl7pPr marL="2971800" indent="-228600" eaLnBrk="0" fontAlgn="base" hangingPunct="0">
-              <a:spcBef>
-                <a:spcPct val="0"/>
-              </a:spcBef>
-              <a:spcAft>
-                <a:spcPct val="0"/>
-              </a:spcAft>
-              <a:defRPr sz="2400">
-                <a:solidFill>
-                  <a:schemeClr val="bg1"/>
-                </a:solidFill>
-                <a:latin typeface="Arial" panose="020B0604020202020204" pitchFamily="34" charset="0"/>
-                <a:ea typeface="MS PGothic" panose="020B0600070205080204" pitchFamily="34" charset="-128"/>
-              </a:defRPr>
-            </a:lvl7pPr>
-            <a:lvl8pPr marL="3429000" indent="-228600" eaLnBrk="0" fontAlgn="base" hangingPunct="0">
-              <a:spcBef>
-                <a:spcPct val="0"/>
-              </a:spcBef>
-              <a:spcAft>
-                <a:spcPct val="0"/>
-              </a:spcAft>
-              <a:defRPr sz="2400">
-                <a:solidFill>
-                  <a:schemeClr val="bg1"/>
-                </a:solidFill>
-                <a:latin typeface="Arial" panose="020B0604020202020204" pitchFamily="34" charset="0"/>
-                <a:ea typeface="MS PGothic" panose="020B0600070205080204" pitchFamily="34" charset="-128"/>
-              </a:defRPr>
-            </a:lvl8pPr>
-            <a:lvl9pPr marL="3886200" indent="-228600" eaLnBrk="0" fontAlgn="base" hangingPunct="0">
-              <a:spcBef>
-                <a:spcPct val="0"/>
-              </a:spcBef>
-              <a:spcAft>
-                <a:spcPct val="0"/>
-              </a:spcAft>
-              <a:defRPr sz="2400">
-                <a:solidFill>
-                  <a:schemeClr val="bg1"/>
-                </a:solidFill>
-                <a:latin typeface="Arial" panose="020B0604020202020204" pitchFamily="34" charset="0"/>
-                <a:ea typeface="MS PGothic" panose="020B0600070205080204" pitchFamily="34" charset="-128"/>
-              </a:defRPr>
-            </a:lvl9pPr>
-          </a:lstStyle>
-          <a:p>
-            <a:r>
-              <a:rPr lang="pl-PL" sz="1800" b="1" dirty="0">
-                <a:solidFill>
-                  <a:schemeClr val="tx1"/>
-                </a:solidFill>
-                <a:latin typeface="Courier New"/>
-                <a:cs typeface="Courier New"/>
-              </a:rPr>
-              <a:t>array1 = </a:t>
-            </a:r>
-            <a:r>
-              <a:rPr lang="pl-PL" sz="1800" b="1" dirty="0" err="1">
-                <a:solidFill>
-                  <a:schemeClr val="tx1"/>
-                </a:solidFill>
-                <a:latin typeface="Courier New"/>
-                <a:cs typeface="Courier New"/>
-              </a:rPr>
-              <a:t>np.arange</a:t>
-            </a:r>
-            <a:r>
-              <a:rPr lang="pl-PL" sz="1800" b="1" dirty="0">
-                <a:solidFill>
-                  <a:schemeClr val="tx1"/>
-                </a:solidFill>
-                <a:latin typeface="Courier New"/>
-                <a:cs typeface="Courier New"/>
-              </a:rPr>
-              <a:t>(10)</a:t>
-            </a:r>
-          </a:p>
-          <a:p>
-            <a:endParaRPr lang="pl-PL" sz="1800" b="1" dirty="0">
-              <a:solidFill>
-                <a:schemeClr val="tx1"/>
-              </a:solidFill>
-              <a:latin typeface="Courier New"/>
-              <a:cs typeface="Courier New"/>
-            </a:endParaRPr>
-          </a:p>
-          <a:p>
-            <a:r>
-              <a:rPr lang="pl-PL" sz="1800" b="1" dirty="0" err="1">
-                <a:solidFill>
-                  <a:schemeClr val="tx1"/>
-                </a:solidFill>
-                <a:latin typeface="Courier New"/>
-                <a:cs typeface="Courier New"/>
-              </a:rPr>
-              <a:t>np.save</a:t>
-            </a:r>
-            <a:r>
-              <a:rPr lang="pl-PL" sz="1800" b="1" dirty="0">
-                <a:solidFill>
-                  <a:schemeClr val="tx1"/>
-                </a:solidFill>
-                <a:latin typeface="Courier New"/>
-                <a:cs typeface="Courier New"/>
-              </a:rPr>
-              <a:t>('array1.npy', array1)</a:t>
-            </a:r>
-          </a:p>
-          <a:p>
-            <a:endParaRPr lang="pl-PL" sz="1800" b="1" dirty="0">
-              <a:solidFill>
-                <a:schemeClr val="tx1"/>
-              </a:solidFill>
-              <a:latin typeface="Courier New"/>
-              <a:cs typeface="Courier New"/>
-            </a:endParaRPr>
-          </a:p>
-          <a:p>
-            <a:r>
-              <a:rPr lang="pl-PL" sz="1800" b="1" dirty="0">
-                <a:solidFill>
-                  <a:schemeClr val="tx1"/>
-                </a:solidFill>
-                <a:latin typeface="Courier New"/>
-                <a:cs typeface="Courier New"/>
-              </a:rPr>
-              <a:t>array2 = </a:t>
-            </a:r>
-            <a:r>
-              <a:rPr lang="pl-PL" sz="1800" b="1" dirty="0" err="1">
-                <a:solidFill>
-                  <a:schemeClr val="tx1"/>
-                </a:solidFill>
-                <a:latin typeface="Courier New"/>
-                <a:cs typeface="Courier New"/>
-              </a:rPr>
-              <a:t>np.load</a:t>
-            </a:r>
-            <a:r>
-              <a:rPr lang="pl-PL" sz="1800" b="1" dirty="0">
-                <a:solidFill>
-                  <a:schemeClr val="tx1"/>
-                </a:solidFill>
-                <a:latin typeface="Courier New"/>
-                <a:cs typeface="Courier New"/>
-              </a:rPr>
-              <a:t>('array1.npy')</a:t>
-            </a:r>
-          </a:p>
-          <a:p>
-            <a:endParaRPr lang="en-US" sz="1800" b="1" dirty="0">
-              <a:solidFill>
-                <a:schemeClr val="tx1"/>
-              </a:solidFill>
-              <a:latin typeface="Courier New"/>
-              <a:cs typeface="Courier New"/>
-            </a:endParaRPr>
-          </a:p>
-          <a:p>
-            <a:r>
-              <a:rPr lang="en-US" sz="1800" b="1" dirty="0">
-                <a:solidFill>
-                  <a:schemeClr val="tx1"/>
-                </a:solidFill>
-                <a:latin typeface="Courier New"/>
-                <a:cs typeface="Courier New"/>
-              </a:rPr>
-              <a:t>array2</a:t>
-            </a:r>
-          </a:p>
-          <a:p>
-            <a:r>
-              <a:rPr lang="mr-IN" sz="1800" dirty="0" err="1">
-                <a:solidFill>
-                  <a:schemeClr val="tx1"/>
-                </a:solidFill>
-                <a:latin typeface="Courier New"/>
-                <a:cs typeface="Courier New"/>
-              </a:rPr>
-              <a:t>array</a:t>
-            </a:r>
-            <a:r>
-              <a:rPr lang="mr-IN" sz="1800" dirty="0">
-                <a:solidFill>
-                  <a:schemeClr val="tx1"/>
-                </a:solidFill>
-                <a:latin typeface="Courier New"/>
-                <a:cs typeface="Courier New"/>
-              </a:rPr>
-              <a:t>([0, 1, 2, 3, 4, 5, 6, 7, 8, 9])</a:t>
-            </a:r>
-          </a:p>
-        </p:txBody>
-      </p:sp>
-      <p:sp>
-        <p:nvSpPr>
-          <p:cNvPr id="5" name="Rectangular Callout 4"/>
-          <p:cNvSpPr>
-            <a:spLocks noChangeArrowheads="1"/>
-          </p:cNvSpPr>
-          <p:nvPr/>
-        </p:nvSpPr>
-        <p:spPr bwMode="auto">
-          <a:xfrm>
-            <a:off x="5919935" y="2214420"/>
-            <a:ext cx="2393996" cy="584776"/>
-          </a:xfrm>
-          <a:prstGeom prst="wedgeRectCallout">
-            <a:avLst>
-              <a:gd name="adj1" fmla="val -103550"/>
-              <a:gd name="adj2" fmla="val 95059"/>
-            </a:avLst>
-          </a:prstGeom>
-          <a:solidFill>
-            <a:schemeClr val="accent2">
-              <a:lumMod val="20000"/>
-              <a:lumOff val="80000"/>
-            </a:schemeClr>
-          </a:solidFill>
-          <a:ln w="9525">
-            <a:noFill/>
-            <a:round/>
-            <a:headEnd/>
-            <a:tailEnd/>
-          </a:ln>
-          <a:effectLst/>
-        </p:spPr>
-        <p:txBody>
-          <a:bodyPr wrap="square" anchor="ctr">
-            <a:spAutoFit/>
-          </a:bodyPr>
-          <a:lstStyle/>
-          <a:p>
-            <a:pPr algn="ctr" eaLnBrk="1" hangingPunct="1">
-              <a:defRPr/>
-            </a:pPr>
-            <a:r>
-              <a:rPr lang="en-US" sz="1600" dirty="0">
-                <a:solidFill>
-                  <a:schemeClr val="tx1"/>
-                </a:solidFill>
-                <a:latin typeface="+mn-lt"/>
-                <a:ea typeface="ＭＳ Ｐゴシック" charset="0"/>
-                <a:cs typeface="Arial"/>
-              </a:rPr>
-              <a:t>Extension added if not provided explicitly</a:t>
-            </a:r>
-          </a:p>
-        </p:txBody>
-      </p:sp>
-    </p:spTree>
-    <p:extLst>
-      <p:ext uri="{BB962C8B-B14F-4D97-AF65-F5344CB8AC3E}">
-        <p14:creationId xmlns:p14="http://schemas.microsoft.com/office/powerpoint/2010/main" val="2417707317"/>
-      </p:ext>
-    </p:extLst>
-  </p:cSld>
-  <p:clrMapOvr>
-    <a:masterClrMapping/>
-  </p:clrMapOvr>
-</p:sld>
-</file>
-
-<file path=ppt/slides/slide21.xml><?xml version="1.0" encoding="utf-8"?>
-<p:sld xmlns:a="http://schemas.openxmlformats.org/drawingml/2006/main" xmlns:r="http://schemas.openxmlformats.org/officeDocument/2006/relationships" xmlns:p="http://schemas.openxmlformats.org/presentationml/2006/main">
-  <p:cSld>
-    <p:spTree>
-      <p:nvGrpSpPr>
-        <p:cNvPr id="1" name=""/>
-        <p:cNvGrpSpPr/>
-        <p:nvPr/>
-      </p:nvGrpSpPr>
-      <p:grpSpPr>
-        <a:xfrm>
-          <a:off x="0" y="0"/>
-          <a:ext cx="0" cy="0"/>
-          <a:chOff x="0" y="0"/>
-          <a:chExt cx="0" cy="0"/>
-        </a:xfrm>
-      </p:grpSpPr>
-      <p:sp>
-        <p:nvSpPr>
-          <p:cNvPr id="2" name="Title 1"/>
-          <p:cNvSpPr>
-            <a:spLocks noGrp="1"/>
-          </p:cNvSpPr>
-          <p:nvPr>
-            <p:ph type="title"/>
-          </p:nvPr>
-        </p:nvSpPr>
-        <p:spPr/>
-        <p:txBody>
-          <a:bodyPr/>
-          <a:lstStyle/>
-          <a:p>
-            <a:r>
-              <a:rPr lang="en-US" dirty="0"/>
-              <a:t>File Archives</a:t>
-            </a:r>
-          </a:p>
-        </p:txBody>
-      </p:sp>
-      <p:sp>
-        <p:nvSpPr>
-          <p:cNvPr id="3" name="Content Placeholder 2"/>
-          <p:cNvSpPr>
-            <a:spLocks noGrp="1"/>
-          </p:cNvSpPr>
-          <p:nvPr>
-            <p:ph idx="1"/>
-          </p:nvPr>
-        </p:nvSpPr>
-        <p:spPr/>
-        <p:txBody>
-          <a:bodyPr/>
-          <a:lstStyle/>
-          <a:p>
-            <a:r>
-              <a:rPr lang="en-US" dirty="0"/>
-              <a:t>Multiple arrays can be saved to an archive file using </a:t>
-            </a:r>
-            <a:r>
-              <a:rPr lang="en-US" dirty="0">
-                <a:latin typeface="Courier New"/>
-                <a:cs typeface="Courier New"/>
-              </a:rPr>
-              <a:t>np.savez()</a:t>
-            </a:r>
-          </a:p>
-          <a:p>
-            <a:pPr lvl="1"/>
-            <a:r>
-              <a:rPr lang="en-US" dirty="0">
-                <a:latin typeface="Courier New"/>
-                <a:cs typeface="Courier New"/>
-              </a:rPr>
-              <a:t>np.load()</a:t>
-            </a:r>
-            <a:r>
-              <a:rPr lang="en-US" dirty="0"/>
-              <a:t> will return dictionary style object</a:t>
-            </a:r>
-          </a:p>
-          <a:p>
-            <a:pPr lvl="2"/>
-            <a:r>
-              <a:rPr lang="en-US" dirty="0"/>
-              <a:t>Each array is loaded lazily</a:t>
-            </a:r>
-          </a:p>
-        </p:txBody>
-      </p:sp>
-      <p:sp>
-        <p:nvSpPr>
-          <p:cNvPr id="4" name="TextBox 3"/>
-          <p:cNvSpPr txBox="1">
-            <a:spLocks noChangeArrowheads="1"/>
-          </p:cNvSpPr>
-          <p:nvPr/>
-        </p:nvSpPr>
-        <p:spPr bwMode="auto">
-          <a:xfrm>
-            <a:off x="994524" y="2215756"/>
-            <a:ext cx="6918551" cy="3970318"/>
-          </a:xfrm>
-          <a:prstGeom prst="rect">
-            <a:avLst/>
-          </a:prstGeom>
-          <a:noFill/>
-          <a:ln w="28575">
-            <a:solidFill>
-              <a:schemeClr val="accent2">
-                <a:lumMod val="20000"/>
-                <a:lumOff val="80000"/>
-              </a:schemeClr>
-            </a:solidFill>
-            <a:miter lim="800000"/>
-            <a:headEnd/>
-            <a:tailEnd/>
-          </a:ln>
-          <a:effectLst/>
-        </p:spPr>
-        <p:txBody>
-          <a:bodyPr wrap="square">
-            <a:spAutoFit/>
-          </a:bodyPr>
-          <a:lstStyle>
-            <a:lvl1pPr eaLnBrk="0" hangingPunct="0">
-              <a:defRPr sz="2400">
-                <a:solidFill>
-                  <a:schemeClr val="bg1"/>
-                </a:solidFill>
-                <a:latin typeface="Arial" panose="020B0604020202020204" pitchFamily="34" charset="0"/>
-                <a:ea typeface="MS PGothic" panose="020B0600070205080204" pitchFamily="34" charset="-128"/>
-              </a:defRPr>
-            </a:lvl1pPr>
-            <a:lvl2pPr marL="742950" indent="-285750" eaLnBrk="0" hangingPunct="0">
-              <a:defRPr sz="2400">
-                <a:solidFill>
-                  <a:schemeClr val="bg1"/>
-                </a:solidFill>
-                <a:latin typeface="Arial" panose="020B0604020202020204" pitchFamily="34" charset="0"/>
-                <a:ea typeface="MS PGothic" panose="020B0600070205080204" pitchFamily="34" charset="-128"/>
-              </a:defRPr>
-            </a:lvl2pPr>
-            <a:lvl3pPr marL="1143000" indent="-228600" eaLnBrk="0" hangingPunct="0">
-              <a:defRPr sz="2400">
-                <a:solidFill>
-                  <a:schemeClr val="bg1"/>
-                </a:solidFill>
-                <a:latin typeface="Arial" panose="020B0604020202020204" pitchFamily="34" charset="0"/>
-                <a:ea typeface="MS PGothic" panose="020B0600070205080204" pitchFamily="34" charset="-128"/>
-              </a:defRPr>
-            </a:lvl3pPr>
-            <a:lvl4pPr marL="1600200" indent="-228600" eaLnBrk="0" hangingPunct="0">
-              <a:defRPr sz="2400">
-                <a:solidFill>
-                  <a:schemeClr val="bg1"/>
-                </a:solidFill>
-                <a:latin typeface="Arial" panose="020B0604020202020204" pitchFamily="34" charset="0"/>
-                <a:ea typeface="MS PGothic" panose="020B0600070205080204" pitchFamily="34" charset="-128"/>
-              </a:defRPr>
-            </a:lvl4pPr>
-            <a:lvl5pPr marL="2057400" indent="-228600" eaLnBrk="0" hangingPunct="0">
-              <a:defRPr sz="2400">
-                <a:solidFill>
-                  <a:schemeClr val="bg1"/>
-                </a:solidFill>
-                <a:latin typeface="Arial" panose="020B0604020202020204" pitchFamily="34" charset="0"/>
-                <a:ea typeface="MS PGothic" panose="020B0600070205080204" pitchFamily="34" charset="-128"/>
-              </a:defRPr>
-            </a:lvl5pPr>
-            <a:lvl6pPr marL="2514600" indent="-228600" eaLnBrk="0" fontAlgn="base" hangingPunct="0">
-              <a:spcBef>
-                <a:spcPct val="0"/>
-              </a:spcBef>
-              <a:spcAft>
-                <a:spcPct val="0"/>
-              </a:spcAft>
-              <a:defRPr sz="2400">
-                <a:solidFill>
-                  <a:schemeClr val="bg1"/>
-                </a:solidFill>
-                <a:latin typeface="Arial" panose="020B0604020202020204" pitchFamily="34" charset="0"/>
-                <a:ea typeface="MS PGothic" panose="020B0600070205080204" pitchFamily="34" charset="-128"/>
-              </a:defRPr>
-            </a:lvl6pPr>
-            <a:lvl7pPr marL="2971800" indent="-228600" eaLnBrk="0" fontAlgn="base" hangingPunct="0">
-              <a:spcBef>
-                <a:spcPct val="0"/>
-              </a:spcBef>
-              <a:spcAft>
-                <a:spcPct val="0"/>
-              </a:spcAft>
-              <a:defRPr sz="2400">
-                <a:solidFill>
-                  <a:schemeClr val="bg1"/>
-                </a:solidFill>
-                <a:latin typeface="Arial" panose="020B0604020202020204" pitchFamily="34" charset="0"/>
-                <a:ea typeface="MS PGothic" panose="020B0600070205080204" pitchFamily="34" charset="-128"/>
-              </a:defRPr>
-            </a:lvl7pPr>
-            <a:lvl8pPr marL="3429000" indent="-228600" eaLnBrk="0" fontAlgn="base" hangingPunct="0">
-              <a:spcBef>
-                <a:spcPct val="0"/>
-              </a:spcBef>
-              <a:spcAft>
-                <a:spcPct val="0"/>
-              </a:spcAft>
-              <a:defRPr sz="2400">
-                <a:solidFill>
-                  <a:schemeClr val="bg1"/>
-                </a:solidFill>
-                <a:latin typeface="Arial" panose="020B0604020202020204" pitchFamily="34" charset="0"/>
-                <a:ea typeface="MS PGothic" panose="020B0600070205080204" pitchFamily="34" charset="-128"/>
-              </a:defRPr>
-            </a:lvl8pPr>
-            <a:lvl9pPr marL="3886200" indent="-228600" eaLnBrk="0" fontAlgn="base" hangingPunct="0">
-              <a:spcBef>
-                <a:spcPct val="0"/>
-              </a:spcBef>
-              <a:spcAft>
-                <a:spcPct val="0"/>
-              </a:spcAft>
-              <a:defRPr sz="2400">
-                <a:solidFill>
-                  <a:schemeClr val="bg1"/>
-                </a:solidFill>
-                <a:latin typeface="Arial" panose="020B0604020202020204" pitchFamily="34" charset="0"/>
-                <a:ea typeface="MS PGothic" panose="020B0600070205080204" pitchFamily="34" charset="-128"/>
-              </a:defRPr>
-            </a:lvl9pPr>
-          </a:lstStyle>
-          <a:p>
-            <a:r>
-              <a:rPr lang="pl-PL" sz="1800" b="1" dirty="0">
-                <a:solidFill>
-                  <a:schemeClr val="tx1"/>
-                </a:solidFill>
-                <a:latin typeface="Courier New"/>
-                <a:cs typeface="Courier New"/>
-              </a:rPr>
-              <a:t>array1 = </a:t>
-            </a:r>
-            <a:r>
-              <a:rPr lang="pl-PL" sz="1800" b="1" dirty="0" err="1">
-                <a:solidFill>
-                  <a:schemeClr val="tx1"/>
-                </a:solidFill>
-                <a:latin typeface="Courier New"/>
-                <a:cs typeface="Courier New"/>
-              </a:rPr>
-              <a:t>np.arange</a:t>
-            </a:r>
-            <a:r>
-              <a:rPr lang="pl-PL" sz="1800" b="1" dirty="0">
-                <a:solidFill>
-                  <a:schemeClr val="tx1"/>
-                </a:solidFill>
-                <a:latin typeface="Courier New"/>
-                <a:cs typeface="Courier New"/>
-              </a:rPr>
-              <a:t>(10)</a:t>
-            </a:r>
-          </a:p>
-          <a:p>
-            <a:endParaRPr lang="pl-PL" sz="1800" b="1" dirty="0">
-              <a:solidFill>
-                <a:schemeClr val="tx1"/>
-              </a:solidFill>
-              <a:latin typeface="Courier New"/>
-              <a:cs typeface="Courier New"/>
-            </a:endParaRPr>
-          </a:p>
-          <a:p>
-            <a:r>
-              <a:rPr lang="en-US" sz="1800" b="1" dirty="0">
-                <a:solidFill>
-                  <a:schemeClr val="tx1"/>
-                </a:solidFill>
-                <a:latin typeface="Courier New"/>
-                <a:cs typeface="Courier New"/>
-              </a:rPr>
-              <a:t>array2 = 2 * array1</a:t>
-            </a:r>
-          </a:p>
-          <a:p>
-            <a:endParaRPr lang="en-US" sz="1800" b="1" dirty="0">
-              <a:solidFill>
-                <a:schemeClr val="tx1"/>
-              </a:solidFill>
-              <a:latin typeface="Courier New"/>
-              <a:cs typeface="Courier New"/>
-            </a:endParaRPr>
-          </a:p>
-          <a:p>
-            <a:r>
-              <a:rPr lang="en-US" sz="1800" b="1" dirty="0">
-                <a:solidFill>
-                  <a:schemeClr val="tx1"/>
-                </a:solidFill>
-                <a:latin typeface="Courier New"/>
-                <a:cs typeface="Courier New"/>
-              </a:rPr>
-              <a:t>np.savez('array_archive.npz', data_set_1=array1, data_set_2=array2)</a:t>
-            </a:r>
-          </a:p>
-          <a:p>
-            <a:endParaRPr lang="en-US" sz="1800" b="1" dirty="0">
-              <a:solidFill>
-                <a:schemeClr val="tx1"/>
-              </a:solidFill>
-              <a:latin typeface="Courier New"/>
-              <a:cs typeface="Courier New"/>
-            </a:endParaRPr>
-          </a:p>
-          <a:p>
-            <a:r>
-              <a:rPr lang="en-US" sz="1800" b="1" dirty="0">
-                <a:solidFill>
-                  <a:schemeClr val="tx1"/>
-                </a:solidFill>
-                <a:latin typeface="Courier New"/>
-                <a:cs typeface="Courier New"/>
-              </a:rPr>
-              <a:t>archive = np.load('array_archive.npz')</a:t>
-            </a:r>
-          </a:p>
-          <a:p>
-            <a:endParaRPr lang="en-US" sz="1800" b="1" dirty="0">
-              <a:solidFill>
-                <a:schemeClr val="tx1"/>
-              </a:solidFill>
-              <a:latin typeface="Courier New"/>
-              <a:cs typeface="Courier New"/>
-            </a:endParaRPr>
-          </a:p>
-          <a:p>
-            <a:r>
-              <a:rPr lang="en-US" sz="1800" b="1" dirty="0">
-                <a:solidFill>
-                  <a:schemeClr val="tx1"/>
-                </a:solidFill>
-                <a:latin typeface="Courier New"/>
-                <a:cs typeface="Courier New"/>
-              </a:rPr>
-              <a:t>archive['data_set_1']</a:t>
-            </a:r>
-          </a:p>
-          <a:p>
-            <a:r>
-              <a:rPr lang="pt-BR" sz="1800" dirty="0" err="1">
-                <a:solidFill>
-                  <a:schemeClr val="tx1"/>
-                </a:solidFill>
-                <a:latin typeface="Courier New"/>
-                <a:cs typeface="Courier New"/>
-              </a:rPr>
-              <a:t>array</a:t>
-            </a:r>
-            <a:r>
-              <a:rPr lang="pt-BR" sz="1800" dirty="0">
-                <a:solidFill>
-                  <a:schemeClr val="tx1"/>
-                </a:solidFill>
-                <a:latin typeface="Courier New"/>
-                <a:cs typeface="Courier New"/>
-              </a:rPr>
-              <a:t>([0, 1, 2, 3, 4, 5, 6, 7, 8, 9])</a:t>
-            </a:r>
-          </a:p>
-          <a:p>
-            <a:endParaRPr lang="pt-BR" sz="1800" dirty="0">
-              <a:solidFill>
-                <a:schemeClr val="tx1"/>
-              </a:solidFill>
-              <a:latin typeface="Courier New"/>
-              <a:cs typeface="Courier New"/>
-            </a:endParaRPr>
-          </a:p>
-          <a:p>
-            <a:r>
-              <a:rPr lang="pt-BR" sz="1800" b="1" dirty="0" err="1">
-                <a:solidFill>
-                  <a:schemeClr val="tx1"/>
-                </a:solidFill>
-                <a:latin typeface="Courier New"/>
-                <a:cs typeface="Courier New"/>
-              </a:rPr>
-              <a:t>archive</a:t>
-            </a:r>
-            <a:r>
-              <a:rPr lang="pt-BR" sz="1800" b="1" dirty="0">
-                <a:solidFill>
-                  <a:schemeClr val="tx1"/>
-                </a:solidFill>
-                <a:latin typeface="Courier New"/>
-                <a:cs typeface="Courier New"/>
-              </a:rPr>
-              <a:t>['data_set_2']</a:t>
-            </a:r>
-          </a:p>
-          <a:p>
-            <a:r>
-              <a:rPr lang="mr-IN" sz="1800" dirty="0" err="1">
-                <a:solidFill>
-                  <a:schemeClr val="tx1"/>
-                </a:solidFill>
-                <a:latin typeface="Courier New"/>
-                <a:cs typeface="Courier New"/>
-              </a:rPr>
-              <a:t>array</a:t>
-            </a:r>
-            <a:r>
-              <a:rPr lang="mr-IN" sz="1800" dirty="0">
-                <a:solidFill>
-                  <a:schemeClr val="tx1"/>
-                </a:solidFill>
-                <a:latin typeface="Courier New"/>
-                <a:cs typeface="Courier New"/>
-              </a:rPr>
-              <a:t>([ 0,  2,  4,  6,  8, 10, 12, 14, 16, 18])</a:t>
-            </a:r>
-            <a:endParaRPr lang="en-US" sz="1800" dirty="0">
-              <a:solidFill>
-                <a:schemeClr val="tx1"/>
-              </a:solidFill>
-              <a:latin typeface="Courier New"/>
-              <a:cs typeface="Courier New"/>
-            </a:endParaRPr>
-          </a:p>
-        </p:txBody>
-      </p:sp>
-      <p:sp>
-        <p:nvSpPr>
-          <p:cNvPr id="5" name="Rectangular Callout 4"/>
-          <p:cNvSpPr>
-            <a:spLocks noChangeArrowheads="1"/>
-          </p:cNvSpPr>
-          <p:nvPr/>
-        </p:nvSpPr>
-        <p:spPr bwMode="auto">
-          <a:xfrm>
-            <a:off x="6196577" y="4564631"/>
-            <a:ext cx="2035821" cy="338554"/>
-          </a:xfrm>
-          <a:prstGeom prst="wedgeRectCallout">
-            <a:avLst>
-              <a:gd name="adj1" fmla="val -156983"/>
-              <a:gd name="adj2" fmla="val 42909"/>
-            </a:avLst>
-          </a:prstGeom>
-          <a:solidFill>
-            <a:schemeClr val="accent2">
-              <a:lumMod val="20000"/>
-              <a:lumOff val="80000"/>
-            </a:schemeClr>
-          </a:solidFill>
-          <a:ln w="9525">
-            <a:noFill/>
-            <a:round/>
-            <a:headEnd/>
-            <a:tailEnd/>
-          </a:ln>
-          <a:effectLst/>
-        </p:spPr>
-        <p:txBody>
-          <a:bodyPr wrap="square" anchor="ctr">
-            <a:spAutoFit/>
-          </a:bodyPr>
-          <a:lstStyle/>
-          <a:p>
-            <a:pPr algn="ctr" eaLnBrk="1" hangingPunct="1">
-              <a:defRPr/>
-            </a:pPr>
-            <a:r>
-              <a:rPr lang="en-US" sz="1600" dirty="0">
-                <a:solidFill>
-                  <a:schemeClr val="tx1"/>
-                </a:solidFill>
-                <a:latin typeface="+mn-lt"/>
-                <a:ea typeface="ＭＳ Ｐゴシック" charset="0"/>
-                <a:cs typeface="Arial"/>
-              </a:rPr>
-              <a:t>Data loaded lazily</a:t>
-            </a:r>
-          </a:p>
-        </p:txBody>
-      </p:sp>
-    </p:spTree>
-    <p:extLst>
-      <p:ext uri="{BB962C8B-B14F-4D97-AF65-F5344CB8AC3E}">
-        <p14:creationId xmlns:p14="http://schemas.microsoft.com/office/powerpoint/2010/main" val="2834283010"/>
-      </p:ext>
-    </p:extLst>
-  </p:cSld>
-  <p:clrMapOvr>
-    <a:masterClrMapping/>
-  </p:clrMapOvr>
-</p:sld>
-</file>
-
-<file path=ppt/slides/slide22.xml><?xml version="1.0" encoding="utf-8"?>
-<p:sld xmlns:a="http://schemas.openxmlformats.org/drawingml/2006/main" xmlns:r="http://schemas.openxmlformats.org/officeDocument/2006/relationships" xmlns:p="http://schemas.openxmlformats.org/presentationml/2006/main">
-  <p:cSld>
-    <p:spTree>
-      <p:nvGrpSpPr>
-        <p:cNvPr id="1" name=""/>
-        <p:cNvGrpSpPr/>
-        <p:nvPr/>
-      </p:nvGrpSpPr>
-      <p:grpSpPr>
-        <a:xfrm>
-          <a:off x="0" y="0"/>
-          <a:ext cx="0" cy="0"/>
-          <a:chOff x="0" y="0"/>
-          <a:chExt cx="0" cy="0"/>
-        </a:xfrm>
-      </p:grpSpPr>
-      <p:sp>
-        <p:nvSpPr>
-          <p:cNvPr id="2" name="Title 1"/>
-          <p:cNvSpPr>
-            <a:spLocks noGrp="1"/>
-          </p:cNvSpPr>
-          <p:nvPr>
-            <p:ph type="title"/>
-          </p:nvPr>
-        </p:nvSpPr>
-        <p:spPr/>
-        <p:txBody>
-          <a:bodyPr/>
-          <a:lstStyle/>
-          <a:p>
             <a:r>
               <a:rPr lang="en-US" dirty="0"/>
               <a:t>Saving and Loading Text Files</a:t>
@@ -13367,7 +12675,7 @@
 </p:sld>
 </file>
 
-<file path=ppt/slides/slide23.xml><?xml version="1.0" encoding="utf-8"?>
+<file path=ppt/slides/slide21.xml><?xml version="1.0" encoding="utf-8"?>
 <p:sld xmlns:a="http://schemas.openxmlformats.org/drawingml/2006/main" xmlns:r="http://schemas.openxmlformats.org/officeDocument/2006/relationships" xmlns:p="http://schemas.openxmlformats.org/presentationml/2006/main">
   <p:cSld>
     <p:spTree>
@@ -13797,7 +13105,7 @@
 </p:sld>
 </file>
 
-<file path=ppt/slides/slide24.xml><?xml version="1.0" encoding="utf-8"?>
+<file path=ppt/slides/slide22.xml><?xml version="1.0" encoding="utf-8"?>
 <p:sld xmlns:a="http://schemas.openxmlformats.org/drawingml/2006/main" xmlns:r="http://schemas.openxmlformats.org/officeDocument/2006/relationships" xmlns:p="http://schemas.openxmlformats.org/presentationml/2006/main">
   <p:cSld>
     <p:spTree>
@@ -14213,7 +13521,7 @@
 </p:sld>
 </file>
 
-<file path=ppt/slides/slide25.xml><?xml version="1.0" encoding="utf-8"?>
+<file path=ppt/slides/slide23.xml><?xml version="1.0" encoding="utf-8"?>
 <p:sld xmlns:a="http://schemas.openxmlformats.org/drawingml/2006/main" xmlns:r="http://schemas.openxmlformats.org/officeDocument/2006/relationships" xmlns:p="http://schemas.openxmlformats.org/presentationml/2006/main">
   <p:cSld>
     <p:spTree>
@@ -14601,7 +13909,7 @@
 </p:sld>
 </file>
 
-<file path=ppt/slides/slide26.xml><?xml version="1.0" encoding="utf-8"?>
+<file path=ppt/slides/slide24.xml><?xml version="1.0" encoding="utf-8"?>
 <p:sld xmlns:a="http://schemas.openxmlformats.org/drawingml/2006/main" xmlns:r="http://schemas.openxmlformats.org/officeDocument/2006/relationships" xmlns:p="http://schemas.openxmlformats.org/presentationml/2006/main">
   <p:cSld>
     <p:spTree>
@@ -14726,7 +14034,7 @@
         <p:spPr bwMode="auto">
           <a:xfrm>
             <a:off x="159574" y="2935569"/>
-            <a:ext cx="8824852" cy="2031325"/>
+            <a:ext cx="8824852" cy="2308324"/>
           </a:xfrm>
           <a:prstGeom prst="rect">
             <a:avLst/>
@@ -14858,6 +14166,58 @@
           </a:lstStyle>
           <a:p>
             <a:r>
+              <a:rPr lang="en-US" sz="1800" b="1" dirty="0">
+                <a:solidFill>
+                  <a:schemeClr val="tx1"/>
+                </a:solidFill>
+                <a:latin typeface="Courier New"/>
+                <a:cs typeface="Courier New"/>
+              </a:rPr>
+              <a:t>from </a:t>
+            </a:r>
+            <a:r>
+              <a:rPr lang="en-US" sz="1800" b="1" dirty="0" err="1">
+                <a:solidFill>
+                  <a:schemeClr val="tx1"/>
+                </a:solidFill>
+                <a:latin typeface="Courier New"/>
+                <a:cs typeface="Courier New"/>
+              </a:rPr>
+              <a:t>numpy.linalg</a:t>
+            </a:r>
+            <a:r>
+              <a:rPr lang="en-US" sz="1800" b="1" dirty="0">
+                <a:solidFill>
+                  <a:schemeClr val="tx1"/>
+                </a:solidFill>
+                <a:latin typeface="Courier New"/>
+                <a:cs typeface="Courier New"/>
+              </a:rPr>
+              <a:t> import </a:t>
+            </a:r>
+            <a:r>
+              <a:rPr lang="en-US" sz="1800" b="1" dirty="0" err="1">
+                <a:solidFill>
+                  <a:schemeClr val="tx1"/>
+                </a:solidFill>
+                <a:latin typeface="Courier New"/>
+                <a:cs typeface="Courier New"/>
+              </a:rPr>
+              <a:t>inv</a:t>
+            </a:r>
+            <a:r>
+              <a:rPr lang="en-US" sz="1800" b="1" dirty="0">
+                <a:solidFill>
+                  <a:schemeClr val="tx1"/>
+                </a:solidFill>
+                <a:latin typeface="Courier New"/>
+                <a:cs typeface="Courier New"/>
+              </a:rPr>
+              <a:t>, dot, solve</a:t>
+            </a:r>
+          </a:p>
+          <a:p>
+            <a:r>
               <a:rPr lang="mr-IN" sz="1800" b="1" dirty="0">
                 <a:solidFill>
                   <a:schemeClr val="tx1"/>
@@ -14976,7 +14336,7 @@
 </p:sld>
 </file>
 
-<file path=ppt/slides/slide27.xml><?xml version="1.0" encoding="utf-8"?>
+<file path=ppt/slides/slide25.xml><?xml version="1.0" encoding="utf-8"?>
 <p:sld xmlns:a="http://schemas.openxmlformats.org/drawingml/2006/main" xmlns:r="http://schemas.openxmlformats.org/officeDocument/2006/relationships" xmlns:p="http://schemas.openxmlformats.org/presentationml/2006/main">
   <p:cSld>
     <p:spTree>
@@ -15406,7 +14766,7 @@
 </p:sld>
 </file>
 
-<file path=ppt/slides/slide28.xml><?xml version="1.0" encoding="utf-8"?>
+<file path=ppt/slides/slide26.xml><?xml version="1.0" encoding="utf-8"?>
 <p:sld xmlns:a="http://schemas.openxmlformats.org/drawingml/2006/main" xmlns:r="http://schemas.openxmlformats.org/officeDocument/2006/relationships" xmlns:p="http://schemas.openxmlformats.org/presentationml/2006/main">
   <p:cSld>
     <p:spTree>
@@ -15653,6 +15013,16 @@
           </a:lstStyle>
           <a:p>
             <a:r>
+              <a:rPr lang="en-US" sz="1800" b="1">
+                <a:solidFill>
+                  <a:schemeClr val="tx1"/>
+                </a:solidFill>
+                <a:latin typeface="Courier New"/>
+                <a:cs typeface="Courier New"/>
+              </a:rPr>
+              <a:t>print </a:t>
+            </a:r>
+            <a:r>
               <a:rPr lang="en-US" sz="1800" b="1" dirty="0">
                 <a:solidFill>
                   <a:schemeClr val="tx1"/>
@@ -15660,7 +15030,7 @@
                 <a:latin typeface="Courier New"/>
                 <a:cs typeface="Courier New"/>
               </a:rPr>
-              <a:t>print (np.random.normal(5, 2, 9)) # mean = 5, std = 2</a:t>
+              <a:t>(np.random.normal(5, 2, 9)) # mean = 5, std = 2</a:t>
             </a:r>
           </a:p>
           <a:p>
@@ -15765,7 +15135,7 @@
 </p:sld>
 </file>
 
-<file path=ppt/slides/slide29.xml><?xml version="1.0" encoding="utf-8"?>
+<file path=ppt/slides/slide27.xml><?xml version="1.0" encoding="utf-8"?>
 <p:sld xmlns:a="http://schemas.openxmlformats.org/drawingml/2006/main" xmlns:r="http://schemas.openxmlformats.org/officeDocument/2006/relationships" xmlns:p="http://schemas.openxmlformats.org/presentationml/2006/main">
   <p:cSld>
     <p:spTree>
@@ -16195,6 +15565,129 @@
 </p:sld>
 </file>
 
+<file path=ppt/slides/slide28.xml><?xml version="1.0" encoding="utf-8"?>
+<p:sld xmlns:a="http://schemas.openxmlformats.org/drawingml/2006/main" xmlns:r="http://schemas.openxmlformats.org/officeDocument/2006/relationships" xmlns:p="http://schemas.openxmlformats.org/presentationml/2006/main">
+  <p:cSld>
+    <p:spTree>
+      <p:nvGrpSpPr>
+        <p:cNvPr id="1" name=""/>
+        <p:cNvGrpSpPr/>
+        <p:nvPr/>
+      </p:nvGrpSpPr>
+      <p:grpSpPr>
+        <a:xfrm>
+          <a:off x="0" y="0"/>
+          <a:ext cx="0" cy="0"/>
+          <a:chOff x="0" y="0"/>
+          <a:chExt cx="0" cy="0"/>
+        </a:xfrm>
+      </p:grpSpPr>
+      <p:sp>
+        <p:nvSpPr>
+          <p:cNvPr id="62466" name="Title 3"/>
+          <p:cNvSpPr>
+            <a:spLocks noGrp="1"/>
+          </p:cNvSpPr>
+          <p:nvPr>
+            <p:ph type="title"/>
+          </p:nvPr>
+        </p:nvSpPr>
+        <p:spPr/>
+        <p:txBody>
+          <a:bodyPr/>
+          <a:lstStyle/>
+          <a:p>
+            <a:r>
+              <a:rPr lang="en-US" altLang="en-US" dirty="0"/>
+              <a:t>Chapter Summary</a:t>
+            </a:r>
+          </a:p>
+        </p:txBody>
+      </p:sp>
+      <p:sp>
+        <p:nvSpPr>
+          <p:cNvPr id="12290" name="Content Placeholder 4"/>
+          <p:cNvSpPr>
+            <a:spLocks noGrp="1"/>
+          </p:cNvSpPr>
+          <p:nvPr>
+            <p:ph idx="1"/>
+          </p:nvPr>
+        </p:nvSpPr>
+        <p:spPr/>
+        <p:txBody>
+          <a:bodyPr/>
+          <a:lstStyle/>
+          <a:p>
+            <a:pPr marL="0" indent="0">
+              <a:buNone/>
+            </a:pPr>
+            <a:r>
+              <a:rPr lang="en-US" dirty="0"/>
+              <a:t>In this chapter, we have introduced:</a:t>
+            </a:r>
+          </a:p>
+          <a:p>
+            <a:pPr lvl="0"/>
+            <a:r>
+              <a:rPr lang="en-US" dirty="0"/>
+              <a:t>Universal functions: fast element-wise array functions</a:t>
+            </a:r>
+            <a:endParaRPr lang="en-GB" dirty="0"/>
+          </a:p>
+          <a:p>
+            <a:pPr lvl="0"/>
+            <a:r>
+              <a:rPr lang="en-US" dirty="0"/>
+              <a:t>Data processing using arrays</a:t>
+            </a:r>
+            <a:endParaRPr lang="en-GB" dirty="0"/>
+          </a:p>
+          <a:p>
+            <a:pPr lvl="0"/>
+            <a:r>
+              <a:rPr lang="en-US" dirty="0"/>
+              <a:t>File input and output with arrays</a:t>
+            </a:r>
+            <a:endParaRPr lang="en-GB" dirty="0"/>
+          </a:p>
+          <a:p>
+            <a:pPr lvl="0"/>
+            <a:r>
+              <a:rPr lang="en-US" dirty="0"/>
+              <a:t>Linear algebra</a:t>
+            </a:r>
+            <a:endParaRPr lang="en-GB" dirty="0"/>
+          </a:p>
+          <a:p>
+            <a:pPr lvl="0"/>
+            <a:r>
+              <a:rPr lang="en-US" dirty="0"/>
+              <a:t>Random number generation</a:t>
+            </a:r>
+            <a:endParaRPr lang="en-GB" dirty="0"/>
+          </a:p>
+          <a:p>
+            <a:pPr marL="0" indent="0">
+              <a:buNone/>
+            </a:pPr>
+            <a:endParaRPr lang="en-US" dirty="0"/>
+          </a:p>
+        </p:txBody>
+      </p:sp>
+    </p:spTree>
+    <p:extLst>
+      <p:ext uri="{BB962C8B-B14F-4D97-AF65-F5344CB8AC3E}">
+        <p14:creationId xmlns:p14="http://schemas.microsoft.com/office/powerpoint/2010/main" val="3825483863"/>
+      </p:ext>
+    </p:extLst>
+  </p:cSld>
+  <p:clrMapOvr>
+    <a:masterClrMapping/>
+  </p:clrMapOvr>
+</p:sld>
+</file>
+
 <file path=ppt/slides/slide3.xml><?xml version="1.0" encoding="utf-8"?>
 <p:sld xmlns:a="http://schemas.openxmlformats.org/drawingml/2006/main" xmlns:r="http://schemas.openxmlformats.org/officeDocument/2006/relationships" xmlns:p="http://schemas.openxmlformats.org/presentationml/2006/main">
   <p:cSld>
@@ -16625,129 +16118,6 @@
 </p:sld>
 </file>
 
-<file path=ppt/slides/slide30.xml><?xml version="1.0" encoding="utf-8"?>
-<p:sld xmlns:a="http://schemas.openxmlformats.org/drawingml/2006/main" xmlns:r="http://schemas.openxmlformats.org/officeDocument/2006/relationships" xmlns:p="http://schemas.openxmlformats.org/presentationml/2006/main">
-  <p:cSld>
-    <p:spTree>
-      <p:nvGrpSpPr>
-        <p:cNvPr id="1" name=""/>
-        <p:cNvGrpSpPr/>
-        <p:nvPr/>
-      </p:nvGrpSpPr>
-      <p:grpSpPr>
-        <a:xfrm>
-          <a:off x="0" y="0"/>
-          <a:ext cx="0" cy="0"/>
-          <a:chOff x="0" y="0"/>
-          <a:chExt cx="0" cy="0"/>
-        </a:xfrm>
-      </p:grpSpPr>
-      <p:sp>
-        <p:nvSpPr>
-          <p:cNvPr id="62466" name="Title 3"/>
-          <p:cNvSpPr>
-            <a:spLocks noGrp="1"/>
-          </p:cNvSpPr>
-          <p:nvPr>
-            <p:ph type="title"/>
-          </p:nvPr>
-        </p:nvSpPr>
-        <p:spPr/>
-        <p:txBody>
-          <a:bodyPr/>
-          <a:lstStyle/>
-          <a:p>
-            <a:r>
-              <a:rPr lang="en-US" altLang="en-US" dirty="0"/>
-              <a:t>Chapter Summary</a:t>
-            </a:r>
-          </a:p>
-        </p:txBody>
-      </p:sp>
-      <p:sp>
-        <p:nvSpPr>
-          <p:cNvPr id="12290" name="Content Placeholder 4"/>
-          <p:cNvSpPr>
-            <a:spLocks noGrp="1"/>
-          </p:cNvSpPr>
-          <p:nvPr>
-            <p:ph idx="1"/>
-          </p:nvPr>
-        </p:nvSpPr>
-        <p:spPr/>
-        <p:txBody>
-          <a:bodyPr/>
-          <a:lstStyle/>
-          <a:p>
-            <a:pPr marL="0" indent="0">
-              <a:buNone/>
-            </a:pPr>
-            <a:r>
-              <a:rPr lang="en-US" dirty="0"/>
-              <a:t>In this chapter, we have introduced:</a:t>
-            </a:r>
-          </a:p>
-          <a:p>
-            <a:pPr lvl="0"/>
-            <a:r>
-              <a:rPr lang="en-US" dirty="0"/>
-              <a:t>Universal functions: fast element-wise array functions</a:t>
-            </a:r>
-            <a:endParaRPr lang="en-GB" dirty="0"/>
-          </a:p>
-          <a:p>
-            <a:pPr lvl="0"/>
-            <a:r>
-              <a:rPr lang="en-US" dirty="0"/>
-              <a:t>Data processing using arrays</a:t>
-            </a:r>
-            <a:endParaRPr lang="en-GB" dirty="0"/>
-          </a:p>
-          <a:p>
-            <a:pPr lvl="0"/>
-            <a:r>
-              <a:rPr lang="en-US" dirty="0"/>
-              <a:t>File input and output with arrays</a:t>
-            </a:r>
-            <a:endParaRPr lang="en-GB" dirty="0"/>
-          </a:p>
-          <a:p>
-            <a:pPr lvl="0"/>
-            <a:r>
-              <a:rPr lang="en-US" dirty="0"/>
-              <a:t>Linear algebra</a:t>
-            </a:r>
-            <a:endParaRPr lang="en-GB" dirty="0"/>
-          </a:p>
-          <a:p>
-            <a:pPr lvl="0"/>
-            <a:r>
-              <a:rPr lang="en-US" dirty="0"/>
-              <a:t>Random number generation</a:t>
-            </a:r>
-            <a:endParaRPr lang="en-GB" dirty="0"/>
-          </a:p>
-          <a:p>
-            <a:pPr marL="0" indent="0">
-              <a:buNone/>
-            </a:pPr>
-            <a:endParaRPr lang="en-US" dirty="0"/>
-          </a:p>
-        </p:txBody>
-      </p:sp>
-    </p:spTree>
-    <p:extLst>
-      <p:ext uri="{BB962C8B-B14F-4D97-AF65-F5344CB8AC3E}">
-        <p14:creationId xmlns:p14="http://schemas.microsoft.com/office/powerpoint/2010/main" val="3825483863"/>
-      </p:ext>
-    </p:extLst>
-  </p:cSld>
-  <p:clrMapOvr>
-    <a:masterClrMapping/>
-  </p:clrMapOvr>
-</p:sld>
-</file>
-
 <file path=ppt/slides/slide4.xml><?xml version="1.0" encoding="utf-8"?>
 <p:sld xmlns:a="http://schemas.openxmlformats.org/drawingml/2006/main" xmlns:r="http://schemas.openxmlformats.org/officeDocument/2006/relationships" xmlns:p="http://schemas.openxmlformats.org/presentationml/2006/main">
   <p:cSld>
@@ -17391,30 +16761,15 @@
           <a:p>
             <a:r>
               <a:rPr lang="en-US" dirty="0"/>
-              <a:t>NumPy </a:t>
+              <a:t>Data Types for </a:t>
             </a:r>
             <a:r>
               <a:rPr lang="en-US" dirty="0">
                 <a:latin typeface="Courier New"/>
                 <a:cs typeface="Courier New"/>
               </a:rPr>
-              <a:t>ndarray</a:t>
-            </a:r>
-            <a:r>
-              <a:rPr lang="en-US" dirty="0">
-                <a:latin typeface="+mn-lt"/>
-                <a:cs typeface="Courier New"/>
-              </a:rPr>
-              <a:t> (continued)</a:t>
-            </a:r>
-            <a:r>
-              <a:rPr lang="en-US" dirty="0">
-                <a:latin typeface="Courier New"/>
-                <a:cs typeface="Courier New"/>
-              </a:rPr>
-              <a:t> </a:t>
-            </a:r>
-            <a:endParaRPr lang="en-US" dirty="0"/>
+              <a:t>ndarrays</a:t>
+            </a:r>
           </a:p>
         </p:txBody>
       </p:sp>
@@ -17428,65 +16783,57 @@
             <p:ph idx="1"/>
           </p:nvPr>
         </p:nvSpPr>
-        <p:spPr>
-          <a:xfrm>
-            <a:off x="595422" y="1147479"/>
-            <a:ext cx="8231707" cy="5065062"/>
-          </a:xfrm>
-        </p:spPr>
+        <p:spPr/>
         <p:txBody>
           <a:bodyPr/>
           <a:lstStyle/>
           <a:p>
             <a:r>
+              <a:rPr lang="en-US" dirty="0">
+                <a:latin typeface="Courier New"/>
+                <a:cs typeface="Courier New"/>
+              </a:rPr>
+              <a:t>dtype</a:t>
+            </a:r>
+            <a:r>
               <a:rPr lang="en-US" dirty="0"/>
-              <a:t>Nested sequences, e.g., list of lists are converted to a multi-dimensional array</a:t>
+              <a:t> is a special object that defines type of data in array</a:t>
+            </a:r>
+          </a:p>
+          <a:p>
+            <a:pPr lvl="1"/>
+            <a:r>
+              <a:rPr lang="en-US" dirty="0"/>
+              <a:t>Can be set when creating array</a:t>
+            </a:r>
+          </a:p>
+          <a:p>
+            <a:r>
+              <a:rPr lang="en-US" dirty="0"/>
+              <a:t>Full set of data types can be found at </a:t>
+            </a:r>
+          </a:p>
+          <a:p>
+            <a:pPr lvl="1"/>
+            <a:r>
+              <a:rPr lang="en-US" dirty="0">
+                <a:hlinkClick r:id="rId3"/>
+              </a:rPr>
+              <a:t>https://docs.scipy.org/doc/numpy/user/basics.types.html</a:t>
+            </a:r>
+            <a:r>
+              <a:rPr lang="en-US" dirty="0"/>
+              <a:t>  </a:t>
             </a:r>
           </a:p>
           <a:p>
             <a:endParaRPr lang="en-US" dirty="0"/>
-          </a:p>
-          <a:p>
-            <a:endParaRPr lang="en-US" dirty="0"/>
-          </a:p>
-          <a:p>
-            <a:endParaRPr lang="en-US" dirty="0"/>
-          </a:p>
-          <a:p>
-            <a:endParaRPr lang="en-US" dirty="0"/>
-          </a:p>
-          <a:p>
-            <a:endParaRPr lang="en-US" dirty="0"/>
-          </a:p>
-          <a:p>
-            <a:pPr lvl="1"/>
-            <a:endParaRPr lang="en-US" dirty="0"/>
-          </a:p>
-          <a:p>
-            <a:r>
-              <a:rPr lang="en-US" dirty="0"/>
-              <a:t>Data type is inferred from array data used </a:t>
-            </a:r>
-          </a:p>
-          <a:p>
-            <a:pPr lvl="1"/>
-            <a:r>
-              <a:rPr lang="en-US" dirty="0"/>
-              <a:t>Stored in property </a:t>
-            </a:r>
-            <a:r>
-              <a:rPr lang="en-US" dirty="0">
-                <a:latin typeface="Courier New"/>
-                <a:cs typeface="Courier New"/>
-              </a:rPr>
-              <a:t>dtype</a:t>
-            </a:r>
           </a:p>
         </p:txBody>
       </p:sp>
       <p:sp>
         <p:nvSpPr>
-          <p:cNvPr id="5" name="TextBox 4"/>
+          <p:cNvPr id="4" name="TextBox 3"/>
           <p:cNvSpPr txBox="1">
             <a:spLocks noChangeArrowheads="1"/>
           </p:cNvSpPr>
@@ -17494,8 +16841,8 @@
         </p:nvSpPr>
         <p:spPr bwMode="auto">
           <a:xfrm>
-            <a:off x="2396189" y="1897811"/>
-            <a:ext cx="4351623" cy="2031325"/>
+            <a:off x="939296" y="2832450"/>
+            <a:ext cx="6938610" cy="2308324"/>
           </a:xfrm>
           <a:prstGeom prst="rect">
             <a:avLst/>
@@ -17627,18 +16974,58 @@
           </a:lstStyle>
           <a:p>
             <a:r>
-              <a:rPr lang="mr-IN" sz="1800" b="1" dirty="0">
-                <a:solidFill>
-                  <a:schemeClr val="tx1"/>
-                </a:solidFill>
-                <a:latin typeface="Courier New"/>
-                <a:cs typeface="Courier New"/>
-              </a:rPr>
-              <a:t>data2 = [[1,2,3,4],[5,6,7,8]]</a:t>
-            </a:r>
-          </a:p>
-          <a:p>
-            <a:endParaRPr lang="mr-IN" sz="1800" b="1" dirty="0">
+              <a:rPr lang="pl-PL" sz="1800" b="1" dirty="0">
+                <a:solidFill>
+                  <a:schemeClr val="tx1"/>
+                </a:solidFill>
+                <a:latin typeface="Courier New"/>
+                <a:cs typeface="Courier New"/>
+              </a:rPr>
+              <a:t>array1 = </a:t>
+            </a:r>
+            <a:r>
+              <a:rPr lang="pl-PL" sz="1800" b="1" dirty="0" err="1">
+                <a:solidFill>
+                  <a:schemeClr val="tx1"/>
+                </a:solidFill>
+                <a:latin typeface="Courier New"/>
+                <a:cs typeface="Courier New"/>
+              </a:rPr>
+              <a:t>np.array</a:t>
+            </a:r>
+            <a:r>
+              <a:rPr lang="pl-PL" sz="1800" b="1" dirty="0">
+                <a:solidFill>
+                  <a:schemeClr val="tx1"/>
+                </a:solidFill>
+                <a:latin typeface="Courier New"/>
+                <a:cs typeface="Courier New"/>
+              </a:rPr>
+              <a:t>([1,2,3,4,5], </a:t>
+            </a:r>
+            <a:r>
+              <a:rPr lang="pl-PL" sz="1800" b="1" dirty="0" err="1">
+                <a:solidFill>
+                  <a:schemeClr val="tx1"/>
+                </a:solidFill>
+                <a:latin typeface="Courier New"/>
+                <a:cs typeface="Courier New"/>
+              </a:rPr>
+              <a:t>dtype</a:t>
+            </a:r>
+            <a:r>
+              <a:rPr lang="pl-PL" sz="1800" b="1" dirty="0">
+                <a:solidFill>
+                  <a:schemeClr val="tx1"/>
+                </a:solidFill>
+                <a:latin typeface="Courier New"/>
+                <a:cs typeface="Courier New"/>
+              </a:rPr>
+              <a:t>=np.float64)</a:t>
+            </a:r>
+          </a:p>
+          <a:p>
+            <a:endParaRPr lang="pl-PL" sz="1800" b="1" dirty="0">
               <a:solidFill>
                 <a:schemeClr val="tx1"/>
               </a:solidFill>
@@ -17655,11 +17042,33 @@
                 <a:latin typeface="Courier New"/>
                 <a:cs typeface="Courier New"/>
               </a:rPr>
-              <a:t>array2 = np.array(data2)</a:t>
-            </a:r>
-          </a:p>
-          <a:p>
-            <a:endParaRPr lang="en-US" sz="1800" b="1" dirty="0">
+              <a:t>array1</a:t>
+            </a:r>
+          </a:p>
+          <a:p>
+            <a:r>
+              <a:rPr lang="mr-IN" sz="1800" dirty="0" err="1">
+                <a:solidFill>
+                  <a:schemeClr val="tx1"/>
+                </a:solidFill>
+                <a:latin typeface="Courier New"/>
+                <a:cs typeface="Courier New"/>
+              </a:rPr>
+              <a:t>array</a:t>
+            </a:r>
+            <a:r>
+              <a:rPr lang="mr-IN" sz="1800" dirty="0">
+                <a:solidFill>
+                  <a:schemeClr val="tx1"/>
+                </a:solidFill>
+                <a:latin typeface="Courier New"/>
+                <a:cs typeface="Courier New"/>
+              </a:rPr>
+              <a:t>([ 1.,  2.,  3.,  4.,  5.])</a:t>
+            </a:r>
+          </a:p>
+          <a:p>
+            <a:endParaRPr lang="mr-IN" sz="1800" dirty="0">
               <a:solidFill>
                 <a:schemeClr val="tx1"/>
               </a:solidFill>
@@ -17676,218 +17085,84 @@
                 <a:latin typeface="Courier New"/>
                 <a:cs typeface="Courier New"/>
               </a:rPr>
-              <a:t>array2</a:t>
-            </a:r>
-          </a:p>
-          <a:p>
-            <a:r>
-              <a:rPr lang="mr-IN" sz="1800" dirty="0" err="1">
-                <a:solidFill>
-                  <a:schemeClr val="tx1"/>
-                </a:solidFill>
-                <a:latin typeface="Courier New"/>
-                <a:cs typeface="Courier New"/>
-              </a:rPr>
-              <a:t>array</a:t>
-            </a:r>
-            <a:r>
-              <a:rPr lang="mr-IN" sz="1800" dirty="0">
-                <a:solidFill>
-                  <a:schemeClr val="tx1"/>
-                </a:solidFill>
-                <a:latin typeface="Courier New"/>
-                <a:cs typeface="Courier New"/>
-              </a:rPr>
-              <a:t>([[1, 2, 3, 4],</a:t>
-            </a:r>
-          </a:p>
-          <a:p>
-            <a:r>
-              <a:rPr lang="mr-IN" sz="1800" dirty="0">
-                <a:solidFill>
-                  <a:schemeClr val="tx1"/>
-                </a:solidFill>
-                <a:latin typeface="Courier New"/>
-                <a:cs typeface="Courier New"/>
-              </a:rPr>
-              <a:t>       [5, 6, 7, 8]])</a:t>
-            </a:r>
+              <a:t>array1.dtype</a:t>
+            </a:r>
+          </a:p>
+          <a:p>
+            <a:r>
+              <a:rPr lang="en-US" sz="1800" dirty="0">
+                <a:solidFill>
+                  <a:schemeClr val="tx1"/>
+                </a:solidFill>
+                <a:latin typeface="Courier New"/>
+                <a:cs typeface="Courier New"/>
+              </a:rPr>
+              <a:t>dtype('float64')</a:t>
+            </a:r>
+          </a:p>
+          <a:p>
+            <a:endParaRPr lang="mr-IN" sz="1800" dirty="0">
+              <a:solidFill>
+                <a:schemeClr val="tx1"/>
+              </a:solidFill>
+              <a:latin typeface="Courier New"/>
+              <a:cs typeface="Courier New"/>
+            </a:endParaRPr>
           </a:p>
         </p:txBody>
       </p:sp>
       <p:sp>
         <p:nvSpPr>
-          <p:cNvPr id="6" name="TextBox 5"/>
-          <p:cNvSpPr txBox="1">
+          <p:cNvPr id="5" name="Rectangular Callout 4"/>
+          <p:cNvSpPr>
             <a:spLocks noChangeArrowheads="1"/>
           </p:cNvSpPr>
           <p:nvPr/>
         </p:nvSpPr>
         <p:spPr bwMode="auto">
           <a:xfrm>
-            <a:off x="3120186" y="5069559"/>
-            <a:ext cx="2903628" cy="646331"/>
+            <a:off x="6094129" y="4149966"/>
+            <a:ext cx="2070938" cy="338554"/>
           </a:xfrm>
-          <a:prstGeom prst="rect">
-            <a:avLst/>
+          <a:prstGeom prst="wedgeRectCallout">
+            <a:avLst>
+              <a:gd name="adj1" fmla="val 3693"/>
+              <a:gd name="adj2" fmla="val -353822"/>
+            </a:avLst>
           </a:prstGeom>
-          <a:noFill/>
-          <a:ln w="28575">
-            <a:solidFill>
-              <a:schemeClr val="accent2">
-                <a:lumMod val="20000"/>
-                <a:lumOff val="80000"/>
-              </a:schemeClr>
-            </a:solidFill>
-            <a:miter lim="800000"/>
+          <a:solidFill>
+            <a:schemeClr val="accent2">
+              <a:lumMod val="20000"/>
+              <a:lumOff val="80000"/>
+            </a:schemeClr>
+          </a:solidFill>
+          <a:ln w="9525">
+            <a:noFill/>
+            <a:round/>
             <a:headEnd/>
             <a:tailEnd/>
           </a:ln>
           <a:effectLst/>
         </p:spPr>
         <p:txBody>
-          <a:bodyPr wrap="square">
+          <a:bodyPr wrap="square" anchor="ctr">
             <a:spAutoFit/>
           </a:bodyPr>
-          <a:lstStyle>
-            <a:lvl1pPr eaLnBrk="0" hangingPunct="0">
-              <a:defRPr sz="2400">
-                <a:solidFill>
-                  <a:schemeClr val="bg1"/>
-                </a:solidFill>
-                <a:latin typeface="Arial" panose="020B0604020202020204" pitchFamily="34" charset="0"/>
-                <a:ea typeface="MS PGothic" panose="020B0600070205080204" pitchFamily="34" charset="-128"/>
-              </a:defRPr>
-            </a:lvl1pPr>
-            <a:lvl2pPr marL="742950" indent="-285750" eaLnBrk="0" hangingPunct="0">
-              <a:defRPr sz="2400">
-                <a:solidFill>
-                  <a:schemeClr val="bg1"/>
-                </a:solidFill>
-                <a:latin typeface="Arial" panose="020B0604020202020204" pitchFamily="34" charset="0"/>
-                <a:ea typeface="MS PGothic" panose="020B0600070205080204" pitchFamily="34" charset="-128"/>
-              </a:defRPr>
-            </a:lvl2pPr>
-            <a:lvl3pPr marL="1143000" indent="-228600" eaLnBrk="0" hangingPunct="0">
-              <a:defRPr sz="2400">
-                <a:solidFill>
-                  <a:schemeClr val="bg1"/>
-                </a:solidFill>
-                <a:latin typeface="Arial" panose="020B0604020202020204" pitchFamily="34" charset="0"/>
-                <a:ea typeface="MS PGothic" panose="020B0600070205080204" pitchFamily="34" charset="-128"/>
-              </a:defRPr>
-            </a:lvl3pPr>
-            <a:lvl4pPr marL="1600200" indent="-228600" eaLnBrk="0" hangingPunct="0">
-              <a:defRPr sz="2400">
-                <a:solidFill>
-                  <a:schemeClr val="bg1"/>
-                </a:solidFill>
-                <a:latin typeface="Arial" panose="020B0604020202020204" pitchFamily="34" charset="0"/>
-                <a:ea typeface="MS PGothic" panose="020B0600070205080204" pitchFamily="34" charset="-128"/>
-              </a:defRPr>
-            </a:lvl4pPr>
-            <a:lvl5pPr marL="2057400" indent="-228600" eaLnBrk="0" hangingPunct="0">
-              <a:defRPr sz="2400">
-                <a:solidFill>
-                  <a:schemeClr val="bg1"/>
-                </a:solidFill>
-                <a:latin typeface="Arial" panose="020B0604020202020204" pitchFamily="34" charset="0"/>
-                <a:ea typeface="MS PGothic" panose="020B0600070205080204" pitchFamily="34" charset="-128"/>
-              </a:defRPr>
-            </a:lvl5pPr>
-            <a:lvl6pPr marL="2514600" indent="-228600" eaLnBrk="0" fontAlgn="base" hangingPunct="0">
-              <a:spcBef>
-                <a:spcPct val="0"/>
-              </a:spcBef>
-              <a:spcAft>
-                <a:spcPct val="0"/>
-              </a:spcAft>
-              <a:defRPr sz="2400">
-                <a:solidFill>
-                  <a:schemeClr val="bg1"/>
-                </a:solidFill>
-                <a:latin typeface="Arial" panose="020B0604020202020204" pitchFamily="34" charset="0"/>
-                <a:ea typeface="MS PGothic" panose="020B0600070205080204" pitchFamily="34" charset="-128"/>
-              </a:defRPr>
-            </a:lvl6pPr>
-            <a:lvl7pPr marL="2971800" indent="-228600" eaLnBrk="0" fontAlgn="base" hangingPunct="0">
-              <a:spcBef>
-                <a:spcPct val="0"/>
-              </a:spcBef>
-              <a:spcAft>
-                <a:spcPct val="0"/>
-              </a:spcAft>
-              <a:defRPr sz="2400">
-                <a:solidFill>
-                  <a:schemeClr val="bg1"/>
-                </a:solidFill>
-                <a:latin typeface="Arial" panose="020B0604020202020204" pitchFamily="34" charset="0"/>
-                <a:ea typeface="MS PGothic" panose="020B0600070205080204" pitchFamily="34" charset="-128"/>
-              </a:defRPr>
-            </a:lvl7pPr>
-            <a:lvl8pPr marL="3429000" indent="-228600" eaLnBrk="0" fontAlgn="base" hangingPunct="0">
-              <a:spcBef>
-                <a:spcPct val="0"/>
-              </a:spcBef>
-              <a:spcAft>
-                <a:spcPct val="0"/>
-              </a:spcAft>
-              <a:defRPr sz="2400">
-                <a:solidFill>
-                  <a:schemeClr val="bg1"/>
-                </a:solidFill>
-                <a:latin typeface="Arial" panose="020B0604020202020204" pitchFamily="34" charset="0"/>
-                <a:ea typeface="MS PGothic" panose="020B0600070205080204" pitchFamily="34" charset="-128"/>
-              </a:defRPr>
-            </a:lvl8pPr>
-            <a:lvl9pPr marL="3886200" indent="-228600" eaLnBrk="0" fontAlgn="base" hangingPunct="0">
-              <a:spcBef>
-                <a:spcPct val="0"/>
-              </a:spcBef>
-              <a:spcAft>
-                <a:spcPct val="0"/>
-              </a:spcAft>
-              <a:defRPr sz="2400">
-                <a:solidFill>
-                  <a:schemeClr val="bg1"/>
-                </a:solidFill>
-                <a:latin typeface="Arial" panose="020B0604020202020204" pitchFamily="34" charset="0"/>
-                <a:ea typeface="MS PGothic" panose="020B0600070205080204" pitchFamily="34" charset="-128"/>
-              </a:defRPr>
-            </a:lvl9pPr>
-          </a:lstStyle>
-          <a:p>
-            <a:r>
-              <a:rPr lang="en-US" sz="1800" b="1" dirty="0">
-                <a:solidFill>
-                  <a:schemeClr val="tx1"/>
-                </a:solidFill>
-                <a:latin typeface="Courier New"/>
-                <a:cs typeface="Courier New"/>
-              </a:rPr>
-              <a:t>array2.dtype</a:t>
-            </a:r>
-          </a:p>
-          <a:p>
-            <a:r>
-              <a:rPr lang="mr-IN" sz="1800" dirty="0" err="1">
-                <a:solidFill>
-                  <a:schemeClr val="tx1"/>
-                </a:solidFill>
-                <a:latin typeface="Courier New"/>
-                <a:cs typeface="Courier New"/>
-              </a:rPr>
-              <a:t>dtype</a:t>
-            </a:r>
-            <a:r>
-              <a:rPr lang="mr-IN" sz="1800" dirty="0">
-                <a:solidFill>
-                  <a:schemeClr val="tx1"/>
-                </a:solidFill>
-                <a:latin typeface="Courier New"/>
-                <a:cs typeface="Courier New"/>
-              </a:rPr>
-              <a:t>('int64')</a:t>
+          <a:lstStyle/>
+          <a:p>
+            <a:pPr algn="ctr" eaLnBrk="1" hangingPunct="1">
+              <a:defRPr/>
+            </a:pPr>
+            <a:r>
+              <a:rPr lang="en-US" sz="1600" dirty="0">
+                <a:solidFill>
+                  <a:schemeClr val="tx1"/>
+                </a:solidFill>
+                <a:latin typeface="+mn-lt"/>
+                <a:ea typeface="ＭＳ Ｐゴシック" charset="0"/>
+                <a:cs typeface="Arial"/>
+              </a:rPr>
+              <a:t>Specify type of data</a:t>
             </a:r>
           </a:p>
         </p:txBody>
@@ -17895,7 +17170,7 @@
     </p:spTree>
     <p:extLst>
       <p:ext uri="{BB962C8B-B14F-4D97-AF65-F5344CB8AC3E}">
-        <p14:creationId xmlns:p14="http://schemas.microsoft.com/office/powerpoint/2010/main" val="2916268790"/>
+        <p14:creationId xmlns:p14="http://schemas.microsoft.com/office/powerpoint/2010/main" val="350332986"/>
       </p:ext>
     </p:extLst>
   </p:cSld>
@@ -17939,6 +17214,574 @@
           <a:p>
             <a:r>
               <a:rPr lang="en-US" dirty="0"/>
+              <a:t>NumPy </a:t>
+            </a:r>
+            <a:r>
+              <a:rPr lang="en-US" dirty="0">
+                <a:latin typeface="Courier New"/>
+                <a:cs typeface="Courier New"/>
+              </a:rPr>
+              <a:t>ndarray</a:t>
+            </a:r>
+            <a:r>
+              <a:rPr lang="en-US" dirty="0">
+                <a:latin typeface="+mn-lt"/>
+                <a:cs typeface="Courier New"/>
+              </a:rPr>
+              <a:t> (continued)</a:t>
+            </a:r>
+            <a:r>
+              <a:rPr lang="en-US" dirty="0">
+                <a:latin typeface="Courier New"/>
+                <a:cs typeface="Courier New"/>
+              </a:rPr>
+              <a:t> </a:t>
+            </a:r>
+            <a:endParaRPr lang="en-US" dirty="0"/>
+          </a:p>
+        </p:txBody>
+      </p:sp>
+      <p:sp>
+        <p:nvSpPr>
+          <p:cNvPr id="3" name="Content Placeholder 2"/>
+          <p:cNvSpPr>
+            <a:spLocks noGrp="1"/>
+          </p:cNvSpPr>
+          <p:nvPr>
+            <p:ph idx="1"/>
+          </p:nvPr>
+        </p:nvSpPr>
+        <p:spPr>
+          <a:xfrm>
+            <a:off x="595422" y="1147479"/>
+            <a:ext cx="8231707" cy="5065062"/>
+          </a:xfrm>
+        </p:spPr>
+        <p:txBody>
+          <a:bodyPr/>
+          <a:lstStyle/>
+          <a:p>
+            <a:r>
+              <a:rPr lang="en-US" dirty="0"/>
+              <a:t>Nested sequences, e.g., list of lists are converted to a multi-dimensional array</a:t>
+            </a:r>
+          </a:p>
+          <a:p>
+            <a:endParaRPr lang="en-US" dirty="0"/>
+          </a:p>
+          <a:p>
+            <a:endParaRPr lang="en-US" dirty="0"/>
+          </a:p>
+          <a:p>
+            <a:endParaRPr lang="en-US" dirty="0"/>
+          </a:p>
+          <a:p>
+            <a:endParaRPr lang="en-US" dirty="0"/>
+          </a:p>
+          <a:p>
+            <a:endParaRPr lang="en-US" dirty="0"/>
+          </a:p>
+          <a:p>
+            <a:pPr lvl="1"/>
+            <a:endParaRPr lang="en-US" dirty="0"/>
+          </a:p>
+          <a:p>
+            <a:r>
+              <a:rPr lang="en-US" dirty="0"/>
+              <a:t>Data type is inferred from array data used </a:t>
+            </a:r>
+          </a:p>
+          <a:p>
+            <a:pPr lvl="1"/>
+            <a:r>
+              <a:rPr lang="en-US" dirty="0"/>
+              <a:t>Stored in property </a:t>
+            </a:r>
+            <a:r>
+              <a:rPr lang="en-US" dirty="0">
+                <a:latin typeface="Courier New"/>
+                <a:cs typeface="Courier New"/>
+              </a:rPr>
+              <a:t>dtype</a:t>
+            </a:r>
+          </a:p>
+        </p:txBody>
+      </p:sp>
+      <p:sp>
+        <p:nvSpPr>
+          <p:cNvPr id="5" name="TextBox 4"/>
+          <p:cNvSpPr txBox="1">
+            <a:spLocks noChangeArrowheads="1"/>
+          </p:cNvSpPr>
+          <p:nvPr/>
+        </p:nvSpPr>
+        <p:spPr bwMode="auto">
+          <a:xfrm>
+            <a:off x="2396189" y="1897811"/>
+            <a:ext cx="4351623" cy="2031325"/>
+          </a:xfrm>
+          <a:prstGeom prst="rect">
+            <a:avLst/>
+          </a:prstGeom>
+          <a:noFill/>
+          <a:ln w="28575">
+            <a:solidFill>
+              <a:schemeClr val="accent2">
+                <a:lumMod val="20000"/>
+                <a:lumOff val="80000"/>
+              </a:schemeClr>
+            </a:solidFill>
+            <a:miter lim="800000"/>
+            <a:headEnd/>
+            <a:tailEnd/>
+          </a:ln>
+          <a:effectLst/>
+        </p:spPr>
+        <p:txBody>
+          <a:bodyPr wrap="square">
+            <a:spAutoFit/>
+          </a:bodyPr>
+          <a:lstStyle>
+            <a:lvl1pPr eaLnBrk="0" hangingPunct="0">
+              <a:defRPr sz="2400">
+                <a:solidFill>
+                  <a:schemeClr val="bg1"/>
+                </a:solidFill>
+                <a:latin typeface="Arial" panose="020B0604020202020204" pitchFamily="34" charset="0"/>
+                <a:ea typeface="MS PGothic" panose="020B0600070205080204" pitchFamily="34" charset="-128"/>
+              </a:defRPr>
+            </a:lvl1pPr>
+            <a:lvl2pPr marL="742950" indent="-285750" eaLnBrk="0" hangingPunct="0">
+              <a:defRPr sz="2400">
+                <a:solidFill>
+                  <a:schemeClr val="bg1"/>
+                </a:solidFill>
+                <a:latin typeface="Arial" panose="020B0604020202020204" pitchFamily="34" charset="0"/>
+                <a:ea typeface="MS PGothic" panose="020B0600070205080204" pitchFamily="34" charset="-128"/>
+              </a:defRPr>
+            </a:lvl2pPr>
+            <a:lvl3pPr marL="1143000" indent="-228600" eaLnBrk="0" hangingPunct="0">
+              <a:defRPr sz="2400">
+                <a:solidFill>
+                  <a:schemeClr val="bg1"/>
+                </a:solidFill>
+                <a:latin typeface="Arial" panose="020B0604020202020204" pitchFamily="34" charset="0"/>
+                <a:ea typeface="MS PGothic" panose="020B0600070205080204" pitchFamily="34" charset="-128"/>
+              </a:defRPr>
+            </a:lvl3pPr>
+            <a:lvl4pPr marL="1600200" indent="-228600" eaLnBrk="0" hangingPunct="0">
+              <a:defRPr sz="2400">
+                <a:solidFill>
+                  <a:schemeClr val="bg1"/>
+                </a:solidFill>
+                <a:latin typeface="Arial" panose="020B0604020202020204" pitchFamily="34" charset="0"/>
+                <a:ea typeface="MS PGothic" panose="020B0600070205080204" pitchFamily="34" charset="-128"/>
+              </a:defRPr>
+            </a:lvl4pPr>
+            <a:lvl5pPr marL="2057400" indent="-228600" eaLnBrk="0" hangingPunct="0">
+              <a:defRPr sz="2400">
+                <a:solidFill>
+                  <a:schemeClr val="bg1"/>
+                </a:solidFill>
+                <a:latin typeface="Arial" panose="020B0604020202020204" pitchFamily="34" charset="0"/>
+                <a:ea typeface="MS PGothic" panose="020B0600070205080204" pitchFamily="34" charset="-128"/>
+              </a:defRPr>
+            </a:lvl5pPr>
+            <a:lvl6pPr marL="2514600" indent="-228600" eaLnBrk="0" fontAlgn="base" hangingPunct="0">
+              <a:spcBef>
+                <a:spcPct val="0"/>
+              </a:spcBef>
+              <a:spcAft>
+                <a:spcPct val="0"/>
+              </a:spcAft>
+              <a:defRPr sz="2400">
+                <a:solidFill>
+                  <a:schemeClr val="bg1"/>
+                </a:solidFill>
+                <a:latin typeface="Arial" panose="020B0604020202020204" pitchFamily="34" charset="0"/>
+                <a:ea typeface="MS PGothic" panose="020B0600070205080204" pitchFamily="34" charset="-128"/>
+              </a:defRPr>
+            </a:lvl6pPr>
+            <a:lvl7pPr marL="2971800" indent="-228600" eaLnBrk="0" fontAlgn="base" hangingPunct="0">
+              <a:spcBef>
+                <a:spcPct val="0"/>
+              </a:spcBef>
+              <a:spcAft>
+                <a:spcPct val="0"/>
+              </a:spcAft>
+              <a:defRPr sz="2400">
+                <a:solidFill>
+                  <a:schemeClr val="bg1"/>
+                </a:solidFill>
+                <a:latin typeface="Arial" panose="020B0604020202020204" pitchFamily="34" charset="0"/>
+                <a:ea typeface="MS PGothic" panose="020B0600070205080204" pitchFamily="34" charset="-128"/>
+              </a:defRPr>
+            </a:lvl7pPr>
+            <a:lvl8pPr marL="3429000" indent="-228600" eaLnBrk="0" fontAlgn="base" hangingPunct="0">
+              <a:spcBef>
+                <a:spcPct val="0"/>
+              </a:spcBef>
+              <a:spcAft>
+                <a:spcPct val="0"/>
+              </a:spcAft>
+              <a:defRPr sz="2400">
+                <a:solidFill>
+                  <a:schemeClr val="bg1"/>
+                </a:solidFill>
+                <a:latin typeface="Arial" panose="020B0604020202020204" pitchFamily="34" charset="0"/>
+                <a:ea typeface="MS PGothic" panose="020B0600070205080204" pitchFamily="34" charset="-128"/>
+              </a:defRPr>
+            </a:lvl8pPr>
+            <a:lvl9pPr marL="3886200" indent="-228600" eaLnBrk="0" fontAlgn="base" hangingPunct="0">
+              <a:spcBef>
+                <a:spcPct val="0"/>
+              </a:spcBef>
+              <a:spcAft>
+                <a:spcPct val="0"/>
+              </a:spcAft>
+              <a:defRPr sz="2400">
+                <a:solidFill>
+                  <a:schemeClr val="bg1"/>
+                </a:solidFill>
+                <a:latin typeface="Arial" panose="020B0604020202020204" pitchFamily="34" charset="0"/>
+                <a:ea typeface="MS PGothic" panose="020B0600070205080204" pitchFamily="34" charset="-128"/>
+              </a:defRPr>
+            </a:lvl9pPr>
+          </a:lstStyle>
+          <a:p>
+            <a:r>
+              <a:rPr lang="mr-IN" sz="1800" b="1" dirty="0" err="1">
+                <a:solidFill>
+                  <a:schemeClr val="tx1"/>
+                </a:solidFill>
+                <a:latin typeface="Courier New"/>
+                <a:cs typeface="Courier New"/>
+              </a:rPr>
+              <a:t>data</a:t>
+            </a:r>
+            <a:r>
+              <a:rPr lang="en-US" sz="1800" b="1" dirty="0">
+                <a:solidFill>
+                  <a:schemeClr val="tx1"/>
+                </a:solidFill>
+                <a:latin typeface="Courier New"/>
+                <a:cs typeface="Courier New"/>
+              </a:rPr>
+              <a:t>4</a:t>
+            </a:r>
+            <a:r>
+              <a:rPr lang="mr-IN" sz="1800" b="1" dirty="0">
+                <a:solidFill>
+                  <a:schemeClr val="tx1"/>
+                </a:solidFill>
+                <a:latin typeface="Courier New"/>
+                <a:cs typeface="Courier New"/>
+              </a:rPr>
+              <a:t> = [[1,2,3,4],[5,6,7,8]]</a:t>
+            </a:r>
+          </a:p>
+          <a:p>
+            <a:endParaRPr lang="mr-IN" sz="1800" b="1" dirty="0">
+              <a:solidFill>
+                <a:schemeClr val="tx1"/>
+              </a:solidFill>
+              <a:latin typeface="Courier New"/>
+              <a:cs typeface="Courier New"/>
+            </a:endParaRPr>
+          </a:p>
+          <a:p>
+            <a:r>
+              <a:rPr lang="en-US" sz="1800" b="1" dirty="0">
+                <a:solidFill>
+                  <a:schemeClr val="tx1"/>
+                </a:solidFill>
+                <a:latin typeface="Courier New"/>
+                <a:cs typeface="Courier New"/>
+              </a:rPr>
+              <a:t>array4 = np.array(data4)</a:t>
+            </a:r>
+          </a:p>
+          <a:p>
+            <a:endParaRPr lang="en-US" sz="1800" b="1" dirty="0">
+              <a:solidFill>
+                <a:schemeClr val="tx1"/>
+              </a:solidFill>
+              <a:latin typeface="Courier New"/>
+              <a:cs typeface="Courier New"/>
+            </a:endParaRPr>
+          </a:p>
+          <a:p>
+            <a:r>
+              <a:rPr lang="en-US" sz="1800" b="1" dirty="0">
+                <a:solidFill>
+                  <a:schemeClr val="tx1"/>
+                </a:solidFill>
+                <a:latin typeface="Courier New"/>
+                <a:cs typeface="Courier New"/>
+              </a:rPr>
+              <a:t>array4</a:t>
+            </a:r>
+          </a:p>
+          <a:p>
+            <a:r>
+              <a:rPr lang="mr-IN" sz="1800" dirty="0" err="1">
+                <a:solidFill>
+                  <a:schemeClr val="tx1"/>
+                </a:solidFill>
+                <a:latin typeface="Courier New"/>
+                <a:cs typeface="Courier New"/>
+              </a:rPr>
+              <a:t>array</a:t>
+            </a:r>
+            <a:r>
+              <a:rPr lang="mr-IN" sz="1800" dirty="0">
+                <a:solidFill>
+                  <a:schemeClr val="tx1"/>
+                </a:solidFill>
+                <a:latin typeface="Courier New"/>
+                <a:cs typeface="Courier New"/>
+              </a:rPr>
+              <a:t>([[1, 2, 3, 4],</a:t>
+            </a:r>
+          </a:p>
+          <a:p>
+            <a:r>
+              <a:rPr lang="mr-IN" sz="1800" dirty="0">
+                <a:solidFill>
+                  <a:schemeClr val="tx1"/>
+                </a:solidFill>
+                <a:latin typeface="Courier New"/>
+                <a:cs typeface="Courier New"/>
+              </a:rPr>
+              <a:t>       [5, 6, 7, 8]])</a:t>
+            </a:r>
+          </a:p>
+        </p:txBody>
+      </p:sp>
+      <p:sp>
+        <p:nvSpPr>
+          <p:cNvPr id="6" name="TextBox 5"/>
+          <p:cNvSpPr txBox="1">
+            <a:spLocks noChangeArrowheads="1"/>
+          </p:cNvSpPr>
+          <p:nvPr/>
+        </p:nvSpPr>
+        <p:spPr bwMode="auto">
+          <a:xfrm>
+            <a:off x="3120186" y="5069559"/>
+            <a:ext cx="2903628" cy="646331"/>
+          </a:xfrm>
+          <a:prstGeom prst="rect">
+            <a:avLst/>
+          </a:prstGeom>
+          <a:noFill/>
+          <a:ln w="28575">
+            <a:solidFill>
+              <a:schemeClr val="accent2">
+                <a:lumMod val="20000"/>
+                <a:lumOff val="80000"/>
+              </a:schemeClr>
+            </a:solidFill>
+            <a:miter lim="800000"/>
+            <a:headEnd/>
+            <a:tailEnd/>
+          </a:ln>
+          <a:effectLst/>
+        </p:spPr>
+        <p:txBody>
+          <a:bodyPr wrap="square">
+            <a:spAutoFit/>
+          </a:bodyPr>
+          <a:lstStyle>
+            <a:lvl1pPr eaLnBrk="0" hangingPunct="0">
+              <a:defRPr sz="2400">
+                <a:solidFill>
+                  <a:schemeClr val="bg1"/>
+                </a:solidFill>
+                <a:latin typeface="Arial" panose="020B0604020202020204" pitchFamily="34" charset="0"/>
+                <a:ea typeface="MS PGothic" panose="020B0600070205080204" pitchFamily="34" charset="-128"/>
+              </a:defRPr>
+            </a:lvl1pPr>
+            <a:lvl2pPr marL="742950" indent="-285750" eaLnBrk="0" hangingPunct="0">
+              <a:defRPr sz="2400">
+                <a:solidFill>
+                  <a:schemeClr val="bg1"/>
+                </a:solidFill>
+                <a:latin typeface="Arial" panose="020B0604020202020204" pitchFamily="34" charset="0"/>
+                <a:ea typeface="MS PGothic" panose="020B0600070205080204" pitchFamily="34" charset="-128"/>
+              </a:defRPr>
+            </a:lvl2pPr>
+            <a:lvl3pPr marL="1143000" indent="-228600" eaLnBrk="0" hangingPunct="0">
+              <a:defRPr sz="2400">
+                <a:solidFill>
+                  <a:schemeClr val="bg1"/>
+                </a:solidFill>
+                <a:latin typeface="Arial" panose="020B0604020202020204" pitchFamily="34" charset="0"/>
+                <a:ea typeface="MS PGothic" panose="020B0600070205080204" pitchFamily="34" charset="-128"/>
+              </a:defRPr>
+            </a:lvl3pPr>
+            <a:lvl4pPr marL="1600200" indent="-228600" eaLnBrk="0" hangingPunct="0">
+              <a:defRPr sz="2400">
+                <a:solidFill>
+                  <a:schemeClr val="bg1"/>
+                </a:solidFill>
+                <a:latin typeface="Arial" panose="020B0604020202020204" pitchFamily="34" charset="0"/>
+                <a:ea typeface="MS PGothic" panose="020B0600070205080204" pitchFamily="34" charset="-128"/>
+              </a:defRPr>
+            </a:lvl4pPr>
+            <a:lvl5pPr marL="2057400" indent="-228600" eaLnBrk="0" hangingPunct="0">
+              <a:defRPr sz="2400">
+                <a:solidFill>
+                  <a:schemeClr val="bg1"/>
+                </a:solidFill>
+                <a:latin typeface="Arial" panose="020B0604020202020204" pitchFamily="34" charset="0"/>
+                <a:ea typeface="MS PGothic" panose="020B0600070205080204" pitchFamily="34" charset="-128"/>
+              </a:defRPr>
+            </a:lvl5pPr>
+            <a:lvl6pPr marL="2514600" indent="-228600" eaLnBrk="0" fontAlgn="base" hangingPunct="0">
+              <a:spcBef>
+                <a:spcPct val="0"/>
+              </a:spcBef>
+              <a:spcAft>
+                <a:spcPct val="0"/>
+              </a:spcAft>
+              <a:defRPr sz="2400">
+                <a:solidFill>
+                  <a:schemeClr val="bg1"/>
+                </a:solidFill>
+                <a:latin typeface="Arial" panose="020B0604020202020204" pitchFamily="34" charset="0"/>
+                <a:ea typeface="MS PGothic" panose="020B0600070205080204" pitchFamily="34" charset="-128"/>
+              </a:defRPr>
+            </a:lvl6pPr>
+            <a:lvl7pPr marL="2971800" indent="-228600" eaLnBrk="0" fontAlgn="base" hangingPunct="0">
+              <a:spcBef>
+                <a:spcPct val="0"/>
+              </a:spcBef>
+              <a:spcAft>
+                <a:spcPct val="0"/>
+              </a:spcAft>
+              <a:defRPr sz="2400">
+                <a:solidFill>
+                  <a:schemeClr val="bg1"/>
+                </a:solidFill>
+                <a:latin typeface="Arial" panose="020B0604020202020204" pitchFamily="34" charset="0"/>
+                <a:ea typeface="MS PGothic" panose="020B0600070205080204" pitchFamily="34" charset="-128"/>
+              </a:defRPr>
+            </a:lvl7pPr>
+            <a:lvl8pPr marL="3429000" indent="-228600" eaLnBrk="0" fontAlgn="base" hangingPunct="0">
+              <a:spcBef>
+                <a:spcPct val="0"/>
+              </a:spcBef>
+              <a:spcAft>
+                <a:spcPct val="0"/>
+              </a:spcAft>
+              <a:defRPr sz="2400">
+                <a:solidFill>
+                  <a:schemeClr val="bg1"/>
+                </a:solidFill>
+                <a:latin typeface="Arial" panose="020B0604020202020204" pitchFamily="34" charset="0"/>
+                <a:ea typeface="MS PGothic" panose="020B0600070205080204" pitchFamily="34" charset="-128"/>
+              </a:defRPr>
+            </a:lvl8pPr>
+            <a:lvl9pPr marL="3886200" indent="-228600" eaLnBrk="0" fontAlgn="base" hangingPunct="0">
+              <a:spcBef>
+                <a:spcPct val="0"/>
+              </a:spcBef>
+              <a:spcAft>
+                <a:spcPct val="0"/>
+              </a:spcAft>
+              <a:defRPr sz="2400">
+                <a:solidFill>
+                  <a:schemeClr val="bg1"/>
+                </a:solidFill>
+                <a:latin typeface="Arial" panose="020B0604020202020204" pitchFamily="34" charset="0"/>
+                <a:ea typeface="MS PGothic" panose="020B0600070205080204" pitchFamily="34" charset="-128"/>
+              </a:defRPr>
+            </a:lvl9pPr>
+          </a:lstStyle>
+          <a:p>
+            <a:r>
+              <a:rPr lang="en-US" sz="1800" b="1" dirty="0">
+                <a:solidFill>
+                  <a:schemeClr val="tx1"/>
+                </a:solidFill>
+                <a:latin typeface="Courier New"/>
+                <a:cs typeface="Courier New"/>
+              </a:rPr>
+              <a:t>array4.dtype</a:t>
+            </a:r>
+          </a:p>
+          <a:p>
+            <a:r>
+              <a:rPr lang="mr-IN" sz="1800" dirty="0" err="1">
+                <a:solidFill>
+                  <a:schemeClr val="tx1"/>
+                </a:solidFill>
+                <a:latin typeface="Courier New"/>
+                <a:cs typeface="Courier New"/>
+              </a:rPr>
+              <a:t>dtype</a:t>
+            </a:r>
+            <a:r>
+              <a:rPr lang="mr-IN" sz="1800" dirty="0">
+                <a:solidFill>
+                  <a:schemeClr val="tx1"/>
+                </a:solidFill>
+                <a:latin typeface="Courier New"/>
+                <a:cs typeface="Courier New"/>
+              </a:rPr>
+              <a:t>('int64')</a:t>
+            </a:r>
+          </a:p>
+        </p:txBody>
+      </p:sp>
+    </p:spTree>
+    <p:extLst>
+      <p:ext uri="{BB962C8B-B14F-4D97-AF65-F5344CB8AC3E}">
+        <p14:creationId xmlns:p14="http://schemas.microsoft.com/office/powerpoint/2010/main" val="2916268790"/>
+      </p:ext>
+    </p:extLst>
+  </p:cSld>
+  <p:clrMapOvr>
+    <a:masterClrMapping/>
+  </p:clrMapOvr>
+</p:sld>
+</file>
+
+<file path=ppt/slides/slide7.xml><?xml version="1.0" encoding="utf-8"?>
+<p:sld xmlns:a="http://schemas.openxmlformats.org/drawingml/2006/main" xmlns:r="http://schemas.openxmlformats.org/officeDocument/2006/relationships" xmlns:p="http://schemas.openxmlformats.org/presentationml/2006/main">
+  <p:cSld>
+    <p:spTree>
+      <p:nvGrpSpPr>
+        <p:cNvPr id="1" name=""/>
+        <p:cNvGrpSpPr/>
+        <p:nvPr/>
+      </p:nvGrpSpPr>
+      <p:grpSpPr>
+        <a:xfrm>
+          <a:off x="0" y="0"/>
+          <a:ext cx="0" cy="0"/>
+          <a:chOff x="0" y="0"/>
+          <a:chExt cx="0" cy="0"/>
+        </a:xfrm>
+      </p:grpSpPr>
+      <p:sp>
+        <p:nvSpPr>
+          <p:cNvPr id="2" name="Title 1"/>
+          <p:cNvSpPr>
+            <a:spLocks noGrp="1"/>
+          </p:cNvSpPr>
+          <p:nvPr>
+            <p:ph type="title"/>
+          </p:nvPr>
+        </p:nvSpPr>
+        <p:spPr/>
+        <p:txBody>
+          <a:bodyPr/>
+          <a:lstStyle/>
+          <a:p>
+            <a:r>
+              <a:rPr lang="en-US" dirty="0"/>
               <a:t>Other Functions for Creating Arrays</a:t>
             </a:r>
           </a:p>
@@ -18450,538 +18293,7 @@
 </p:sld>
 </file>
 
-<file path=ppt/slides/slide7.xml><?xml version="1.0" encoding="utf-8"?>
-<p:sld xmlns:a="http://schemas.openxmlformats.org/drawingml/2006/main" xmlns:r="http://schemas.openxmlformats.org/officeDocument/2006/relationships" xmlns:p="http://schemas.openxmlformats.org/presentationml/2006/main">
-  <p:cSld>
-    <p:spTree>
-      <p:nvGrpSpPr>
-        <p:cNvPr id="1" name=""/>
-        <p:cNvGrpSpPr/>
-        <p:nvPr/>
-      </p:nvGrpSpPr>
-      <p:grpSpPr>
-        <a:xfrm>
-          <a:off x="0" y="0"/>
-          <a:ext cx="0" cy="0"/>
-          <a:chOff x="0" y="0"/>
-          <a:chExt cx="0" cy="0"/>
-        </a:xfrm>
-      </p:grpSpPr>
-      <p:sp>
-        <p:nvSpPr>
-          <p:cNvPr id="2" name="Title 1"/>
-          <p:cNvSpPr>
-            <a:spLocks noGrp="1"/>
-          </p:cNvSpPr>
-          <p:nvPr>
-            <p:ph type="title"/>
-          </p:nvPr>
-        </p:nvSpPr>
-        <p:spPr/>
-        <p:txBody>
-          <a:bodyPr/>
-          <a:lstStyle/>
-          <a:p>
-            <a:r>
-              <a:rPr lang="en-US" dirty="0"/>
-              <a:t>Data Types for </a:t>
-            </a:r>
-            <a:r>
-              <a:rPr lang="en-US" dirty="0">
-                <a:latin typeface="Courier New"/>
-                <a:cs typeface="Courier New"/>
-              </a:rPr>
-              <a:t>ndarrays</a:t>
-            </a:r>
-          </a:p>
-        </p:txBody>
-      </p:sp>
-      <p:sp>
-        <p:nvSpPr>
-          <p:cNvPr id="3" name="Content Placeholder 2"/>
-          <p:cNvSpPr>
-            <a:spLocks noGrp="1"/>
-          </p:cNvSpPr>
-          <p:nvPr>
-            <p:ph idx="1"/>
-          </p:nvPr>
-        </p:nvSpPr>
-        <p:spPr/>
-        <p:txBody>
-          <a:bodyPr/>
-          <a:lstStyle/>
-          <a:p>
-            <a:r>
-              <a:rPr lang="en-US" dirty="0">
-                <a:latin typeface="Courier New"/>
-                <a:cs typeface="Courier New"/>
-              </a:rPr>
-              <a:t>dtype</a:t>
-            </a:r>
-            <a:r>
-              <a:rPr lang="en-US" dirty="0"/>
-              <a:t> is a special object that defines type of data in array</a:t>
-            </a:r>
-          </a:p>
-          <a:p>
-            <a:pPr lvl="1"/>
-            <a:r>
-              <a:rPr lang="en-US" dirty="0"/>
-              <a:t>Can be set when creating array</a:t>
-            </a:r>
-          </a:p>
-          <a:p>
-            <a:r>
-              <a:rPr lang="en-US" dirty="0"/>
-              <a:t>Full set of data types can be found at </a:t>
-            </a:r>
-          </a:p>
-          <a:p>
-            <a:pPr lvl="1"/>
-            <a:r>
-              <a:rPr lang="en-US" dirty="0">
-                <a:hlinkClick r:id="rId3"/>
-              </a:rPr>
-              <a:t>https://docs.scipy.org/doc/numpy/user/basics.types.html</a:t>
-            </a:r>
-            <a:r>
-              <a:rPr lang="en-US" dirty="0"/>
-              <a:t>  </a:t>
-            </a:r>
-          </a:p>
-          <a:p>
-            <a:endParaRPr lang="en-US" dirty="0"/>
-          </a:p>
-        </p:txBody>
-      </p:sp>
-      <p:sp>
-        <p:nvSpPr>
-          <p:cNvPr id="4" name="TextBox 3"/>
-          <p:cNvSpPr txBox="1">
-            <a:spLocks noChangeArrowheads="1"/>
-          </p:cNvSpPr>
-          <p:nvPr/>
-        </p:nvSpPr>
-        <p:spPr bwMode="auto">
-          <a:xfrm>
-            <a:off x="939296" y="2832450"/>
-            <a:ext cx="6938610" cy="2308324"/>
-          </a:xfrm>
-          <a:prstGeom prst="rect">
-            <a:avLst/>
-          </a:prstGeom>
-          <a:noFill/>
-          <a:ln w="28575">
-            <a:solidFill>
-              <a:schemeClr val="accent2">
-                <a:lumMod val="20000"/>
-                <a:lumOff val="80000"/>
-              </a:schemeClr>
-            </a:solidFill>
-            <a:miter lim="800000"/>
-            <a:headEnd/>
-            <a:tailEnd/>
-          </a:ln>
-          <a:effectLst/>
-        </p:spPr>
-        <p:txBody>
-          <a:bodyPr wrap="square">
-            <a:spAutoFit/>
-          </a:bodyPr>
-          <a:lstStyle>
-            <a:lvl1pPr eaLnBrk="0" hangingPunct="0">
-              <a:defRPr sz="2400">
-                <a:solidFill>
-                  <a:schemeClr val="bg1"/>
-                </a:solidFill>
-                <a:latin typeface="Arial" panose="020B0604020202020204" pitchFamily="34" charset="0"/>
-                <a:ea typeface="MS PGothic" panose="020B0600070205080204" pitchFamily="34" charset="-128"/>
-              </a:defRPr>
-            </a:lvl1pPr>
-            <a:lvl2pPr marL="742950" indent="-285750" eaLnBrk="0" hangingPunct="0">
-              <a:defRPr sz="2400">
-                <a:solidFill>
-                  <a:schemeClr val="bg1"/>
-                </a:solidFill>
-                <a:latin typeface="Arial" panose="020B0604020202020204" pitchFamily="34" charset="0"/>
-                <a:ea typeface="MS PGothic" panose="020B0600070205080204" pitchFamily="34" charset="-128"/>
-              </a:defRPr>
-            </a:lvl2pPr>
-            <a:lvl3pPr marL="1143000" indent="-228600" eaLnBrk="0" hangingPunct="0">
-              <a:defRPr sz="2400">
-                <a:solidFill>
-                  <a:schemeClr val="bg1"/>
-                </a:solidFill>
-                <a:latin typeface="Arial" panose="020B0604020202020204" pitchFamily="34" charset="0"/>
-                <a:ea typeface="MS PGothic" panose="020B0600070205080204" pitchFamily="34" charset="-128"/>
-              </a:defRPr>
-            </a:lvl3pPr>
-            <a:lvl4pPr marL="1600200" indent="-228600" eaLnBrk="0" hangingPunct="0">
-              <a:defRPr sz="2400">
-                <a:solidFill>
-                  <a:schemeClr val="bg1"/>
-                </a:solidFill>
-                <a:latin typeface="Arial" panose="020B0604020202020204" pitchFamily="34" charset="0"/>
-                <a:ea typeface="MS PGothic" panose="020B0600070205080204" pitchFamily="34" charset="-128"/>
-              </a:defRPr>
-            </a:lvl4pPr>
-            <a:lvl5pPr marL="2057400" indent="-228600" eaLnBrk="0" hangingPunct="0">
-              <a:defRPr sz="2400">
-                <a:solidFill>
-                  <a:schemeClr val="bg1"/>
-                </a:solidFill>
-                <a:latin typeface="Arial" panose="020B0604020202020204" pitchFamily="34" charset="0"/>
-                <a:ea typeface="MS PGothic" panose="020B0600070205080204" pitchFamily="34" charset="-128"/>
-              </a:defRPr>
-            </a:lvl5pPr>
-            <a:lvl6pPr marL="2514600" indent="-228600" eaLnBrk="0" fontAlgn="base" hangingPunct="0">
-              <a:spcBef>
-                <a:spcPct val="0"/>
-              </a:spcBef>
-              <a:spcAft>
-                <a:spcPct val="0"/>
-              </a:spcAft>
-              <a:defRPr sz="2400">
-                <a:solidFill>
-                  <a:schemeClr val="bg1"/>
-                </a:solidFill>
-                <a:latin typeface="Arial" panose="020B0604020202020204" pitchFamily="34" charset="0"/>
-                <a:ea typeface="MS PGothic" panose="020B0600070205080204" pitchFamily="34" charset="-128"/>
-              </a:defRPr>
-            </a:lvl6pPr>
-            <a:lvl7pPr marL="2971800" indent="-228600" eaLnBrk="0" fontAlgn="base" hangingPunct="0">
-              <a:spcBef>
-                <a:spcPct val="0"/>
-              </a:spcBef>
-              <a:spcAft>
-                <a:spcPct val="0"/>
-              </a:spcAft>
-              <a:defRPr sz="2400">
-                <a:solidFill>
-                  <a:schemeClr val="bg1"/>
-                </a:solidFill>
-                <a:latin typeface="Arial" panose="020B0604020202020204" pitchFamily="34" charset="0"/>
-                <a:ea typeface="MS PGothic" panose="020B0600070205080204" pitchFamily="34" charset="-128"/>
-              </a:defRPr>
-            </a:lvl7pPr>
-            <a:lvl8pPr marL="3429000" indent="-228600" eaLnBrk="0" fontAlgn="base" hangingPunct="0">
-              <a:spcBef>
-                <a:spcPct val="0"/>
-              </a:spcBef>
-              <a:spcAft>
-                <a:spcPct val="0"/>
-              </a:spcAft>
-              <a:defRPr sz="2400">
-                <a:solidFill>
-                  <a:schemeClr val="bg1"/>
-                </a:solidFill>
-                <a:latin typeface="Arial" panose="020B0604020202020204" pitchFamily="34" charset="0"/>
-                <a:ea typeface="MS PGothic" panose="020B0600070205080204" pitchFamily="34" charset="-128"/>
-              </a:defRPr>
-            </a:lvl8pPr>
-            <a:lvl9pPr marL="3886200" indent="-228600" eaLnBrk="0" fontAlgn="base" hangingPunct="0">
-              <a:spcBef>
-                <a:spcPct val="0"/>
-              </a:spcBef>
-              <a:spcAft>
-                <a:spcPct val="0"/>
-              </a:spcAft>
-              <a:defRPr sz="2400">
-                <a:solidFill>
-                  <a:schemeClr val="bg1"/>
-                </a:solidFill>
-                <a:latin typeface="Arial" panose="020B0604020202020204" pitchFamily="34" charset="0"/>
-                <a:ea typeface="MS PGothic" panose="020B0600070205080204" pitchFamily="34" charset="-128"/>
-              </a:defRPr>
-            </a:lvl9pPr>
-          </a:lstStyle>
-          <a:p>
-            <a:r>
-              <a:rPr lang="pl-PL" sz="1800" b="1" dirty="0">
-                <a:solidFill>
-                  <a:schemeClr val="tx1"/>
-                </a:solidFill>
-                <a:latin typeface="Courier New"/>
-                <a:cs typeface="Courier New"/>
-              </a:rPr>
-              <a:t>array1 = </a:t>
-            </a:r>
-            <a:r>
-              <a:rPr lang="pl-PL" sz="1800" b="1" dirty="0" err="1">
-                <a:solidFill>
-                  <a:schemeClr val="tx1"/>
-                </a:solidFill>
-                <a:latin typeface="Courier New"/>
-                <a:cs typeface="Courier New"/>
-              </a:rPr>
-              <a:t>np.array</a:t>
-            </a:r>
-            <a:r>
-              <a:rPr lang="pl-PL" sz="1800" b="1" dirty="0">
-                <a:solidFill>
-                  <a:schemeClr val="tx1"/>
-                </a:solidFill>
-                <a:latin typeface="Courier New"/>
-                <a:cs typeface="Courier New"/>
-              </a:rPr>
-              <a:t>([1,2,3,4,5], </a:t>
-            </a:r>
-            <a:r>
-              <a:rPr lang="pl-PL" sz="1800" b="1" dirty="0" err="1">
-                <a:solidFill>
-                  <a:schemeClr val="tx1"/>
-                </a:solidFill>
-                <a:latin typeface="Courier New"/>
-                <a:cs typeface="Courier New"/>
-              </a:rPr>
-              <a:t>dtype</a:t>
-            </a:r>
-            <a:r>
-              <a:rPr lang="pl-PL" sz="1800" b="1" dirty="0">
-                <a:solidFill>
-                  <a:schemeClr val="tx1"/>
-                </a:solidFill>
-                <a:latin typeface="Courier New"/>
-                <a:cs typeface="Courier New"/>
-              </a:rPr>
-              <a:t>=np.float64)</a:t>
-            </a:r>
-          </a:p>
-          <a:p>
-            <a:endParaRPr lang="pl-PL" sz="1800" b="1" dirty="0">
-              <a:solidFill>
-                <a:schemeClr val="tx1"/>
-              </a:solidFill>
-              <a:latin typeface="Courier New"/>
-              <a:cs typeface="Courier New"/>
-            </a:endParaRPr>
-          </a:p>
-          <a:p>
-            <a:r>
-              <a:rPr lang="en-US" sz="1800" b="1" dirty="0">
-                <a:solidFill>
-                  <a:schemeClr val="tx1"/>
-                </a:solidFill>
-                <a:latin typeface="Courier New"/>
-                <a:cs typeface="Courier New"/>
-              </a:rPr>
-              <a:t>array1</a:t>
-            </a:r>
-          </a:p>
-          <a:p>
-            <a:r>
-              <a:rPr lang="mr-IN" sz="1800" dirty="0" err="1">
-                <a:solidFill>
-                  <a:schemeClr val="tx1"/>
-                </a:solidFill>
-                <a:latin typeface="Courier New"/>
-                <a:cs typeface="Courier New"/>
-              </a:rPr>
-              <a:t>array</a:t>
-            </a:r>
-            <a:r>
-              <a:rPr lang="mr-IN" sz="1800" dirty="0">
-                <a:solidFill>
-                  <a:schemeClr val="tx1"/>
-                </a:solidFill>
-                <a:latin typeface="Courier New"/>
-                <a:cs typeface="Courier New"/>
-              </a:rPr>
-              <a:t>([ 1.,  2.,  3.,  4.,  5.])</a:t>
-            </a:r>
-          </a:p>
-          <a:p>
-            <a:endParaRPr lang="mr-IN" sz="1800" dirty="0">
-              <a:solidFill>
-                <a:schemeClr val="tx1"/>
-              </a:solidFill>
-              <a:latin typeface="Courier New"/>
-              <a:cs typeface="Courier New"/>
-            </a:endParaRPr>
-          </a:p>
-          <a:p>
-            <a:r>
-              <a:rPr lang="en-US" sz="1800" b="1" dirty="0">
-                <a:solidFill>
-                  <a:schemeClr val="tx1"/>
-                </a:solidFill>
-                <a:latin typeface="Courier New"/>
-                <a:cs typeface="Courier New"/>
-              </a:rPr>
-              <a:t>array1.dtype</a:t>
-            </a:r>
-          </a:p>
-          <a:p>
-            <a:r>
-              <a:rPr lang="en-US" sz="1800" dirty="0">
-                <a:solidFill>
-                  <a:schemeClr val="tx1"/>
-                </a:solidFill>
-                <a:latin typeface="Courier New"/>
-                <a:cs typeface="Courier New"/>
-              </a:rPr>
-              <a:t>dtype('float64')</a:t>
-            </a:r>
-          </a:p>
-          <a:p>
-            <a:endParaRPr lang="mr-IN" sz="1800" dirty="0">
-              <a:solidFill>
-                <a:schemeClr val="tx1"/>
-              </a:solidFill>
-              <a:latin typeface="Courier New"/>
-              <a:cs typeface="Courier New"/>
-            </a:endParaRPr>
-          </a:p>
-        </p:txBody>
-      </p:sp>
-      <p:sp>
-        <p:nvSpPr>
-          <p:cNvPr id="5" name="Rectangular Callout 4"/>
-          <p:cNvSpPr>
-            <a:spLocks noChangeArrowheads="1"/>
-          </p:cNvSpPr>
-          <p:nvPr/>
-        </p:nvSpPr>
-        <p:spPr bwMode="auto">
-          <a:xfrm>
-            <a:off x="6094129" y="4149966"/>
-            <a:ext cx="2070938" cy="338554"/>
-          </a:xfrm>
-          <a:prstGeom prst="wedgeRectCallout">
-            <a:avLst>
-              <a:gd name="adj1" fmla="val 3693"/>
-              <a:gd name="adj2" fmla="val -353822"/>
-            </a:avLst>
-          </a:prstGeom>
-          <a:solidFill>
-            <a:schemeClr val="accent2">
-              <a:lumMod val="20000"/>
-              <a:lumOff val="80000"/>
-            </a:schemeClr>
-          </a:solidFill>
-          <a:ln w="9525">
-            <a:noFill/>
-            <a:round/>
-            <a:headEnd/>
-            <a:tailEnd/>
-          </a:ln>
-          <a:effectLst/>
-        </p:spPr>
-        <p:txBody>
-          <a:bodyPr wrap="square" anchor="ctr">
-            <a:spAutoFit/>
-          </a:bodyPr>
-          <a:lstStyle/>
-          <a:p>
-            <a:pPr algn="ctr" eaLnBrk="1" hangingPunct="1">
-              <a:defRPr/>
-            </a:pPr>
-            <a:r>
-              <a:rPr lang="en-US" sz="1600" dirty="0">
-                <a:solidFill>
-                  <a:schemeClr val="tx1"/>
-                </a:solidFill>
-                <a:latin typeface="+mn-lt"/>
-                <a:ea typeface="ＭＳ Ｐゴシック" charset="0"/>
-                <a:cs typeface="Arial"/>
-              </a:rPr>
-              <a:t>Specify type of data</a:t>
-            </a:r>
-          </a:p>
-        </p:txBody>
-      </p:sp>
-    </p:spTree>
-    <p:extLst>
-      <p:ext uri="{BB962C8B-B14F-4D97-AF65-F5344CB8AC3E}">
-        <p14:creationId xmlns:p14="http://schemas.microsoft.com/office/powerpoint/2010/main" val="350332986"/>
-      </p:ext>
-    </p:extLst>
-  </p:cSld>
-  <p:clrMapOvr>
-    <a:masterClrMapping/>
-  </p:clrMapOvr>
-</p:sld>
-</file>
-
 <file path=ppt/slides/slide8.xml><?xml version="1.0" encoding="utf-8"?>
-<p:sld xmlns:a="http://schemas.openxmlformats.org/drawingml/2006/main" xmlns:r="http://schemas.openxmlformats.org/officeDocument/2006/relationships" xmlns:p="http://schemas.openxmlformats.org/presentationml/2006/main">
-  <p:cSld>
-    <p:spTree>
-      <p:nvGrpSpPr>
-        <p:cNvPr id="1" name=""/>
-        <p:cNvGrpSpPr/>
-        <p:nvPr/>
-      </p:nvGrpSpPr>
-      <p:grpSpPr>
-        <a:xfrm>
-          <a:off x="0" y="0"/>
-          <a:ext cx="0" cy="0"/>
-          <a:chOff x="0" y="0"/>
-          <a:chExt cx="0" cy="0"/>
-        </a:xfrm>
-      </p:grpSpPr>
-      <p:sp>
-        <p:nvSpPr>
-          <p:cNvPr id="32771" name="Content Placeholder 2"/>
-          <p:cNvSpPr>
-            <a:spLocks noGrp="1"/>
-          </p:cNvSpPr>
-          <p:nvPr>
-            <p:ph idx="1"/>
-          </p:nvPr>
-        </p:nvSpPr>
-        <p:spPr/>
-        <p:txBody>
-          <a:bodyPr/>
-          <a:lstStyle/>
-          <a:p>
-            <a:r>
-              <a:rPr lang="en-US" altLang="en-US" dirty="0"/>
-              <a:t>Please Open Day2-Labs notebook and complete the first lab</a:t>
-            </a:r>
-            <a:endParaRPr altLang="en-US" dirty="0">
-              <a:latin typeface="Courier New" panose="02070309020205020404" pitchFamily="49" charset="0"/>
-              <a:cs typeface="Courier New" panose="02070309020205020404" pitchFamily="49" charset="0"/>
-            </a:endParaRPr>
-          </a:p>
-        </p:txBody>
-      </p:sp>
-      <p:sp>
-        <p:nvSpPr>
-          <p:cNvPr id="32770" name="Title 1"/>
-          <p:cNvSpPr>
-            <a:spLocks noGrp="1"/>
-          </p:cNvSpPr>
-          <p:nvPr>
-            <p:ph type="title"/>
-          </p:nvPr>
-        </p:nvSpPr>
-        <p:spPr/>
-        <p:txBody>
-          <a:bodyPr/>
-          <a:lstStyle/>
-          <a:p>
-            <a:r>
-              <a:rPr lang="en-US" altLang="en-US" dirty="0"/>
-              <a:t>Exercise 2.1: Array Creation</a:t>
-            </a:r>
-          </a:p>
-        </p:txBody>
-      </p:sp>
-    </p:spTree>
-    <p:extLst>
-      <p:ext uri="{BB962C8B-B14F-4D97-AF65-F5344CB8AC3E}">
-        <p14:creationId xmlns:p14="http://schemas.microsoft.com/office/powerpoint/2010/main" val="915788596"/>
-      </p:ext>
-    </p:extLst>
-  </p:cSld>
-  <p:clrMapOvr>
-    <a:masterClrMapping/>
-  </p:clrMapOvr>
-</p:sld>
-</file>
-
-<file path=ppt/slides/slide9.xml><?xml version="1.0" encoding="utf-8"?>
 <p:sld xmlns:a="http://schemas.openxmlformats.org/drawingml/2006/main" xmlns:r="http://schemas.openxmlformats.org/officeDocument/2006/relationships" xmlns:p="http://schemas.openxmlformats.org/presentationml/2006/main">
   <p:cSld>
     <p:spTree>
@@ -19402,6 +18714,493 @@
     <p:extLst>
       <p:ext uri="{BB962C8B-B14F-4D97-AF65-F5344CB8AC3E}">
         <p14:creationId xmlns:p14="http://schemas.microsoft.com/office/powerpoint/2010/main" val="270784765"/>
+      </p:ext>
+    </p:extLst>
+  </p:cSld>
+  <p:clrMapOvr>
+    <a:masterClrMapping/>
+  </p:clrMapOvr>
+</p:sld>
+</file>
+
+<file path=ppt/slides/slide9.xml><?xml version="1.0" encoding="utf-8"?>
+<p:sld xmlns:a="http://schemas.openxmlformats.org/drawingml/2006/main" xmlns:r="http://schemas.openxmlformats.org/officeDocument/2006/relationships" xmlns:p="http://schemas.openxmlformats.org/presentationml/2006/main">
+  <p:cSld>
+    <p:spTree>
+      <p:nvGrpSpPr>
+        <p:cNvPr id="1" name=""/>
+        <p:cNvGrpSpPr/>
+        <p:nvPr/>
+      </p:nvGrpSpPr>
+      <p:grpSpPr>
+        <a:xfrm>
+          <a:off x="0" y="0"/>
+          <a:ext cx="0" cy="0"/>
+          <a:chOff x="0" y="0"/>
+          <a:chExt cx="0" cy="0"/>
+        </a:xfrm>
+      </p:grpSpPr>
+      <p:sp>
+        <p:nvSpPr>
+          <p:cNvPr id="2" name="Title 1"/>
+          <p:cNvSpPr>
+            <a:spLocks noGrp="1"/>
+          </p:cNvSpPr>
+          <p:nvPr>
+            <p:ph type="title"/>
+          </p:nvPr>
+        </p:nvSpPr>
+        <p:spPr>
+          <a:xfrm>
+            <a:off x="785595" y="214313"/>
+            <a:ext cx="7908324" cy="627062"/>
+          </a:xfrm>
+        </p:spPr>
+        <p:txBody>
+          <a:bodyPr/>
+          <a:lstStyle/>
+          <a:p>
+            <a:r>
+              <a:rPr lang="en-US" dirty="0"/>
+              <a:t>Operations Between Arrays and Scalars</a:t>
+            </a:r>
+          </a:p>
+        </p:txBody>
+      </p:sp>
+      <p:sp>
+        <p:nvSpPr>
+          <p:cNvPr id="3" name="Content Placeholder 2"/>
+          <p:cNvSpPr>
+            <a:spLocks noGrp="1"/>
+          </p:cNvSpPr>
+          <p:nvPr>
+            <p:ph idx="1"/>
+          </p:nvPr>
+        </p:nvSpPr>
+        <p:spPr/>
+        <p:txBody>
+          <a:bodyPr/>
+          <a:lstStyle/>
+          <a:p>
+            <a:r>
+              <a:rPr lang="en-US" dirty="0"/>
+              <a:t>Arrays allow operations on elements without writing loops</a:t>
+            </a:r>
+          </a:p>
+          <a:p>
+            <a:pPr lvl="1"/>
+            <a:r>
+              <a:rPr lang="en-US" dirty="0"/>
+              <a:t>Usually called </a:t>
+            </a:r>
+            <a:r>
+              <a:rPr lang="en-US" i="1" dirty="0">
+                <a:latin typeface="Century Schoolbook" panose="02040604050505020304" pitchFamily="18" charset="0"/>
+              </a:rPr>
+              <a:t>vectorization</a:t>
+            </a:r>
+          </a:p>
+          <a:p>
+            <a:r>
+              <a:rPr lang="en-US" dirty="0"/>
+              <a:t>Operations on arrays with scalars propagate the value to each element </a:t>
+            </a:r>
+          </a:p>
+        </p:txBody>
+      </p:sp>
+      <p:sp>
+        <p:nvSpPr>
+          <p:cNvPr id="4" name="TextBox 3"/>
+          <p:cNvSpPr txBox="1">
+            <a:spLocks noChangeArrowheads="1"/>
+          </p:cNvSpPr>
+          <p:nvPr/>
+        </p:nvSpPr>
+        <p:spPr bwMode="auto">
+          <a:xfrm>
+            <a:off x="785595" y="2380762"/>
+            <a:ext cx="7256118" cy="3693319"/>
+          </a:xfrm>
+          <a:prstGeom prst="rect">
+            <a:avLst/>
+          </a:prstGeom>
+          <a:noFill/>
+          <a:ln w="28575">
+            <a:solidFill>
+              <a:schemeClr val="accent2">
+                <a:lumMod val="20000"/>
+                <a:lumOff val="80000"/>
+              </a:schemeClr>
+            </a:solidFill>
+            <a:miter lim="800000"/>
+            <a:headEnd/>
+            <a:tailEnd/>
+          </a:ln>
+          <a:effectLst/>
+        </p:spPr>
+        <p:txBody>
+          <a:bodyPr wrap="square">
+            <a:spAutoFit/>
+          </a:bodyPr>
+          <a:lstStyle>
+            <a:lvl1pPr eaLnBrk="0" hangingPunct="0">
+              <a:defRPr sz="2400">
+                <a:solidFill>
+                  <a:schemeClr val="bg1"/>
+                </a:solidFill>
+                <a:latin typeface="Arial" panose="020B0604020202020204" pitchFamily="34" charset="0"/>
+                <a:ea typeface="MS PGothic" panose="020B0600070205080204" pitchFamily="34" charset="-128"/>
+              </a:defRPr>
+            </a:lvl1pPr>
+            <a:lvl2pPr marL="742950" indent="-285750" eaLnBrk="0" hangingPunct="0">
+              <a:defRPr sz="2400">
+                <a:solidFill>
+                  <a:schemeClr val="bg1"/>
+                </a:solidFill>
+                <a:latin typeface="Arial" panose="020B0604020202020204" pitchFamily="34" charset="0"/>
+                <a:ea typeface="MS PGothic" panose="020B0600070205080204" pitchFamily="34" charset="-128"/>
+              </a:defRPr>
+            </a:lvl2pPr>
+            <a:lvl3pPr marL="1143000" indent="-228600" eaLnBrk="0" hangingPunct="0">
+              <a:defRPr sz="2400">
+                <a:solidFill>
+                  <a:schemeClr val="bg1"/>
+                </a:solidFill>
+                <a:latin typeface="Arial" panose="020B0604020202020204" pitchFamily="34" charset="0"/>
+                <a:ea typeface="MS PGothic" panose="020B0600070205080204" pitchFamily="34" charset="-128"/>
+              </a:defRPr>
+            </a:lvl3pPr>
+            <a:lvl4pPr marL="1600200" indent="-228600" eaLnBrk="0" hangingPunct="0">
+              <a:defRPr sz="2400">
+                <a:solidFill>
+                  <a:schemeClr val="bg1"/>
+                </a:solidFill>
+                <a:latin typeface="Arial" panose="020B0604020202020204" pitchFamily="34" charset="0"/>
+                <a:ea typeface="MS PGothic" panose="020B0600070205080204" pitchFamily="34" charset="-128"/>
+              </a:defRPr>
+            </a:lvl4pPr>
+            <a:lvl5pPr marL="2057400" indent="-228600" eaLnBrk="0" hangingPunct="0">
+              <a:defRPr sz="2400">
+                <a:solidFill>
+                  <a:schemeClr val="bg1"/>
+                </a:solidFill>
+                <a:latin typeface="Arial" panose="020B0604020202020204" pitchFamily="34" charset="0"/>
+                <a:ea typeface="MS PGothic" panose="020B0600070205080204" pitchFamily="34" charset="-128"/>
+              </a:defRPr>
+            </a:lvl5pPr>
+            <a:lvl6pPr marL="2514600" indent="-228600" eaLnBrk="0" fontAlgn="base" hangingPunct="0">
+              <a:spcBef>
+                <a:spcPct val="0"/>
+              </a:spcBef>
+              <a:spcAft>
+                <a:spcPct val="0"/>
+              </a:spcAft>
+              <a:defRPr sz="2400">
+                <a:solidFill>
+                  <a:schemeClr val="bg1"/>
+                </a:solidFill>
+                <a:latin typeface="Arial" panose="020B0604020202020204" pitchFamily="34" charset="0"/>
+                <a:ea typeface="MS PGothic" panose="020B0600070205080204" pitchFamily="34" charset="-128"/>
+              </a:defRPr>
+            </a:lvl6pPr>
+            <a:lvl7pPr marL="2971800" indent="-228600" eaLnBrk="0" fontAlgn="base" hangingPunct="0">
+              <a:spcBef>
+                <a:spcPct val="0"/>
+              </a:spcBef>
+              <a:spcAft>
+                <a:spcPct val="0"/>
+              </a:spcAft>
+              <a:defRPr sz="2400">
+                <a:solidFill>
+                  <a:schemeClr val="bg1"/>
+                </a:solidFill>
+                <a:latin typeface="Arial" panose="020B0604020202020204" pitchFamily="34" charset="0"/>
+                <a:ea typeface="MS PGothic" panose="020B0600070205080204" pitchFamily="34" charset="-128"/>
+              </a:defRPr>
+            </a:lvl7pPr>
+            <a:lvl8pPr marL="3429000" indent="-228600" eaLnBrk="0" fontAlgn="base" hangingPunct="0">
+              <a:spcBef>
+                <a:spcPct val="0"/>
+              </a:spcBef>
+              <a:spcAft>
+                <a:spcPct val="0"/>
+              </a:spcAft>
+              <a:defRPr sz="2400">
+                <a:solidFill>
+                  <a:schemeClr val="bg1"/>
+                </a:solidFill>
+                <a:latin typeface="Arial" panose="020B0604020202020204" pitchFamily="34" charset="0"/>
+                <a:ea typeface="MS PGothic" panose="020B0600070205080204" pitchFamily="34" charset="-128"/>
+              </a:defRPr>
+            </a:lvl8pPr>
+            <a:lvl9pPr marL="3886200" indent="-228600" eaLnBrk="0" fontAlgn="base" hangingPunct="0">
+              <a:spcBef>
+                <a:spcPct val="0"/>
+              </a:spcBef>
+              <a:spcAft>
+                <a:spcPct val="0"/>
+              </a:spcAft>
+              <a:defRPr sz="2400">
+                <a:solidFill>
+                  <a:schemeClr val="bg1"/>
+                </a:solidFill>
+                <a:latin typeface="Arial" panose="020B0604020202020204" pitchFamily="34" charset="0"/>
+                <a:ea typeface="MS PGothic" panose="020B0600070205080204" pitchFamily="34" charset="-128"/>
+              </a:defRPr>
+            </a:lvl9pPr>
+          </a:lstStyle>
+          <a:p>
+            <a:pPr lvl="1"/>
+            <a:r>
+              <a:rPr lang="mr-IN" sz="1800" b="1" dirty="0">
+                <a:solidFill>
+                  <a:schemeClr val="tx1"/>
+                </a:solidFill>
+                <a:latin typeface="Courier New"/>
+                <a:cs typeface="Courier New"/>
+              </a:rPr>
+              <a:t>array1 = np.array([[1.,2.,3.],[4.,5.,6.]])</a:t>
+            </a:r>
+          </a:p>
+          <a:p>
+            <a:pPr lvl="1"/>
+            <a:r>
+              <a:rPr lang="en-US" sz="1800" b="1" dirty="0">
+                <a:solidFill>
+                  <a:schemeClr val="tx1"/>
+                </a:solidFill>
+                <a:latin typeface="Courier New"/>
+                <a:cs typeface="Courier New"/>
+              </a:rPr>
+              <a:t>array1</a:t>
+            </a:r>
+          </a:p>
+          <a:p>
+            <a:pPr lvl="1"/>
+            <a:endParaRPr lang="en-US" sz="1800" dirty="0">
+              <a:solidFill>
+                <a:schemeClr val="tx1"/>
+              </a:solidFill>
+              <a:latin typeface="Courier New"/>
+              <a:cs typeface="Courier New"/>
+            </a:endParaRPr>
+          </a:p>
+          <a:p>
+            <a:pPr lvl="1"/>
+            <a:r>
+              <a:rPr lang="mr-IN" sz="1800" dirty="0" err="1">
+                <a:solidFill>
+                  <a:schemeClr val="tx1"/>
+                </a:solidFill>
+                <a:latin typeface="Courier New"/>
+                <a:cs typeface="Courier New"/>
+              </a:rPr>
+              <a:t>array</a:t>
+            </a:r>
+            <a:r>
+              <a:rPr lang="mr-IN" sz="1800" dirty="0">
+                <a:solidFill>
+                  <a:schemeClr val="tx1"/>
+                </a:solidFill>
+                <a:latin typeface="Courier New"/>
+                <a:cs typeface="Courier New"/>
+              </a:rPr>
+              <a:t>([[ 1.,  2.,  3.],</a:t>
+            </a:r>
+          </a:p>
+          <a:p>
+            <a:pPr lvl="1"/>
+            <a:r>
+              <a:rPr lang="mr-IN" sz="1800" dirty="0">
+                <a:solidFill>
+                  <a:schemeClr val="tx1"/>
+                </a:solidFill>
+                <a:latin typeface="Courier New"/>
+                <a:cs typeface="Courier New"/>
+              </a:rPr>
+              <a:t>       [ 4.,  5.,  6.]])</a:t>
+            </a:r>
+          </a:p>
+          <a:p>
+            <a:pPr lvl="1"/>
+            <a:endParaRPr lang="mr-IN" sz="1800" dirty="0">
+              <a:solidFill>
+                <a:schemeClr val="tx1"/>
+              </a:solidFill>
+              <a:latin typeface="Courier New"/>
+              <a:cs typeface="Courier New"/>
+            </a:endParaRPr>
+          </a:p>
+          <a:p>
+            <a:pPr lvl="1"/>
+            <a:r>
+              <a:rPr lang="mr-IN" sz="1800" b="1" dirty="0">
+                <a:solidFill>
+                  <a:schemeClr val="tx1"/>
+                </a:solidFill>
+                <a:latin typeface="Courier New"/>
+                <a:cs typeface="Courier New"/>
+              </a:rPr>
+              <a:t>1/array1</a:t>
+            </a:r>
+          </a:p>
+          <a:p>
+            <a:pPr lvl="1"/>
+            <a:r>
+              <a:rPr lang="mr-IN" sz="1800" dirty="0" err="1">
+                <a:solidFill>
+                  <a:schemeClr val="tx1"/>
+                </a:solidFill>
+                <a:latin typeface="Courier New"/>
+                <a:cs typeface="Courier New"/>
+              </a:rPr>
+              <a:t>array</a:t>
+            </a:r>
+            <a:r>
+              <a:rPr lang="mr-IN" sz="1800" dirty="0">
+                <a:solidFill>
+                  <a:schemeClr val="tx1"/>
+                </a:solidFill>
+                <a:latin typeface="Courier New"/>
+                <a:cs typeface="Courier New"/>
+              </a:rPr>
+              <a:t>([[ 1.        ,  0.5       ,  0.33333333],</a:t>
+            </a:r>
+          </a:p>
+          <a:p>
+            <a:pPr lvl="1"/>
+            <a:r>
+              <a:rPr lang="mr-IN" sz="1800" dirty="0">
+                <a:solidFill>
+                  <a:schemeClr val="tx1"/>
+                </a:solidFill>
+                <a:latin typeface="Courier New"/>
+                <a:cs typeface="Courier New"/>
+              </a:rPr>
+              <a:t>       [ 0.25      ,  0.2       ,  0.16666667]])</a:t>
+            </a:r>
+          </a:p>
+          <a:p>
+            <a:pPr lvl="1"/>
+            <a:endParaRPr lang="mr-IN" sz="1800" dirty="0">
+              <a:solidFill>
+                <a:schemeClr val="tx1"/>
+              </a:solidFill>
+              <a:latin typeface="Courier New"/>
+              <a:cs typeface="Courier New"/>
+            </a:endParaRPr>
+          </a:p>
+          <a:p>
+            <a:pPr lvl="1"/>
+            <a:r>
+              <a:rPr lang="mr-IN" sz="1800" b="1" dirty="0">
+                <a:solidFill>
+                  <a:schemeClr val="tx1"/>
+                </a:solidFill>
+                <a:latin typeface="Courier New"/>
+                <a:cs typeface="Courier New"/>
+              </a:rPr>
+              <a:t>array1*3</a:t>
+            </a:r>
+          </a:p>
+          <a:p>
+            <a:pPr lvl="1"/>
+            <a:r>
+              <a:rPr lang="mr-IN" sz="1800" dirty="0" err="1">
+                <a:solidFill>
+                  <a:schemeClr val="tx1"/>
+                </a:solidFill>
+                <a:latin typeface="Courier New"/>
+                <a:cs typeface="Courier New"/>
+              </a:rPr>
+              <a:t>array</a:t>
+            </a:r>
+            <a:r>
+              <a:rPr lang="mr-IN" sz="1800" dirty="0">
+                <a:solidFill>
+                  <a:schemeClr val="tx1"/>
+                </a:solidFill>
+                <a:latin typeface="Courier New"/>
+                <a:cs typeface="Courier New"/>
+              </a:rPr>
+              <a:t>([[  3.,   6.,   9.],</a:t>
+            </a:r>
+          </a:p>
+          <a:p>
+            <a:pPr lvl="1"/>
+            <a:r>
+              <a:rPr lang="mr-IN" sz="1800" dirty="0">
+                <a:solidFill>
+                  <a:schemeClr val="tx1"/>
+                </a:solidFill>
+                <a:latin typeface="Courier New"/>
+                <a:cs typeface="Courier New"/>
+              </a:rPr>
+              <a:t>       [ 12.,  15.,  18.]])</a:t>
+            </a:r>
+          </a:p>
+        </p:txBody>
+      </p:sp>
+      <p:sp>
+        <p:nvSpPr>
+          <p:cNvPr id="5" name="Rectangular Callout 4"/>
+          <p:cNvSpPr>
+            <a:spLocks noChangeArrowheads="1"/>
+          </p:cNvSpPr>
+          <p:nvPr/>
+        </p:nvSpPr>
+        <p:spPr bwMode="auto">
+          <a:xfrm>
+            <a:off x="4970678" y="3190859"/>
+            <a:ext cx="2462212" cy="338554"/>
+          </a:xfrm>
+          <a:prstGeom prst="wedgeRectCallout">
+            <a:avLst>
+              <a:gd name="adj1" fmla="val -112232"/>
+              <a:gd name="adj2" fmla="val 36402"/>
+            </a:avLst>
+          </a:prstGeom>
+          <a:solidFill>
+            <a:schemeClr val="accent2">
+              <a:lumMod val="20000"/>
+              <a:lumOff val="80000"/>
+            </a:schemeClr>
+          </a:solidFill>
+          <a:ln w="9525">
+            <a:noFill/>
+            <a:round/>
+            <a:headEnd/>
+            <a:tailEnd/>
+          </a:ln>
+          <a:effectLst/>
+        </p:spPr>
+        <p:txBody>
+          <a:bodyPr anchor="ctr">
+            <a:spAutoFit/>
+          </a:bodyPr>
+          <a:lstStyle/>
+          <a:p>
+            <a:pPr algn="ctr" eaLnBrk="1" hangingPunct="1">
+              <a:defRPr/>
+            </a:pPr>
+            <a:r>
+              <a:rPr lang="en-US" sz="1600" dirty="0">
+                <a:solidFill>
+                  <a:schemeClr val="tx1"/>
+                </a:solidFill>
+                <a:latin typeface="+mn-lt"/>
+                <a:ea typeface="ＭＳ Ｐゴシック" charset="0"/>
+                <a:cs typeface="Arial"/>
+              </a:rPr>
+              <a:t>Operation with scalar</a:t>
+            </a:r>
+          </a:p>
+        </p:txBody>
+      </p:sp>
+    </p:spTree>
+    <p:extLst>
+      <p:ext uri="{BB962C8B-B14F-4D97-AF65-F5344CB8AC3E}">
+        <p14:creationId xmlns:p14="http://schemas.microsoft.com/office/powerpoint/2010/main" val="3108414176"/>
       </p:ext>
     </p:extLst>
   </p:cSld>
@@ -20622,20 +20421,6 @@
 </file>
 
 <file path=customXml/item1.xml><?xml version="1.0" encoding="utf-8"?>
-<p:properties xmlns:p="http://schemas.microsoft.com/office/2006/metadata/properties" xmlns:xsi="http://www.w3.org/2001/XMLSchema-instance" xmlns:pc="http://schemas.microsoft.com/office/infopath/2007/PartnerControls">
-  <documentManagement>
-    <_dlc_DocId xmlns="037063e9-a85e-4c78-8627-f1a9315663e5">EVEA5JW6U4JV-6-9957</_dlc_DocId>
-    <_dlc_DocIdUrl xmlns="037063e9-a85e-4c78-8627-f1a9315663e5">
-      <Url>https://portal.roitraining.com/Courses/_layouts/DocIdRedir.aspx?ID=EVEA5JW6U4JV-6-9957</Url>
-      <Description>EVEA5JW6U4JV-6-9957</Description>
-    </_dlc_DocIdUrl>
-    <Date_x0020_last_x0020_used xmlns="027ed24f-5970-4294-be5c-0919c5aaa214" xsi:nil="true"/>
-    <Customization_x0020_Information xmlns="027ed24f-5970-4294-be5c-0919c5aaa214" xsi:nil="true"/>
-  </documentManagement>
-</p:properties>
-</file>
-
-<file path=customXml/item2.xml><?xml version="1.0" encoding="utf-8"?>
 <ct:contentTypeSchema xmlns:ct="http://schemas.microsoft.com/office/2006/metadata/contentType" xmlns:ma="http://schemas.microsoft.com/office/2006/metadata/properties/metaAttributes" ct:_="" ma:_="" ma:contentTypeName="Document" ma:contentTypeID="0x0101006B08A054FD435346B287BB258D6D8C2A" ma:contentTypeVersion="2" ma:contentTypeDescription="Create a new document." ma:contentTypeScope="" ma:versionID="6146b90b4382322d8952632f355192b7">
   <xsd:schema xmlns:xsd="http://www.w3.org/2001/XMLSchema" xmlns:xs="http://www.w3.org/2001/XMLSchema" xmlns:p="http://schemas.microsoft.com/office/2006/metadata/properties" xmlns:ns2="027ed24f-5970-4294-be5c-0919c5aaa214" xmlns:ns3="037063e9-a85e-4c78-8627-f1a9315663e5" targetNamespace="http://schemas.microsoft.com/office/2006/metadata/properties" ma:root="true" ma:fieldsID="b5d91f802dafd2e22aeea528efbe2d3e" ns2:_="" ns3:_="">
     <xsd:import namespace="027ed24f-5970-4294-be5c-0919c5aaa214"/>
@@ -20801,16 +20586,21 @@
 </ct:contentTypeSchema>
 </file>
 
-<file path=customXml/item3.xml><?xml version="1.0" encoding="utf-8"?>
-<?mso-contentType ?>
-<FormTemplates xmlns="http://schemas.microsoft.com/sharepoint/v3/contenttype/forms">
-  <Display>DocumentLibraryForm</Display>
-  <Edit>DocumentLibraryForm</Edit>
-  <New>DocumentLibraryForm</New>
-</FormTemplates>
+<file path=customXml/item2.xml><?xml version="1.0" encoding="utf-8"?>
+<p:properties xmlns:p="http://schemas.microsoft.com/office/2006/metadata/properties" xmlns:xsi="http://www.w3.org/2001/XMLSchema-instance" xmlns:pc="http://schemas.microsoft.com/office/infopath/2007/PartnerControls">
+  <documentManagement>
+    <_dlc_DocId xmlns="037063e9-a85e-4c78-8627-f1a9315663e5">EVEA5JW6U4JV-6-9957</_dlc_DocId>
+    <_dlc_DocIdUrl xmlns="037063e9-a85e-4c78-8627-f1a9315663e5">
+      <Url>https://portal.roitraining.com/Courses/_layouts/DocIdRedir.aspx?ID=EVEA5JW6U4JV-6-9957</Url>
+      <Description>EVEA5JW6U4JV-6-9957</Description>
+    </_dlc_DocIdUrl>
+    <Date_x0020_last_x0020_used xmlns="027ed24f-5970-4294-be5c-0919c5aaa214" xsi:nil="true"/>
+    <Customization_x0020_Information xmlns="027ed24f-5970-4294-be5c-0919c5aaa214" xsi:nil="true"/>
+  </documentManagement>
+</p:properties>
 </file>
 
-<file path=customXml/item4.xml><?xml version="1.0" encoding="utf-8"?>
+<file path=customXml/item3.xml><?xml version="1.0" encoding="utf-8"?>
 <?mso-contentType ?>
 <spe:Receivers xmlns:spe="http://schemas.microsoft.com/sharepoint/events">
   <Receiver>
@@ -20856,18 +20646,16 @@
 </spe:Receivers>
 </file>
 
-<file path=customXml/itemProps1.xml><?xml version="1.0" encoding="utf-8"?>
-<ds:datastoreItem xmlns:ds="http://schemas.openxmlformats.org/officeDocument/2006/customXml" ds:itemID="{F47B9207-CE5C-49AD-B414-15CBFA246D65}">
-  <ds:schemaRefs>
-    <ds:schemaRef ds:uri="http://schemas.microsoft.com/office/2006/metadata/properties"/>
-    <ds:schemaRef ds:uri="http://schemas.microsoft.com/office/infopath/2007/PartnerControls"/>
-    <ds:schemaRef ds:uri="037063e9-a85e-4c78-8627-f1a9315663e5"/>
-    <ds:schemaRef ds:uri="027ed24f-5970-4294-be5c-0919c5aaa214"/>
-  </ds:schemaRefs>
-</ds:datastoreItem>
+<file path=customXml/item4.xml><?xml version="1.0" encoding="utf-8"?>
+<?mso-contentType ?>
+<FormTemplates xmlns="http://schemas.microsoft.com/sharepoint/v3/contenttype/forms">
+  <Display>DocumentLibraryForm</Display>
+  <Edit>DocumentLibraryForm</Edit>
+  <New>DocumentLibraryForm</New>
+</FormTemplates>
 </file>
 
-<file path=customXml/itemProps2.xml><?xml version="1.0" encoding="utf-8"?>
+<file path=customXml/itemProps1.xml><?xml version="1.0" encoding="utf-8"?>
 <ds:datastoreItem xmlns:ds="http://schemas.openxmlformats.org/officeDocument/2006/customXml" ds:itemID="{267176B6-2379-40DB-952F-2AEDDD966FA5}">
   <ds:schemaRefs>
     <ds:schemaRef ds:uri="http://schemas.microsoft.com/office/2006/metadata/contentType"/>
@@ -20886,18 +20674,29 @@
 </ds:datastoreItem>
 </file>
 
+<file path=customXml/itemProps2.xml><?xml version="1.0" encoding="utf-8"?>
+<ds:datastoreItem xmlns:ds="http://schemas.openxmlformats.org/officeDocument/2006/customXml" ds:itemID="{F47B9207-CE5C-49AD-B414-15CBFA246D65}">
+  <ds:schemaRefs>
+    <ds:schemaRef ds:uri="http://schemas.microsoft.com/office/2006/metadata/properties"/>
+    <ds:schemaRef ds:uri="http://schemas.microsoft.com/office/infopath/2007/PartnerControls"/>
+    <ds:schemaRef ds:uri="037063e9-a85e-4c78-8627-f1a9315663e5"/>
+    <ds:schemaRef ds:uri="027ed24f-5970-4294-be5c-0919c5aaa214"/>
+  </ds:schemaRefs>
+</ds:datastoreItem>
+</file>
+
 <file path=customXml/itemProps3.xml><?xml version="1.0" encoding="utf-8"?>
+<ds:datastoreItem xmlns:ds="http://schemas.openxmlformats.org/officeDocument/2006/customXml" ds:itemID="{B9043294-8302-4947-B882-02D6486F929C}">
+  <ds:schemaRefs>
+    <ds:schemaRef ds:uri="http://schemas.microsoft.com/sharepoint/events"/>
+  </ds:schemaRefs>
+</ds:datastoreItem>
+</file>
+
+<file path=customXml/itemProps4.xml><?xml version="1.0" encoding="utf-8"?>
 <ds:datastoreItem xmlns:ds="http://schemas.openxmlformats.org/officeDocument/2006/customXml" ds:itemID="{2DA015F3-603C-4688-A5F3-81D587DAB8C9}">
   <ds:schemaRefs>
     <ds:schemaRef ds:uri="http://schemas.microsoft.com/sharepoint/v3/contenttype/forms"/>
   </ds:schemaRefs>
 </ds:datastoreItem>
-</file>
-
-<file path=customXml/itemProps4.xml><?xml version="1.0" encoding="utf-8"?>
-<ds:datastoreItem xmlns:ds="http://schemas.openxmlformats.org/officeDocument/2006/customXml" ds:itemID="{B9043294-8302-4947-B882-02D6486F929C}">
-  <ds:schemaRefs>
-    <ds:schemaRef ds:uri="http://schemas.microsoft.com/sharepoint/events"/>
-  </ds:schemaRefs>
-</ds:datastoreItem>
 </file>
--- a/Day2-Numpy/Ch02-NumPyEssentials.pptx
+++ b/Day2-Numpy/Ch02-NumPyEssentials.pptx
@@ -297,7 +297,7 @@
                 <a:ea typeface="Tahoma" pitchFamily="34" charset="0"/>
                 <a:cs typeface="Tahoma" pitchFamily="34" charset="0"/>
               </a:rPr>
-              <a:t>811M: Python for Data Scientists</a:t>
+              <a:t>Python Program</a:t>
             </a:r>
           </a:p>
         </p:txBody>
@@ -819,7 +819,7 @@
                 </a:solidFill>
                 <a:latin typeface="Tahoma" pitchFamily="34" charset="0"/>
               </a:rPr>
-              <a:t>811M: Python for Data Scientists</a:t>
+              <a:t>Python Program</a:t>
             </a:r>
           </a:p>
         </p:txBody>
@@ -6650,7 +6650,7 @@
                 </a:solidFill>
                 <a:latin typeface="Tahoma" charset="0"/>
               </a:rPr>
-              <a:t>© 2019</a:t>
+              <a:t>© 2020</a:t>
             </a:r>
             <a:r>
               <a:rPr lang="en-US" sz="700" b="0" baseline="0" dirty="0">
@@ -6752,7 +6752,7 @@
                 <a:ea typeface="Tahoma" panose="020B0604030504040204" pitchFamily="34" charset="0"/>
                 <a:cs typeface="Tahoma" panose="020B0604030504040204" pitchFamily="34" charset="0"/>
               </a:rPr>
-              <a:t>811M: Python for Data Scientists</a:t>
+              <a:t>Python Program</a:t>
             </a:r>
           </a:p>
         </p:txBody>
@@ -7534,7 +7534,7 @@
           <a:p>
             <a:r>
               <a:rPr lang="en-US" dirty="0"/>
-              <a:t>Python for Data Scientists</a:t>
+              <a:t>Python Program</a:t>
             </a:r>
           </a:p>
         </p:txBody>
@@ -10306,19 +10306,8 @@
                 <a:latin typeface="Courier New" panose="02070309020205020404" pitchFamily="49" charset="0"/>
                 <a:cs typeface="Courier New" panose="02070309020205020404" pitchFamily="49" charset="0"/>
               </a:rPr>
-              <a:t>min, max, mean, sum, </a:t>
-            </a:r>
-            <a:r>
-              <a:rPr lang="en-US" dirty="0" err="1">
-                <a:latin typeface="Courier New" panose="02070309020205020404" pitchFamily="49" charset="0"/>
-                <a:cs typeface="Courier New" panose="02070309020205020404" pitchFamily="49" charset="0"/>
-              </a:rPr>
-              <a:t>std</a:t>
-            </a:r>
-            <a:endParaRPr lang="en-US" dirty="0">
-              <a:latin typeface="Courier New" panose="02070309020205020404" pitchFamily="49" charset="0"/>
-              <a:cs typeface="Courier New" panose="02070309020205020404" pitchFamily="49" charset="0"/>
-            </a:endParaRPr>
+              <a:t>min, max, mean, sum, std</a:t>
+            </a:r>
           </a:p>
         </p:txBody>
       </p:sp>
@@ -10589,16 +10578,6 @@
           <a:p>
             <a:pPr lvl="1"/>
             <a:r>
-              <a:rPr lang="en-US" sz="1800" b="1" dirty="0" err="1">
-                <a:solidFill>
-                  <a:schemeClr val="tx1"/>
-                </a:solidFill>
-                <a:latin typeface="Courier New"/>
-                <a:cs typeface="Courier New"/>
-              </a:rPr>
-              <a:t>np.sum</a:t>
-            </a:r>
-            <a:r>
               <a:rPr lang="en-US" sz="1800" b="1" dirty="0">
                 <a:solidFill>
                   <a:schemeClr val="tx1"/>
@@ -10606,7 +10585,7 @@
                 <a:latin typeface="Courier New"/>
                 <a:cs typeface="Courier New"/>
               </a:rPr>
-              <a:t>(array1)</a:t>
+              <a:t>np.sum(array1)</a:t>
             </a:r>
           </a:p>
           <a:p>
@@ -14173,47 +14152,7 @@
                 <a:latin typeface="Courier New"/>
                 <a:cs typeface="Courier New"/>
               </a:rPr>
-              <a:t>from </a:t>
-            </a:r>
-            <a:r>
-              <a:rPr lang="en-US" sz="1800" b="1" dirty="0" err="1">
-                <a:solidFill>
-                  <a:schemeClr val="tx1"/>
-                </a:solidFill>
-                <a:latin typeface="Courier New"/>
-                <a:cs typeface="Courier New"/>
-              </a:rPr>
-              <a:t>numpy.linalg</a:t>
-            </a:r>
-            <a:r>
-              <a:rPr lang="en-US" sz="1800" b="1" dirty="0">
-                <a:solidFill>
-                  <a:schemeClr val="tx1"/>
-                </a:solidFill>
-                <a:latin typeface="Courier New"/>
-                <a:cs typeface="Courier New"/>
-              </a:rPr>
-              <a:t> import </a:t>
-            </a:r>
-            <a:r>
-              <a:rPr lang="en-US" sz="1800" b="1" dirty="0" err="1">
-                <a:solidFill>
-                  <a:schemeClr val="tx1"/>
-                </a:solidFill>
-                <a:latin typeface="Courier New"/>
-                <a:cs typeface="Courier New"/>
-              </a:rPr>
-              <a:t>inv</a:t>
-            </a:r>
-            <a:r>
-              <a:rPr lang="en-US" sz="1800" b="1" dirty="0">
-                <a:solidFill>
-                  <a:schemeClr val="tx1"/>
-                </a:solidFill>
-                <a:latin typeface="Courier New"/>
-                <a:cs typeface="Courier New"/>
-              </a:rPr>
-              <a:t>, dot, solve</a:t>
+              <a:t>from numpy.linalg import inv, dot, solve</a:t>
             </a:r>
           </a:p>
           <a:p>
@@ -15013,16 +14952,6 @@
           </a:lstStyle>
           <a:p>
             <a:r>
-              <a:rPr lang="en-US" sz="1800" b="1">
-                <a:solidFill>
-                  <a:schemeClr val="tx1"/>
-                </a:solidFill>
-                <a:latin typeface="Courier New"/>
-                <a:cs typeface="Courier New"/>
-              </a:rPr>
-              <a:t>print </a:t>
-            </a:r>
-            <a:r>
               <a:rPr lang="en-US" sz="1800" b="1" dirty="0">
                 <a:solidFill>
                   <a:schemeClr val="tx1"/>
@@ -15030,7 +14959,7 @@
                 <a:latin typeface="Courier New"/>
                 <a:cs typeface="Courier New"/>
               </a:rPr>
-              <a:t>(np.random.normal(5, 2, 9)) # mean = 5, std = 2</a:t>
+              <a:t>print (np.random.normal(5, 2, 9)) # mean = 5, std = 2</a:t>
             </a:r>
           </a:p>
           <a:p>
@@ -20421,6 +20350,20 @@
 </file>
 
 <file path=customXml/item1.xml><?xml version="1.0" encoding="utf-8"?>
+<p:properties xmlns:p="http://schemas.microsoft.com/office/2006/metadata/properties" xmlns:xsi="http://www.w3.org/2001/XMLSchema-instance" xmlns:pc="http://schemas.microsoft.com/office/infopath/2007/PartnerControls">
+  <documentManagement>
+    <_dlc_DocId xmlns="037063e9-a85e-4c78-8627-f1a9315663e5">EVEA5JW6U4JV-6-9957</_dlc_DocId>
+    <_dlc_DocIdUrl xmlns="037063e9-a85e-4c78-8627-f1a9315663e5">
+      <Url>https://portal.roitraining.com/Courses/_layouts/DocIdRedir.aspx?ID=EVEA5JW6U4JV-6-9957</Url>
+      <Description>EVEA5JW6U4JV-6-9957</Description>
+    </_dlc_DocIdUrl>
+    <Date_x0020_last_x0020_used xmlns="027ed24f-5970-4294-be5c-0919c5aaa214" xsi:nil="true"/>
+    <Customization_x0020_Information xmlns="027ed24f-5970-4294-be5c-0919c5aaa214" xsi:nil="true"/>
+  </documentManagement>
+</p:properties>
+</file>
+
+<file path=customXml/item2.xml><?xml version="1.0" encoding="utf-8"?>
 <ct:contentTypeSchema xmlns:ct="http://schemas.microsoft.com/office/2006/metadata/contentType" xmlns:ma="http://schemas.microsoft.com/office/2006/metadata/properties/metaAttributes" ct:_="" ma:_="" ma:contentTypeName="Document" ma:contentTypeID="0x0101006B08A054FD435346B287BB258D6D8C2A" ma:contentTypeVersion="2" ma:contentTypeDescription="Create a new document." ma:contentTypeScope="" ma:versionID="6146b90b4382322d8952632f355192b7">
   <xsd:schema xmlns:xsd="http://www.w3.org/2001/XMLSchema" xmlns:xs="http://www.w3.org/2001/XMLSchema" xmlns:p="http://schemas.microsoft.com/office/2006/metadata/properties" xmlns:ns2="027ed24f-5970-4294-be5c-0919c5aaa214" xmlns:ns3="037063e9-a85e-4c78-8627-f1a9315663e5" targetNamespace="http://schemas.microsoft.com/office/2006/metadata/properties" ma:root="true" ma:fieldsID="b5d91f802dafd2e22aeea528efbe2d3e" ns2:_="" ns3:_="">
     <xsd:import namespace="027ed24f-5970-4294-be5c-0919c5aaa214"/>
@@ -20586,21 +20529,16 @@
 </ct:contentTypeSchema>
 </file>
 
-<file path=customXml/item2.xml><?xml version="1.0" encoding="utf-8"?>
-<p:properties xmlns:p="http://schemas.microsoft.com/office/2006/metadata/properties" xmlns:xsi="http://www.w3.org/2001/XMLSchema-instance" xmlns:pc="http://schemas.microsoft.com/office/infopath/2007/PartnerControls">
-  <documentManagement>
-    <_dlc_DocId xmlns="037063e9-a85e-4c78-8627-f1a9315663e5">EVEA5JW6U4JV-6-9957</_dlc_DocId>
-    <_dlc_DocIdUrl xmlns="037063e9-a85e-4c78-8627-f1a9315663e5">
-      <Url>https://portal.roitraining.com/Courses/_layouts/DocIdRedir.aspx?ID=EVEA5JW6U4JV-6-9957</Url>
-      <Description>EVEA5JW6U4JV-6-9957</Description>
-    </_dlc_DocIdUrl>
-    <Date_x0020_last_x0020_used xmlns="027ed24f-5970-4294-be5c-0919c5aaa214" xsi:nil="true"/>
-    <Customization_x0020_Information xmlns="027ed24f-5970-4294-be5c-0919c5aaa214" xsi:nil="true"/>
-  </documentManagement>
-</p:properties>
+<file path=customXml/item3.xml><?xml version="1.0" encoding="utf-8"?>
+<?mso-contentType ?>
+<FormTemplates xmlns="http://schemas.microsoft.com/sharepoint/v3/contenttype/forms">
+  <Display>DocumentLibraryForm</Display>
+  <Edit>DocumentLibraryForm</Edit>
+  <New>DocumentLibraryForm</New>
+</FormTemplates>
 </file>
 
-<file path=customXml/item3.xml><?xml version="1.0" encoding="utf-8"?>
+<file path=customXml/item4.xml><?xml version="1.0" encoding="utf-8"?>
 <?mso-contentType ?>
 <spe:Receivers xmlns:spe="http://schemas.microsoft.com/sharepoint/events">
   <Receiver>
@@ -20646,16 +20584,18 @@
 </spe:Receivers>
 </file>
 
-<file path=customXml/item4.xml><?xml version="1.0" encoding="utf-8"?>
-<?mso-contentType ?>
-<FormTemplates xmlns="http://schemas.microsoft.com/sharepoint/v3/contenttype/forms">
-  <Display>DocumentLibraryForm</Display>
-  <Edit>DocumentLibraryForm</Edit>
-  <New>DocumentLibraryForm</New>
-</FormTemplates>
+<file path=customXml/itemProps1.xml><?xml version="1.0" encoding="utf-8"?>
+<ds:datastoreItem xmlns:ds="http://schemas.openxmlformats.org/officeDocument/2006/customXml" ds:itemID="{F47B9207-CE5C-49AD-B414-15CBFA246D65}">
+  <ds:schemaRefs>
+    <ds:schemaRef ds:uri="http://schemas.microsoft.com/office/2006/metadata/properties"/>
+    <ds:schemaRef ds:uri="http://schemas.microsoft.com/office/infopath/2007/PartnerControls"/>
+    <ds:schemaRef ds:uri="037063e9-a85e-4c78-8627-f1a9315663e5"/>
+    <ds:schemaRef ds:uri="027ed24f-5970-4294-be5c-0919c5aaa214"/>
+  </ds:schemaRefs>
+</ds:datastoreItem>
 </file>
 
-<file path=customXml/itemProps1.xml><?xml version="1.0" encoding="utf-8"?>
+<file path=customXml/itemProps2.xml><?xml version="1.0" encoding="utf-8"?>
 <ds:datastoreItem xmlns:ds="http://schemas.openxmlformats.org/officeDocument/2006/customXml" ds:itemID="{267176B6-2379-40DB-952F-2AEDDD966FA5}">
   <ds:schemaRefs>
     <ds:schemaRef ds:uri="http://schemas.microsoft.com/office/2006/metadata/contentType"/>
@@ -20674,29 +20614,18 @@
 </ds:datastoreItem>
 </file>
 
-<file path=customXml/itemProps2.xml><?xml version="1.0" encoding="utf-8"?>
-<ds:datastoreItem xmlns:ds="http://schemas.openxmlformats.org/officeDocument/2006/customXml" ds:itemID="{F47B9207-CE5C-49AD-B414-15CBFA246D65}">
+<file path=customXml/itemProps3.xml><?xml version="1.0" encoding="utf-8"?>
+<ds:datastoreItem xmlns:ds="http://schemas.openxmlformats.org/officeDocument/2006/customXml" ds:itemID="{2DA015F3-603C-4688-A5F3-81D587DAB8C9}">
   <ds:schemaRefs>
-    <ds:schemaRef ds:uri="http://schemas.microsoft.com/office/2006/metadata/properties"/>
-    <ds:schemaRef ds:uri="http://schemas.microsoft.com/office/infopath/2007/PartnerControls"/>
-    <ds:schemaRef ds:uri="037063e9-a85e-4c78-8627-f1a9315663e5"/>
-    <ds:schemaRef ds:uri="027ed24f-5970-4294-be5c-0919c5aaa214"/>
+    <ds:schemaRef ds:uri="http://schemas.microsoft.com/sharepoint/v3/contenttype/forms"/>
   </ds:schemaRefs>
 </ds:datastoreItem>
 </file>
 
-<file path=customXml/itemProps3.xml><?xml version="1.0" encoding="utf-8"?>
+<file path=customXml/itemProps4.xml><?xml version="1.0" encoding="utf-8"?>
 <ds:datastoreItem xmlns:ds="http://schemas.openxmlformats.org/officeDocument/2006/customXml" ds:itemID="{B9043294-8302-4947-B882-02D6486F929C}">
   <ds:schemaRefs>
     <ds:schemaRef ds:uri="http://schemas.microsoft.com/sharepoint/events"/>
   </ds:schemaRefs>
 </ds:datastoreItem>
-</file>
-
-<file path=customXml/itemProps4.xml><?xml version="1.0" encoding="utf-8"?>
-<ds:datastoreItem xmlns:ds="http://schemas.openxmlformats.org/officeDocument/2006/customXml" ds:itemID="{2DA015F3-603C-4688-A5F3-81D587DAB8C9}">
-  <ds:schemaRefs>
-    <ds:schemaRef ds:uri="http://schemas.microsoft.com/sharepoint/v3/contenttype/forms"/>
-  </ds:schemaRefs>
-</ds:datastoreItem>
 </file>